--- a/RMS-Analysis/Κοινή Διαχείριση Πόρων σε Επίπεδο Δήμων και Πόλεων με Νέες Τεχνολογίες - Presentation.pptx
+++ b/RMS-Analysis/Κοινή Διαχείριση Πόρων σε Επίπεδο Δήμων και Πόλεων με Νέες Τεχνολογίες - Presentation.pptx
@@ -2,46 +2,46 @@
 <file path=ppt/presentation.xml><?xml version="1.0" encoding="utf-8"?>
 <p:presentation xmlns:a="http://schemas.openxmlformats.org/drawingml/2006/main" xmlns:r="http://schemas.openxmlformats.org/officeDocument/2006/relationships" xmlns:mc="http://schemas.openxmlformats.org/markup-compatibility/2006" xmlns:mv="urn:schemas-microsoft-com:mac:vml" xmlns:p="http://schemas.openxmlformats.org/presentationml/2006/main" xmlns:c="http://schemas.openxmlformats.org/drawingml/2006/chart" xmlns:dgm="http://schemas.openxmlformats.org/drawingml/2006/diagram" xmlns:o="urn:schemas-microsoft-com:office:office" xmlns:v="urn:schemas-microsoft-com:vml" xmlns:pvml="urn:schemas-microsoft-com:office:powerpoint" xmlns:com="http://schemas.openxmlformats.org/drawingml/2006/compatibility" xmlns:p14="http://schemas.microsoft.com/office/powerpoint/2010/main" xmlns:p15="http://schemas.microsoft.com/office/powerpoint/2012/main" xmlns:ahyp="http://schemas.microsoft.com/office/drawing/2018/hyperlinkcolor" autoCompressPictures="0" embedTrueTypeFonts="1" strictFirstAndLastChars="0" saveSubsetFonts="1">
   <p:sldMasterIdLst>
-    <p:sldMasterId id="2147483659" r:id="rId4"/>
+    <p:sldMasterId id="2147483659" r:id="rId5"/>
   </p:sldMasterIdLst>
   <p:notesMasterIdLst>
-    <p:notesMasterId r:id="rId5"/>
+    <p:notesMasterId r:id="rId6"/>
   </p:notesMasterIdLst>
   <p:sldIdLst>
-    <p:sldId id="256" r:id="rId6"/>
-    <p:sldId id="257" r:id="rId7"/>
-    <p:sldId id="258" r:id="rId8"/>
-    <p:sldId id="259" r:id="rId9"/>
-    <p:sldId id="260" r:id="rId10"/>
-    <p:sldId id="261" r:id="rId11"/>
-    <p:sldId id="262" r:id="rId12"/>
-    <p:sldId id="263" r:id="rId13"/>
-    <p:sldId id="264" r:id="rId14"/>
-    <p:sldId id="265" r:id="rId15"/>
+    <p:sldId id="256" r:id="rId7"/>
+    <p:sldId id="257" r:id="rId8"/>
+    <p:sldId id="258" r:id="rId9"/>
+    <p:sldId id="259" r:id="rId10"/>
+    <p:sldId id="260" r:id="rId11"/>
+    <p:sldId id="261" r:id="rId12"/>
+    <p:sldId id="262" r:id="rId13"/>
+    <p:sldId id="263" r:id="rId14"/>
+    <p:sldId id="264" r:id="rId15"/>
+    <p:sldId id="265" r:id="rId16"/>
   </p:sldIdLst>
   <p:sldSz cy="5143500" cx="9144000"/>
   <p:notesSz cx="6858000" cy="9144000"/>
   <p:embeddedFontLst>
     <p:embeddedFont>
       <p:font typeface="Ubuntu"/>
-      <p:regular r:id="rId16"/>
-      <p:bold r:id="rId17"/>
-      <p:italic r:id="rId18"/>
-      <p:boldItalic r:id="rId19"/>
+      <p:regular r:id="rId17"/>
+      <p:bold r:id="rId18"/>
+      <p:italic r:id="rId19"/>
+      <p:boldItalic r:id="rId20"/>
     </p:embeddedFont>
     <p:embeddedFont>
       <p:font typeface="Montserrat"/>
-      <p:regular r:id="rId20"/>
-      <p:bold r:id="rId21"/>
-      <p:italic r:id="rId22"/>
-      <p:boldItalic r:id="rId23"/>
+      <p:regular r:id="rId21"/>
+      <p:bold r:id="rId22"/>
+      <p:italic r:id="rId23"/>
+      <p:boldItalic r:id="rId24"/>
     </p:embeddedFont>
     <p:embeddedFont>
       <p:font typeface="Lato"/>
-      <p:regular r:id="rId24"/>
-      <p:bold r:id="rId25"/>
-      <p:italic r:id="rId26"/>
-      <p:boldItalic r:id="rId27"/>
+      <p:regular r:id="rId25"/>
+      <p:bold r:id="rId26"/>
+      <p:italic r:id="rId27"/>
+      <p:boldItalic r:id="rId28"/>
     </p:embeddedFont>
   </p:embeddedFontLst>
   <p:defaultTextStyle>
@@ -822,7 +822,7 @@
   <p:cSld>
     <p:spTree>
       <p:nvGrpSpPr>
-        <p:cNvPr id="184" name="Shape 184"/>
+        <p:cNvPr id="186" name="Shape 186"/>
         <p:cNvGrpSpPr/>
         <p:nvPr/>
       </p:nvGrpSpPr>
@@ -836,7 +836,7 @@
       </p:grpSpPr>
       <p:sp>
         <p:nvSpPr>
-          <p:cNvPr id="185" name="Google Shape;185;g3a33815cf30_0_35:notes"/>
+          <p:cNvPr id="187" name="Google Shape;187;g3a33815cf30_0_35:notes"/>
           <p:cNvSpPr/>
           <p:nvPr>
             <p:ph idx="2" type="sldImg"/>
@@ -871,7 +871,7 @@
       </p:sp>
       <p:sp>
         <p:nvSpPr>
-          <p:cNvPr id="186" name="Google Shape;186;g3a33815cf30_0_35:notes"/>
+          <p:cNvPr id="188" name="Google Shape;188;g3a33815cf30_0_35:notes"/>
           <p:cNvSpPr txBox="1"/>
           <p:nvPr>
             <p:ph idx="1" type="body"/>
@@ -1218,7 +1218,7 @@
   <p:cSld>
     <p:spTree>
       <p:nvGrpSpPr>
-        <p:cNvPr id="154" name="Shape 154"/>
+        <p:cNvPr id="155" name="Shape 155"/>
         <p:cNvGrpSpPr/>
         <p:nvPr/>
       </p:nvGrpSpPr>
@@ -1232,7 +1232,7 @@
       </p:grpSpPr>
       <p:sp>
         <p:nvSpPr>
-          <p:cNvPr id="155" name="Google Shape;155;g3a33815cf30_0_15:notes"/>
+          <p:cNvPr id="156" name="Google Shape;156;g3a33815cf30_0_15:notes"/>
           <p:cNvSpPr/>
           <p:nvPr>
             <p:ph idx="2" type="sldImg"/>
@@ -1267,7 +1267,7 @@
       </p:sp>
       <p:sp>
         <p:nvSpPr>
-          <p:cNvPr id="156" name="Google Shape;156;g3a33815cf30_0_15:notes"/>
+          <p:cNvPr id="157" name="Google Shape;157;g3a33815cf30_0_15:notes"/>
           <p:cNvSpPr txBox="1"/>
           <p:nvPr>
             <p:ph idx="1" type="body"/>
@@ -1317,7 +1317,7 @@
   <p:cSld>
     <p:spTree>
       <p:nvGrpSpPr>
-        <p:cNvPr id="160" name="Shape 160"/>
+        <p:cNvPr id="163" name="Shape 163"/>
         <p:cNvGrpSpPr/>
         <p:nvPr/>
       </p:nvGrpSpPr>
@@ -1331,7 +1331,7 @@
       </p:grpSpPr>
       <p:sp>
         <p:nvSpPr>
-          <p:cNvPr id="161" name="Google Shape;161;g3a33815cf30_0_25:notes"/>
+          <p:cNvPr id="164" name="Google Shape;164;g3a33815cf30_0_25:notes"/>
           <p:cNvSpPr/>
           <p:nvPr>
             <p:ph idx="2" type="sldImg"/>
@@ -1366,7 +1366,7 @@
       </p:sp>
       <p:sp>
         <p:nvSpPr>
-          <p:cNvPr id="162" name="Google Shape;162;g3a33815cf30_0_25:notes"/>
+          <p:cNvPr id="165" name="Google Shape;165;g3a33815cf30_0_25:notes"/>
           <p:cNvSpPr txBox="1"/>
           <p:nvPr>
             <p:ph idx="1" type="body"/>
@@ -1416,7 +1416,7 @@
   <p:cSld>
     <p:spTree>
       <p:nvGrpSpPr>
-        <p:cNvPr id="166" name="Shape 166"/>
+        <p:cNvPr id="169" name="Shape 169"/>
         <p:cNvGrpSpPr/>
         <p:nvPr/>
       </p:nvGrpSpPr>
@@ -1430,7 +1430,7 @@
       </p:grpSpPr>
       <p:sp>
         <p:nvSpPr>
-          <p:cNvPr id="167" name="Google Shape;167;g3a33815cf30_0_40:notes"/>
+          <p:cNvPr id="170" name="Google Shape;170;g3a33815cf30_0_40:notes"/>
           <p:cNvSpPr/>
           <p:nvPr>
             <p:ph idx="2" type="sldImg"/>
@@ -1465,7 +1465,7 @@
       </p:sp>
       <p:sp>
         <p:nvSpPr>
-          <p:cNvPr id="168" name="Google Shape;168;g3a33815cf30_0_40:notes"/>
+          <p:cNvPr id="171" name="Google Shape;171;g3a33815cf30_0_40:notes"/>
           <p:cNvSpPr txBox="1"/>
           <p:nvPr>
             <p:ph idx="1" type="body"/>
@@ -1515,7 +1515,7 @@
   <p:cSld>
     <p:spTree>
       <p:nvGrpSpPr>
-        <p:cNvPr id="172" name="Shape 172"/>
+        <p:cNvPr id="175" name="Shape 175"/>
         <p:cNvGrpSpPr/>
         <p:nvPr/>
       </p:nvGrpSpPr>
@@ -1529,7 +1529,7 @@
       </p:grpSpPr>
       <p:sp>
         <p:nvSpPr>
-          <p:cNvPr id="173" name="Google Shape;173;g3a33815cf30_0_20:notes"/>
+          <p:cNvPr id="176" name="Google Shape;176;g3a33815cf30_0_20:notes"/>
           <p:cNvSpPr/>
           <p:nvPr>
             <p:ph idx="2" type="sldImg"/>
@@ -1564,7 +1564,7 @@
       </p:sp>
       <p:sp>
         <p:nvSpPr>
-          <p:cNvPr id="174" name="Google Shape;174;g3a33815cf30_0_20:notes"/>
+          <p:cNvPr id="177" name="Google Shape;177;g3a33815cf30_0_20:notes"/>
           <p:cNvSpPr txBox="1"/>
           <p:nvPr>
             <p:ph idx="1" type="body"/>
@@ -1614,7 +1614,7 @@
   <p:cSld>
     <p:spTree>
       <p:nvGrpSpPr>
-        <p:cNvPr id="178" name="Shape 178"/>
+        <p:cNvPr id="181" name="Shape 181"/>
         <p:cNvGrpSpPr/>
         <p:nvPr/>
       </p:nvGrpSpPr>
@@ -1628,7 +1628,7 @@
       </p:grpSpPr>
       <p:sp>
         <p:nvSpPr>
-          <p:cNvPr id="179" name="Google Shape;179;g3a33815cf30_0_30:notes"/>
+          <p:cNvPr id="182" name="Google Shape;182;g3a33815cf30_0_30:notes"/>
           <p:cNvSpPr/>
           <p:nvPr>
             <p:ph idx="2" type="sldImg"/>
@@ -1663,7 +1663,7 @@
       </p:sp>
       <p:sp>
         <p:nvSpPr>
-          <p:cNvPr id="180" name="Google Shape;180;g3a33815cf30_0_30:notes"/>
+          <p:cNvPr id="183" name="Google Shape;183;g3a33815cf30_0_30:notes"/>
           <p:cNvSpPr txBox="1"/>
           <p:nvPr>
             <p:ph idx="1" type="body"/>
@@ -9972,8 +9972,8 @@
         </p:nvSpPr>
         <p:spPr>
           <a:xfrm>
-            <a:off x="4962050" y="2945150"/>
-            <a:ext cx="3439200" cy="1973100"/>
+            <a:off x="5239300" y="2830725"/>
+            <a:ext cx="3439200" cy="1190100"/>
           </a:xfrm>
           <a:prstGeom prst="rect">
             <a:avLst/>
@@ -10016,30 +10016,6 @@
             </a:endParaRPr>
           </a:p>
           <a:p>
-            <a:pPr indent="0" lvl="0" marL="457200" rtl="0" algn="r">
-              <a:lnSpc>
-                <a:spcPct val="130000"/>
-              </a:lnSpc>
-              <a:spcBef>
-                <a:spcPts val="0"/>
-              </a:spcBef>
-              <a:spcAft>
-                <a:spcPts val="0"/>
-              </a:spcAft>
-              <a:buSzPts val="1018"/>
-              <a:buNone/>
-            </a:pPr>
-            <a:r>
-              <a:t/>
-            </a:r>
-            <a:endParaRPr sz="1310">
-              <a:latin typeface="Ubuntu"/>
-              <a:ea typeface="Ubuntu"/>
-              <a:cs typeface="Ubuntu"/>
-              <a:sym typeface="Ubuntu"/>
-            </a:endParaRPr>
-          </a:p>
-          <a:p>
             <a:pPr indent="-311785" lvl="0" marL="457200" rtl="0" algn="l">
               <a:lnSpc>
                 <a:spcPct val="130000"/>
@@ -10071,30 +10047,6 @@
             </a:endParaRPr>
           </a:p>
           <a:p>
-            <a:pPr indent="0" lvl="0" marL="457200" rtl="0" algn="l">
-              <a:lnSpc>
-                <a:spcPct val="130000"/>
-              </a:lnSpc>
-              <a:spcBef>
-                <a:spcPts val="0"/>
-              </a:spcBef>
-              <a:spcAft>
-                <a:spcPts val="0"/>
-              </a:spcAft>
-              <a:buSzPts val="1018"/>
-              <a:buNone/>
-            </a:pPr>
-            <a:r>
-              <a:t/>
-            </a:r>
-            <a:endParaRPr sz="1310">
-              <a:latin typeface="Ubuntu"/>
-              <a:ea typeface="Ubuntu"/>
-              <a:cs typeface="Ubuntu"/>
-              <a:sym typeface="Ubuntu"/>
-            </a:endParaRPr>
-          </a:p>
-          <a:p>
             <a:pPr indent="-311785" lvl="0" marL="457200" rtl="0" algn="l">
               <a:lnSpc>
                 <a:spcPct val="130000"/>
@@ -10117,30 +10069,6 @@
                 <a:sym typeface="Ubuntu"/>
               </a:rPr>
               <a:t>Αλέξανδρος Λαζαρίδης - iis23177 </a:t>
-            </a:r>
-            <a:endParaRPr sz="1310">
-              <a:latin typeface="Ubuntu"/>
-              <a:ea typeface="Ubuntu"/>
-              <a:cs typeface="Ubuntu"/>
-              <a:sym typeface="Ubuntu"/>
-            </a:endParaRPr>
-          </a:p>
-          <a:p>
-            <a:pPr indent="0" lvl="0" marL="457200" rtl="0" algn="l">
-              <a:lnSpc>
-                <a:spcPct val="130000"/>
-              </a:lnSpc>
-              <a:spcBef>
-                <a:spcPts val="0"/>
-              </a:spcBef>
-              <a:spcAft>
-                <a:spcPts val="0"/>
-              </a:spcAft>
-              <a:buSzPts val="1018"/>
-              <a:buNone/>
-            </a:pPr>
-            <a:r>
-              <a:t/>
             </a:r>
             <a:endParaRPr sz="1310">
               <a:latin typeface="Ubuntu"/>
@@ -10195,7 +10123,7 @@
   <p:cSld>
     <p:spTree>
       <p:nvGrpSpPr>
-        <p:cNvPr id="187" name="Shape 187"/>
+        <p:cNvPr id="189" name="Shape 189"/>
         <p:cNvGrpSpPr/>
         <p:nvPr/>
       </p:nvGrpSpPr>
@@ -10209,7 +10137,7 @@
       </p:grpSpPr>
       <p:sp>
         <p:nvSpPr>
-          <p:cNvPr id="188" name="Google Shape;188;p22"/>
+          <p:cNvPr id="190" name="Google Shape;190;p22"/>
           <p:cNvSpPr txBox="1"/>
           <p:nvPr>
             <p:ph type="ctrTitle"/>
@@ -10263,7 +10191,7 @@
       </p:sp>
       <p:sp>
         <p:nvSpPr>
-          <p:cNvPr id="189" name="Google Shape;189;p22"/>
+          <p:cNvPr id="191" name="Google Shape;191;p22"/>
           <p:cNvSpPr txBox="1"/>
           <p:nvPr>
             <p:ph idx="1" type="subTitle"/>
@@ -10286,7 +10214,7 @@
           <a:p>
             <a:pPr indent="0" lvl="0" marL="457200" rtl="0" algn="l">
               <a:lnSpc>
-                <a:spcPct val="130000"/>
+                <a:spcPct val="115000"/>
               </a:lnSpc>
               <a:spcBef>
                 <a:spcPts val="0"/>
@@ -10297,7 +10225,7 @@
               <a:buNone/>
             </a:pPr>
             <a:r>
-              <a:rPr lang="el" sz="1310">
+              <a:rPr lang="el" sz="1110">
                 <a:latin typeface="Ubuntu"/>
                 <a:ea typeface="Ubuntu"/>
                 <a:cs typeface="Ubuntu"/>
@@ -10305,7 +10233,7 @@
               </a:rPr>
               <a:t>….</a:t>
             </a:r>
-            <a:endParaRPr sz="1310">
+            <a:endParaRPr sz="1110">
               <a:latin typeface="Ubuntu"/>
               <a:ea typeface="Ubuntu"/>
               <a:cs typeface="Ubuntu"/>
@@ -10403,8 +10331,8 @@
         </p:nvSpPr>
         <p:spPr>
           <a:xfrm>
-            <a:off x="4962050" y="2945150"/>
-            <a:ext cx="3439200" cy="1973100"/>
+            <a:off x="3834750" y="1318925"/>
+            <a:ext cx="4884600" cy="2902200"/>
           </a:xfrm>
           <a:prstGeom prst="rect">
             <a:avLst/>
@@ -10416,9 +10344,9 @@
           </a:bodyPr>
           <a:lstStyle/>
           <a:p>
-            <a:pPr indent="0" lvl="0" marL="457200" rtl="0" algn="l">
+            <a:pPr indent="0" lvl="0" marL="0" rtl="0" algn="l">
               <a:lnSpc>
-                <a:spcPct val="130000"/>
+                <a:spcPct val="115000"/>
               </a:lnSpc>
               <a:spcBef>
                 <a:spcPts val="0"/>
@@ -10429,15 +10357,262 @@
               <a:buNone/>
             </a:pPr>
             <a:r>
-              <a:rPr lang="el" sz="1310">
+              <a:rPr lang="el" sz="1500">
                 <a:latin typeface="Ubuntu"/>
                 <a:ea typeface="Ubuntu"/>
                 <a:cs typeface="Ubuntu"/>
                 <a:sym typeface="Ubuntu"/>
               </a:rPr>
-              <a:t>….</a:t>
+              <a:t>Οι δήμοι λειτουργούν  αυτ</a:t>
             </a:r>
-            <a:endParaRPr sz="1310">
+            <a:r>
+              <a:rPr lang="el" sz="1500">
+                <a:latin typeface="Ubuntu"/>
+                <a:ea typeface="Ubuntu"/>
+                <a:cs typeface="Ubuntu"/>
+                <a:sym typeface="Ubuntu"/>
+              </a:rPr>
+              <a:t>όνομα, χωρίς συνεργασία. Πολλοί πόροι λειτουργούν εν δυνάμει:</a:t>
+            </a:r>
+            <a:endParaRPr sz="1500">
+              <a:latin typeface="Ubuntu"/>
+              <a:ea typeface="Ubuntu"/>
+              <a:cs typeface="Ubuntu"/>
+              <a:sym typeface="Ubuntu"/>
+            </a:endParaRPr>
+          </a:p>
+          <a:p>
+            <a:pPr indent="-323850" lvl="0" marL="457200" rtl="0" algn="l">
+              <a:lnSpc>
+                <a:spcPct val="115000"/>
+              </a:lnSpc>
+              <a:spcBef>
+                <a:spcPts val="0"/>
+              </a:spcBef>
+              <a:spcAft>
+                <a:spcPts val="0"/>
+              </a:spcAft>
+              <a:buSzPts val="1500"/>
+              <a:buFont typeface="Ubuntu"/>
+              <a:buChar char="●"/>
+            </a:pPr>
+            <a:r>
+              <a:rPr lang="el" sz="1500">
+                <a:latin typeface="Ubuntu"/>
+                <a:ea typeface="Ubuntu"/>
+                <a:cs typeface="Ubuntu"/>
+                <a:sym typeface="Ubuntu"/>
+              </a:rPr>
+              <a:t>Οχήματα</a:t>
+            </a:r>
+            <a:endParaRPr sz="1500">
+              <a:latin typeface="Ubuntu"/>
+              <a:ea typeface="Ubuntu"/>
+              <a:cs typeface="Ubuntu"/>
+              <a:sym typeface="Ubuntu"/>
+            </a:endParaRPr>
+          </a:p>
+          <a:p>
+            <a:pPr indent="-323850" lvl="0" marL="457200" rtl="0" algn="l">
+              <a:lnSpc>
+                <a:spcPct val="115000"/>
+              </a:lnSpc>
+              <a:spcBef>
+                <a:spcPts val="0"/>
+              </a:spcBef>
+              <a:spcAft>
+                <a:spcPts val="0"/>
+              </a:spcAft>
+              <a:buSzPts val="1500"/>
+              <a:buFont typeface="Ubuntu"/>
+              <a:buChar char="●"/>
+            </a:pPr>
+            <a:r>
+              <a:rPr lang="el" sz="1500">
+                <a:latin typeface="Ubuntu"/>
+                <a:ea typeface="Ubuntu"/>
+                <a:cs typeface="Ubuntu"/>
+                <a:sym typeface="Ubuntu"/>
+              </a:rPr>
+              <a:t>Μηχανήματα</a:t>
+            </a:r>
+            <a:endParaRPr sz="1500">
+              <a:latin typeface="Ubuntu"/>
+              <a:ea typeface="Ubuntu"/>
+              <a:cs typeface="Ubuntu"/>
+              <a:sym typeface="Ubuntu"/>
+            </a:endParaRPr>
+          </a:p>
+          <a:p>
+            <a:pPr indent="-323850" lvl="0" marL="457200" rtl="0" algn="l">
+              <a:lnSpc>
+                <a:spcPct val="115000"/>
+              </a:lnSpc>
+              <a:spcBef>
+                <a:spcPts val="0"/>
+              </a:spcBef>
+              <a:spcAft>
+                <a:spcPts val="0"/>
+              </a:spcAft>
+              <a:buSzPts val="1500"/>
+              <a:buFont typeface="Ubuntu"/>
+              <a:buChar char="●"/>
+            </a:pPr>
+            <a:r>
+              <a:rPr lang="el" sz="1500">
+                <a:latin typeface="Ubuntu"/>
+                <a:ea typeface="Ubuntu"/>
+                <a:cs typeface="Ubuntu"/>
+                <a:sym typeface="Ubuntu"/>
+              </a:rPr>
+              <a:t>Εργαλεία</a:t>
+            </a:r>
+            <a:endParaRPr sz="1500">
+              <a:latin typeface="Ubuntu"/>
+              <a:ea typeface="Ubuntu"/>
+              <a:cs typeface="Ubuntu"/>
+              <a:sym typeface="Ubuntu"/>
+            </a:endParaRPr>
+          </a:p>
+          <a:p>
+            <a:pPr indent="0" lvl="0" marL="0" rtl="0" algn="l">
+              <a:lnSpc>
+                <a:spcPct val="115000"/>
+              </a:lnSpc>
+              <a:spcBef>
+                <a:spcPts val="0"/>
+              </a:spcBef>
+              <a:spcAft>
+                <a:spcPts val="0"/>
+              </a:spcAft>
+              <a:buNone/>
+            </a:pPr>
+            <a:r>
+              <a:t/>
+            </a:r>
+            <a:endParaRPr sz="1500">
+              <a:latin typeface="Ubuntu"/>
+              <a:ea typeface="Ubuntu"/>
+              <a:cs typeface="Ubuntu"/>
+              <a:sym typeface="Ubuntu"/>
+            </a:endParaRPr>
+          </a:p>
+          <a:p>
+            <a:pPr indent="0" lvl="0" marL="0" rtl="0" algn="l">
+              <a:lnSpc>
+                <a:spcPct val="115000"/>
+              </a:lnSpc>
+              <a:spcBef>
+                <a:spcPts val="0"/>
+              </a:spcBef>
+              <a:spcAft>
+                <a:spcPts val="0"/>
+              </a:spcAft>
+              <a:buNone/>
+            </a:pPr>
+            <a:r>
+              <a:rPr lang="el" sz="1500">
+                <a:latin typeface="Ubuntu"/>
+                <a:ea typeface="Ubuntu"/>
+                <a:cs typeface="Ubuntu"/>
+                <a:sym typeface="Ubuntu"/>
+              </a:rPr>
+              <a:t>Αυτό οδηγεί σε:</a:t>
+            </a:r>
+            <a:endParaRPr sz="1500">
+              <a:latin typeface="Ubuntu"/>
+              <a:ea typeface="Ubuntu"/>
+              <a:cs typeface="Ubuntu"/>
+              <a:sym typeface="Ubuntu"/>
+            </a:endParaRPr>
+          </a:p>
+          <a:p>
+            <a:pPr indent="-323850" lvl="0" marL="457200" rtl="0" algn="l">
+              <a:lnSpc>
+                <a:spcPct val="115000"/>
+              </a:lnSpc>
+              <a:spcBef>
+                <a:spcPts val="0"/>
+              </a:spcBef>
+              <a:spcAft>
+                <a:spcPts val="0"/>
+              </a:spcAft>
+              <a:buSzPts val="1500"/>
+              <a:buFont typeface="Ubuntu"/>
+              <a:buChar char="●"/>
+            </a:pPr>
+            <a:r>
+              <a:rPr lang="el" sz="1500">
+                <a:latin typeface="Ubuntu"/>
+                <a:ea typeface="Ubuntu"/>
+                <a:cs typeface="Ubuntu"/>
+                <a:sym typeface="Ubuntu"/>
+              </a:rPr>
+              <a:t>Αυξημένα κόστη</a:t>
+            </a:r>
+            <a:endParaRPr sz="1500">
+              <a:latin typeface="Ubuntu"/>
+              <a:ea typeface="Ubuntu"/>
+              <a:cs typeface="Ubuntu"/>
+              <a:sym typeface="Ubuntu"/>
+            </a:endParaRPr>
+          </a:p>
+          <a:p>
+            <a:pPr indent="-323850" lvl="0" marL="457200" rtl="0" algn="l">
+              <a:lnSpc>
+                <a:spcPct val="115000"/>
+              </a:lnSpc>
+              <a:spcBef>
+                <a:spcPts val="0"/>
+              </a:spcBef>
+              <a:spcAft>
+                <a:spcPts val="0"/>
+              </a:spcAft>
+              <a:buSzPts val="1500"/>
+              <a:buFont typeface="Ubuntu"/>
+              <a:buChar char="●"/>
+            </a:pPr>
+            <a:r>
+              <a:rPr lang="el" sz="1500">
+                <a:latin typeface="Ubuntu"/>
+                <a:ea typeface="Ubuntu"/>
+                <a:cs typeface="Ubuntu"/>
+                <a:sym typeface="Ubuntu"/>
+              </a:rPr>
+              <a:t>Μείωση αποδοτικότητας</a:t>
+            </a:r>
+            <a:endParaRPr sz="1500">
+              <a:latin typeface="Ubuntu"/>
+              <a:ea typeface="Ubuntu"/>
+              <a:cs typeface="Ubuntu"/>
+              <a:sym typeface="Ubuntu"/>
+            </a:endParaRPr>
+          </a:p>
+          <a:p>
+            <a:pPr indent="-323850" lvl="0" marL="457200" rtl="0" algn="l">
+              <a:lnSpc>
+                <a:spcPct val="115000"/>
+              </a:lnSpc>
+              <a:spcBef>
+                <a:spcPts val="0"/>
+              </a:spcBef>
+              <a:spcAft>
+                <a:spcPts val="0"/>
+              </a:spcAft>
+              <a:buSzPts val="1500"/>
+              <a:buFont typeface="Ubuntu"/>
+              <a:buChar char="●"/>
+            </a:pPr>
+            <a:r>
+              <a:rPr lang="el" sz="1500">
+                <a:latin typeface="Ubuntu"/>
+                <a:ea typeface="Ubuntu"/>
+                <a:cs typeface="Ubuntu"/>
+                <a:sym typeface="Ubuntu"/>
+              </a:rPr>
+              <a:t>Αδυναμία άμεσης ανταπόκρισης σε ανάγκες</a:t>
+            </a:r>
+            <a:endParaRPr sz="1500">
               <a:latin typeface="Ubuntu"/>
               <a:ea typeface="Ubuntu"/>
               <a:cs typeface="Ubuntu"/>
@@ -10535,8 +10710,8 @@
         </p:nvSpPr>
         <p:spPr>
           <a:xfrm>
-            <a:off x="4962050" y="2945150"/>
-            <a:ext cx="3439200" cy="1973100"/>
+            <a:off x="3753325" y="1095600"/>
+            <a:ext cx="5538300" cy="2952300"/>
           </a:xfrm>
           <a:prstGeom prst="rect">
             <a:avLst/>
@@ -10550,7 +10725,7 @@
           <a:p>
             <a:pPr indent="0" lvl="0" marL="457200" rtl="0" algn="l">
               <a:lnSpc>
-                <a:spcPct val="130000"/>
+                <a:spcPct val="115000"/>
               </a:lnSpc>
               <a:spcBef>
                 <a:spcPts val="0"/>
@@ -10559,6 +10734,37 @@
                 <a:spcPts val="0"/>
               </a:spcAft>
               <a:buNone/>
+            </a:pPr>
+            <a:r>
+              <a:rPr b="1" i="1" lang="el" sz="1410">
+                <a:latin typeface="Ubuntu"/>
+                <a:ea typeface="Ubuntu"/>
+                <a:cs typeface="Ubuntu"/>
+                <a:sym typeface="Ubuntu"/>
+              </a:rPr>
+              <a:t>         Δημοτικές Αρχές</a:t>
+            </a:r>
+            <a:endParaRPr b="1" i="1" sz="1410">
+              <a:latin typeface="Ubuntu"/>
+              <a:ea typeface="Ubuntu"/>
+              <a:cs typeface="Ubuntu"/>
+              <a:sym typeface="Ubuntu"/>
+            </a:endParaRPr>
+          </a:p>
+          <a:p>
+            <a:pPr indent="-311785" lvl="0" marL="457200" rtl="0" algn="l">
+              <a:lnSpc>
+                <a:spcPct val="115000"/>
+              </a:lnSpc>
+              <a:spcBef>
+                <a:spcPts val="0"/>
+              </a:spcBef>
+              <a:spcAft>
+                <a:spcPts val="0"/>
+              </a:spcAft>
+              <a:buSzPts val="1310"/>
+              <a:buFont typeface="Ubuntu"/>
+              <a:buChar char="●"/>
             </a:pPr>
             <a:r>
               <a:rPr lang="el" sz="1310">
@@ -10567,9 +10773,357 @@
                 <a:cs typeface="Ubuntu"/>
                 <a:sym typeface="Ubuntu"/>
               </a:rPr>
-              <a:t>….</a:t>
+              <a:t>Πρόσβαση/διαχείριση πόρων</a:t>
             </a:r>
             <a:endParaRPr sz="1310">
+              <a:latin typeface="Ubuntu"/>
+              <a:ea typeface="Ubuntu"/>
+              <a:cs typeface="Ubuntu"/>
+              <a:sym typeface="Ubuntu"/>
+            </a:endParaRPr>
+          </a:p>
+          <a:p>
+            <a:pPr indent="-311785" lvl="0" marL="457200" rtl="0" algn="l">
+              <a:lnSpc>
+                <a:spcPct val="115000"/>
+              </a:lnSpc>
+              <a:spcBef>
+                <a:spcPts val="0"/>
+              </a:spcBef>
+              <a:spcAft>
+                <a:spcPts val="0"/>
+              </a:spcAft>
+              <a:buSzPts val="1310"/>
+              <a:buFont typeface="Ubuntu"/>
+              <a:buChar char="●"/>
+            </a:pPr>
+            <a:r>
+              <a:rPr lang="el" sz="1310">
+                <a:latin typeface="Ubuntu"/>
+                <a:ea typeface="Ubuntu"/>
+                <a:cs typeface="Ubuntu"/>
+                <a:sym typeface="Ubuntu"/>
+              </a:rPr>
+              <a:t>Διάθεση εξοπλισμού</a:t>
+            </a:r>
+            <a:endParaRPr sz="1310">
+              <a:latin typeface="Ubuntu"/>
+              <a:ea typeface="Ubuntu"/>
+              <a:cs typeface="Ubuntu"/>
+              <a:sym typeface="Ubuntu"/>
+            </a:endParaRPr>
+          </a:p>
+          <a:p>
+            <a:pPr indent="-311785" lvl="0" marL="457200" rtl="0" algn="l">
+              <a:lnSpc>
+                <a:spcPct val="115000"/>
+              </a:lnSpc>
+              <a:spcBef>
+                <a:spcPts val="0"/>
+              </a:spcBef>
+              <a:spcAft>
+                <a:spcPts val="0"/>
+              </a:spcAft>
+              <a:buSzPts val="1310"/>
+              <a:buFont typeface="Ubuntu"/>
+              <a:buChar char="●"/>
+            </a:pPr>
+            <a:r>
+              <a:rPr lang="el" sz="1310">
+                <a:latin typeface="Ubuntu"/>
+                <a:ea typeface="Ubuntu"/>
+                <a:cs typeface="Ubuntu"/>
+                <a:sym typeface="Ubuntu"/>
+              </a:rPr>
+              <a:t>Καταγραφή στατιστικών δεδομένων</a:t>
+            </a:r>
+            <a:endParaRPr sz="1310">
+              <a:latin typeface="Ubuntu"/>
+              <a:ea typeface="Ubuntu"/>
+              <a:cs typeface="Ubuntu"/>
+              <a:sym typeface="Ubuntu"/>
+            </a:endParaRPr>
+          </a:p>
+          <a:p>
+            <a:pPr indent="0" lvl="0" marL="0" rtl="0" algn="l">
+              <a:lnSpc>
+                <a:spcPct val="115000"/>
+              </a:lnSpc>
+              <a:spcBef>
+                <a:spcPts val="0"/>
+              </a:spcBef>
+              <a:spcAft>
+                <a:spcPts val="0"/>
+              </a:spcAft>
+              <a:buNone/>
+            </a:pPr>
+            <a:r>
+              <a:rPr lang="el" sz="1310">
+                <a:latin typeface="Ubuntu"/>
+                <a:ea typeface="Ubuntu"/>
+                <a:cs typeface="Ubuntu"/>
+                <a:sym typeface="Ubuntu"/>
+              </a:rPr>
+              <a:t>                                  </a:t>
+            </a:r>
+            <a:r>
+              <a:rPr b="1" i="1" lang="el" sz="1410">
+                <a:latin typeface="Ubuntu"/>
+                <a:ea typeface="Ubuntu"/>
+                <a:cs typeface="Ubuntu"/>
+                <a:sym typeface="Ubuntu"/>
+              </a:rPr>
+              <a:t>Πολίτες</a:t>
+            </a:r>
+            <a:endParaRPr b="1" i="1" sz="1410">
+              <a:latin typeface="Ubuntu"/>
+              <a:ea typeface="Ubuntu"/>
+              <a:cs typeface="Ubuntu"/>
+              <a:sym typeface="Ubuntu"/>
+            </a:endParaRPr>
+          </a:p>
+          <a:p>
+            <a:pPr indent="-311785" lvl="0" marL="457200" rtl="0" algn="l">
+              <a:lnSpc>
+                <a:spcPct val="115000"/>
+              </a:lnSpc>
+              <a:spcBef>
+                <a:spcPts val="0"/>
+              </a:spcBef>
+              <a:spcAft>
+                <a:spcPts val="0"/>
+              </a:spcAft>
+              <a:buSzPts val="1310"/>
+              <a:buFont typeface="Ubuntu"/>
+              <a:buChar char="●"/>
+            </a:pPr>
+            <a:r>
+              <a:rPr lang="el" sz="1310">
+                <a:latin typeface="Ubuntu"/>
+                <a:ea typeface="Ubuntu"/>
+                <a:cs typeface="Ubuntu"/>
+                <a:sym typeface="Ubuntu"/>
+              </a:rPr>
+              <a:t>Ενημέρωση για πόρους</a:t>
+            </a:r>
+            <a:endParaRPr sz="1310">
+              <a:latin typeface="Ubuntu"/>
+              <a:ea typeface="Ubuntu"/>
+              <a:cs typeface="Ubuntu"/>
+              <a:sym typeface="Ubuntu"/>
+            </a:endParaRPr>
+          </a:p>
+          <a:p>
+            <a:pPr indent="-311785" lvl="0" marL="457200" rtl="0" algn="l">
+              <a:lnSpc>
+                <a:spcPct val="115000"/>
+              </a:lnSpc>
+              <a:spcBef>
+                <a:spcPts val="0"/>
+              </a:spcBef>
+              <a:spcAft>
+                <a:spcPts val="0"/>
+              </a:spcAft>
+              <a:buSzPts val="1310"/>
+              <a:buFont typeface="Ubuntu"/>
+              <a:buChar char="●"/>
+            </a:pPr>
+            <a:r>
+              <a:rPr lang="el" sz="1310">
+                <a:latin typeface="Ubuntu"/>
+                <a:ea typeface="Ubuntu"/>
+                <a:cs typeface="Ubuntu"/>
+                <a:sym typeface="Ubuntu"/>
+              </a:rPr>
+              <a:t>Πρόσβαση σε (βασικά) στατιστικά</a:t>
+            </a:r>
+            <a:endParaRPr sz="1310">
+              <a:latin typeface="Ubuntu"/>
+              <a:ea typeface="Ubuntu"/>
+              <a:cs typeface="Ubuntu"/>
+              <a:sym typeface="Ubuntu"/>
+            </a:endParaRPr>
+          </a:p>
+          <a:p>
+            <a:pPr indent="0" lvl="0" marL="457200" rtl="0" algn="l">
+              <a:lnSpc>
+                <a:spcPct val="115000"/>
+              </a:lnSpc>
+              <a:spcBef>
+                <a:spcPts val="0"/>
+              </a:spcBef>
+              <a:spcAft>
+                <a:spcPts val="0"/>
+              </a:spcAft>
+              <a:buNone/>
+            </a:pPr>
+            <a:r>
+              <a:rPr lang="el" sz="1310">
+                <a:latin typeface="Ubuntu"/>
+                <a:ea typeface="Ubuntu"/>
+                <a:cs typeface="Ubuntu"/>
+                <a:sym typeface="Ubuntu"/>
+              </a:rPr>
+              <a:t>    </a:t>
+            </a:r>
+            <a:r>
+              <a:rPr lang="el" sz="1310">
+                <a:latin typeface="Ubuntu"/>
+                <a:ea typeface="Ubuntu"/>
+                <a:cs typeface="Ubuntu"/>
+                <a:sym typeface="Ubuntu"/>
+              </a:rPr>
+              <a:t>   </a:t>
+            </a:r>
+            <a:r>
+              <a:rPr b="1" i="1" lang="el" sz="1410">
+                <a:latin typeface="Ubuntu"/>
+                <a:ea typeface="Ubuntu"/>
+                <a:cs typeface="Ubuntu"/>
+                <a:sym typeface="Ubuntu"/>
+              </a:rPr>
+              <a:t>Διαχειριστές Συστήματος</a:t>
+            </a:r>
+            <a:endParaRPr b="1" i="1" sz="1410">
+              <a:latin typeface="Ubuntu"/>
+              <a:ea typeface="Ubuntu"/>
+              <a:cs typeface="Ubuntu"/>
+              <a:sym typeface="Ubuntu"/>
+            </a:endParaRPr>
+          </a:p>
+          <a:p>
+            <a:pPr indent="-311785" lvl="0" marL="457200" rtl="0" algn="l">
+              <a:lnSpc>
+                <a:spcPct val="115000"/>
+              </a:lnSpc>
+              <a:spcBef>
+                <a:spcPts val="0"/>
+              </a:spcBef>
+              <a:spcAft>
+                <a:spcPts val="0"/>
+              </a:spcAft>
+              <a:buSzPts val="1310"/>
+              <a:buFont typeface="Ubuntu"/>
+              <a:buChar char="●"/>
+            </a:pPr>
+            <a:r>
+              <a:rPr lang="el" sz="1310">
+                <a:latin typeface="Ubuntu"/>
+                <a:ea typeface="Ubuntu"/>
+                <a:cs typeface="Ubuntu"/>
+                <a:sym typeface="Ubuntu"/>
+              </a:rPr>
+              <a:t>Διαχείριση δικαιωμάτων</a:t>
+            </a:r>
+            <a:endParaRPr sz="1310">
+              <a:latin typeface="Ubuntu"/>
+              <a:ea typeface="Ubuntu"/>
+              <a:cs typeface="Ubuntu"/>
+              <a:sym typeface="Ubuntu"/>
+            </a:endParaRPr>
+          </a:p>
+          <a:p>
+            <a:pPr indent="-311785" lvl="0" marL="457200" rtl="0" algn="l">
+              <a:lnSpc>
+                <a:spcPct val="115000"/>
+              </a:lnSpc>
+              <a:spcBef>
+                <a:spcPts val="0"/>
+              </a:spcBef>
+              <a:spcAft>
+                <a:spcPts val="0"/>
+              </a:spcAft>
+              <a:buSzPts val="1310"/>
+              <a:buFont typeface="Ubuntu"/>
+              <a:buChar char="●"/>
+            </a:pPr>
+            <a:r>
+              <a:rPr lang="el" sz="1310">
+                <a:latin typeface="Ubuntu"/>
+                <a:ea typeface="Ubuntu"/>
+                <a:cs typeface="Ubuntu"/>
+                <a:sym typeface="Ubuntu"/>
+              </a:rPr>
+              <a:t>Παρακολούθηση συστήματος</a:t>
+            </a:r>
+            <a:endParaRPr sz="1310">
+              <a:latin typeface="Ubuntu"/>
+              <a:ea typeface="Ubuntu"/>
+              <a:cs typeface="Ubuntu"/>
+              <a:sym typeface="Ubuntu"/>
+            </a:endParaRPr>
+          </a:p>
+          <a:p>
+            <a:pPr indent="-311785" lvl="0" marL="457200" rtl="0" algn="l">
+              <a:lnSpc>
+                <a:spcPct val="115000"/>
+              </a:lnSpc>
+              <a:spcBef>
+                <a:spcPts val="0"/>
+              </a:spcBef>
+              <a:spcAft>
+                <a:spcPts val="0"/>
+              </a:spcAft>
+              <a:buSzPts val="1310"/>
+              <a:buFont typeface="Ubuntu"/>
+              <a:buChar char="●"/>
+            </a:pPr>
+            <a:r>
+              <a:rPr lang="el" sz="1310">
+                <a:latin typeface="Ubuntu"/>
+                <a:ea typeface="Ubuntu"/>
+                <a:cs typeface="Ubuntu"/>
+                <a:sym typeface="Ubuntu"/>
+              </a:rPr>
+              <a:t>Δημιουργία αντιγράφων ασφαλείας</a:t>
+            </a:r>
+            <a:endParaRPr sz="1310">
+              <a:latin typeface="Ubuntu"/>
+              <a:ea typeface="Ubuntu"/>
+              <a:cs typeface="Ubuntu"/>
+              <a:sym typeface="Ubuntu"/>
+            </a:endParaRPr>
+          </a:p>
+          <a:p>
+            <a:pPr indent="0" lvl="0" marL="914400" rtl="0" algn="l">
+              <a:lnSpc>
+                <a:spcPct val="115000"/>
+              </a:lnSpc>
+              <a:spcBef>
+                <a:spcPts val="0"/>
+              </a:spcBef>
+              <a:spcAft>
+                <a:spcPts val="0"/>
+              </a:spcAft>
+              <a:buNone/>
+            </a:pPr>
+            <a:r>
+              <a:t/>
+            </a:r>
+            <a:endParaRPr sz="1310">
+              <a:latin typeface="Ubuntu"/>
+              <a:ea typeface="Ubuntu"/>
+              <a:cs typeface="Ubuntu"/>
+              <a:sym typeface="Ubuntu"/>
+            </a:endParaRPr>
+          </a:p>
+          <a:p>
+            <a:pPr indent="0" lvl="0" marL="457200" rtl="0" algn="l">
+              <a:lnSpc>
+                <a:spcPct val="115000"/>
+              </a:lnSpc>
+              <a:spcBef>
+                <a:spcPts val="0"/>
+              </a:spcBef>
+              <a:spcAft>
+                <a:spcPts val="0"/>
+              </a:spcAft>
+              <a:buNone/>
+            </a:pPr>
+            <a:r>
+              <a:t/>
+            </a:r>
+            <a:endParaRPr b="1" i="1" sz="1410">
               <a:latin typeface="Ubuntu"/>
               <a:ea typeface="Ubuntu"/>
               <a:cs typeface="Ubuntu"/>
@@ -10613,8 +11167,8 @@
         </p:nvSpPr>
         <p:spPr>
           <a:xfrm>
-            <a:off x="2894200" y="56800"/>
-            <a:ext cx="5784300" cy="2073000"/>
+            <a:off x="1039500" y="0"/>
+            <a:ext cx="3680100" cy="609300"/>
           </a:xfrm>
           <a:prstGeom prst="rect">
             <a:avLst/>
@@ -10661,18 +11215,361 @@
         <p:nvSpPr>
           <p:cNvPr id="153" name="Google Shape;153;p16"/>
           <p:cNvSpPr txBox="1"/>
-          <p:nvPr>
-            <p:ph idx="1" type="subTitle"/>
-          </p:nvPr>
+          <p:nvPr/>
         </p:nvSpPr>
         <p:spPr>
           <a:xfrm>
-            <a:off x="4962050" y="2945150"/>
-            <a:ext cx="3439200" cy="1973100"/>
+            <a:off x="2968600" y="832150"/>
+            <a:ext cx="6053100" cy="2301000"/>
           </a:xfrm>
           <a:prstGeom prst="rect">
             <a:avLst/>
           </a:prstGeom>
+          <a:noFill/>
+          <a:ln>
+            <a:noFill/>
+          </a:ln>
+        </p:spPr>
+        <p:txBody>
+          <a:bodyPr anchorCtr="0" anchor="t" bIns="91425" lIns="91425" spcFirstLastPara="1" rIns="91425" wrap="square" tIns="91425">
+            <a:spAutoFit/>
+          </a:bodyPr>
+          <a:lstStyle/>
+          <a:p>
+            <a:pPr indent="0" lvl="0" marL="0" rtl="0" algn="l">
+              <a:lnSpc>
+                <a:spcPct val="115000"/>
+              </a:lnSpc>
+              <a:spcBef>
+                <a:spcPts val="0"/>
+              </a:spcBef>
+              <a:spcAft>
+                <a:spcPts val="0"/>
+              </a:spcAft>
+              <a:buNone/>
+            </a:pPr>
+            <a:r>
+              <a:rPr b="1" lang="el" sz="1100">
+                <a:solidFill>
+                  <a:schemeClr val="lt1"/>
+                </a:solidFill>
+                <a:latin typeface="Ubuntu"/>
+                <a:ea typeface="Ubuntu"/>
+                <a:cs typeface="Ubuntu"/>
+                <a:sym typeface="Ubuntu"/>
+              </a:rPr>
+              <a:t>Λειτουργικές Απαιτήσεις</a:t>
+            </a:r>
+            <a:endParaRPr b="1" sz="1100">
+              <a:solidFill>
+                <a:schemeClr val="lt1"/>
+              </a:solidFill>
+              <a:latin typeface="Ubuntu"/>
+              <a:ea typeface="Ubuntu"/>
+              <a:cs typeface="Ubuntu"/>
+              <a:sym typeface="Ubuntu"/>
+            </a:endParaRPr>
+          </a:p>
+          <a:p>
+            <a:pPr indent="-298450" lvl="0" marL="457200" rtl="0" algn="l">
+              <a:lnSpc>
+                <a:spcPct val="115000"/>
+              </a:lnSpc>
+              <a:spcBef>
+                <a:spcPts val="0"/>
+              </a:spcBef>
+              <a:spcAft>
+                <a:spcPts val="0"/>
+              </a:spcAft>
+              <a:buClr>
+                <a:schemeClr val="lt1"/>
+              </a:buClr>
+              <a:buSzPts val="1100"/>
+              <a:buFont typeface="Ubuntu"/>
+              <a:buAutoNum type="arabicPeriod"/>
+            </a:pPr>
+            <a:r>
+              <a:rPr lang="el" sz="1100">
+                <a:solidFill>
+                  <a:schemeClr val="lt1"/>
+                </a:solidFill>
+                <a:latin typeface="Ubuntu"/>
+                <a:ea typeface="Ubuntu"/>
+                <a:cs typeface="Ubuntu"/>
+                <a:sym typeface="Ubuntu"/>
+              </a:rPr>
+              <a:t>Καταγραφή &amp; Ενημέρωση Πόρων: Καταγραφή και ενημέρωση πόρων από τους δήμους.</a:t>
+            </a:r>
+            <a:endParaRPr sz="1100">
+              <a:solidFill>
+                <a:schemeClr val="lt1"/>
+              </a:solidFill>
+              <a:latin typeface="Ubuntu"/>
+              <a:ea typeface="Ubuntu"/>
+              <a:cs typeface="Ubuntu"/>
+              <a:sym typeface="Ubuntu"/>
+            </a:endParaRPr>
+          </a:p>
+          <a:p>
+            <a:pPr indent="-298450" lvl="0" marL="457200" rtl="0" algn="l">
+              <a:lnSpc>
+                <a:spcPct val="115000"/>
+              </a:lnSpc>
+              <a:spcBef>
+                <a:spcPts val="0"/>
+              </a:spcBef>
+              <a:spcAft>
+                <a:spcPts val="0"/>
+              </a:spcAft>
+              <a:buClr>
+                <a:schemeClr val="lt1"/>
+              </a:buClr>
+              <a:buSzPts val="1100"/>
+              <a:buFont typeface="Ubuntu"/>
+              <a:buAutoNum type="arabicPeriod"/>
+            </a:pPr>
+            <a:r>
+              <a:rPr lang="el" sz="1100">
+                <a:solidFill>
+                  <a:schemeClr val="lt1"/>
+                </a:solidFill>
+                <a:latin typeface="Ubuntu"/>
+                <a:ea typeface="Ubuntu"/>
+                <a:cs typeface="Ubuntu"/>
+                <a:sym typeface="Ubuntu"/>
+              </a:rPr>
+              <a:t>Αιτήσεις &amp; Διάθεση Πόρων: Υποβολή αιτήσεων και διάθεση πόρων μεταξύ δήμων.</a:t>
+            </a:r>
+            <a:endParaRPr sz="1100">
+              <a:solidFill>
+                <a:schemeClr val="lt1"/>
+              </a:solidFill>
+              <a:latin typeface="Ubuntu"/>
+              <a:ea typeface="Ubuntu"/>
+              <a:cs typeface="Ubuntu"/>
+              <a:sym typeface="Ubuntu"/>
+            </a:endParaRPr>
+          </a:p>
+          <a:p>
+            <a:pPr indent="-298450" lvl="0" marL="457200" rtl="0" algn="l">
+              <a:lnSpc>
+                <a:spcPct val="115000"/>
+              </a:lnSpc>
+              <a:spcBef>
+                <a:spcPts val="0"/>
+              </a:spcBef>
+              <a:spcAft>
+                <a:spcPts val="0"/>
+              </a:spcAft>
+              <a:buClr>
+                <a:schemeClr val="lt1"/>
+              </a:buClr>
+              <a:buSzPts val="1100"/>
+              <a:buFont typeface="Ubuntu"/>
+              <a:buAutoNum type="arabicPeriod"/>
+            </a:pPr>
+            <a:r>
+              <a:rPr lang="el" sz="1100">
+                <a:solidFill>
+                  <a:schemeClr val="lt1"/>
+                </a:solidFill>
+                <a:latin typeface="Ubuntu"/>
+                <a:ea typeface="Ubuntu"/>
+                <a:cs typeface="Ubuntu"/>
+                <a:sym typeface="Ubuntu"/>
+              </a:rPr>
+              <a:t>Ορατότητα Πόρων: Ορατότητα διαθεσιμότητας πόρων όλων των δήμων.</a:t>
+            </a:r>
+            <a:endParaRPr sz="1100">
+              <a:solidFill>
+                <a:schemeClr val="lt1"/>
+              </a:solidFill>
+              <a:latin typeface="Ubuntu"/>
+              <a:ea typeface="Ubuntu"/>
+              <a:cs typeface="Ubuntu"/>
+              <a:sym typeface="Ubuntu"/>
+            </a:endParaRPr>
+          </a:p>
+          <a:p>
+            <a:pPr indent="-298450" lvl="0" marL="457200" rtl="0" algn="l">
+              <a:lnSpc>
+                <a:spcPct val="115000"/>
+              </a:lnSpc>
+              <a:spcBef>
+                <a:spcPts val="0"/>
+              </a:spcBef>
+              <a:spcAft>
+                <a:spcPts val="0"/>
+              </a:spcAft>
+              <a:buClr>
+                <a:schemeClr val="lt1"/>
+              </a:buClr>
+              <a:buSzPts val="1100"/>
+              <a:buFont typeface="Ubuntu"/>
+              <a:buAutoNum type="arabicPeriod"/>
+            </a:pPr>
+            <a:r>
+              <a:rPr lang="el" sz="1100">
+                <a:solidFill>
+                  <a:schemeClr val="lt1"/>
+                </a:solidFill>
+                <a:latin typeface="Ubuntu"/>
+                <a:ea typeface="Ubuntu"/>
+                <a:cs typeface="Ubuntu"/>
+                <a:sym typeface="Ubuntu"/>
+              </a:rPr>
+              <a:t>Πληροφόρηση Πολιτών: Πρόσβαση πολιτών στη δημόσια βάση δεδομένων για πόρους.</a:t>
+            </a:r>
+            <a:endParaRPr sz="1100">
+              <a:solidFill>
+                <a:schemeClr val="lt1"/>
+              </a:solidFill>
+              <a:latin typeface="Ubuntu"/>
+              <a:ea typeface="Ubuntu"/>
+              <a:cs typeface="Ubuntu"/>
+              <a:sym typeface="Ubuntu"/>
+            </a:endParaRPr>
+          </a:p>
+          <a:p>
+            <a:pPr indent="-298450" lvl="0" marL="457200" rtl="0" algn="l">
+              <a:lnSpc>
+                <a:spcPct val="115000"/>
+              </a:lnSpc>
+              <a:spcBef>
+                <a:spcPts val="0"/>
+              </a:spcBef>
+              <a:spcAft>
+                <a:spcPts val="0"/>
+              </a:spcAft>
+              <a:buClr>
+                <a:schemeClr val="lt1"/>
+              </a:buClr>
+              <a:buSzPts val="1100"/>
+              <a:buFont typeface="Ubuntu"/>
+              <a:buAutoNum type="arabicPeriod"/>
+            </a:pPr>
+            <a:r>
+              <a:rPr lang="el" sz="1100">
+                <a:solidFill>
+                  <a:schemeClr val="lt1"/>
+                </a:solidFill>
+                <a:latin typeface="Ubuntu"/>
+                <a:ea typeface="Ubuntu"/>
+                <a:cs typeface="Ubuntu"/>
+                <a:sym typeface="Ubuntu"/>
+              </a:rPr>
+              <a:t>Δικαιώματα Πρόσβασης: Υποστήριξη δικαιωμάτων ανά χρήστη (δήμος, πολίτης, διαχειριστής).</a:t>
+            </a:r>
+            <a:endParaRPr sz="1100">
+              <a:solidFill>
+                <a:schemeClr val="lt1"/>
+              </a:solidFill>
+              <a:latin typeface="Ubuntu"/>
+              <a:ea typeface="Ubuntu"/>
+              <a:cs typeface="Ubuntu"/>
+              <a:sym typeface="Ubuntu"/>
+            </a:endParaRPr>
+          </a:p>
+          <a:p>
+            <a:pPr indent="-298450" lvl="0" marL="457200" rtl="0" algn="l">
+              <a:lnSpc>
+                <a:spcPct val="115000"/>
+              </a:lnSpc>
+              <a:spcBef>
+                <a:spcPts val="0"/>
+              </a:spcBef>
+              <a:spcAft>
+                <a:spcPts val="0"/>
+              </a:spcAft>
+              <a:buClr>
+                <a:schemeClr val="lt1"/>
+              </a:buClr>
+              <a:buSzPts val="1100"/>
+              <a:buFont typeface="Ubuntu"/>
+              <a:buAutoNum type="arabicPeriod"/>
+            </a:pPr>
+            <a:r>
+              <a:rPr lang="el" sz="1100">
+                <a:solidFill>
+                  <a:schemeClr val="lt1"/>
+                </a:solidFill>
+                <a:latin typeface="Ubuntu"/>
+                <a:ea typeface="Ubuntu"/>
+                <a:cs typeface="Ubuntu"/>
+                <a:sym typeface="Ubuntu"/>
+              </a:rPr>
+              <a:t>Το σύστημα να επιτρέπει τη παραγωγή στατιστικών αναφορών</a:t>
+            </a:r>
+            <a:endParaRPr sz="1100">
+              <a:solidFill>
+                <a:schemeClr val="lt1"/>
+              </a:solidFill>
+              <a:latin typeface="Ubuntu"/>
+              <a:ea typeface="Ubuntu"/>
+              <a:cs typeface="Ubuntu"/>
+              <a:sym typeface="Ubuntu"/>
+            </a:endParaRPr>
+          </a:p>
+          <a:p>
+            <a:pPr indent="-298450" lvl="0" marL="457200" rtl="0" algn="l">
+              <a:lnSpc>
+                <a:spcPct val="115000"/>
+              </a:lnSpc>
+              <a:spcBef>
+                <a:spcPts val="0"/>
+              </a:spcBef>
+              <a:spcAft>
+                <a:spcPts val="0"/>
+              </a:spcAft>
+              <a:buClr>
+                <a:schemeClr val="lt1"/>
+              </a:buClr>
+              <a:buSzPts val="1100"/>
+              <a:buFont typeface="Ubuntu"/>
+              <a:buAutoNum type="arabicPeriod"/>
+            </a:pPr>
+            <a:r>
+              <a:rPr lang="el" sz="1100">
+                <a:solidFill>
+                  <a:schemeClr val="lt1"/>
+                </a:solidFill>
+                <a:latin typeface="Ubuntu"/>
+                <a:ea typeface="Ubuntu"/>
+                <a:cs typeface="Ubuntu"/>
+                <a:sym typeface="Ubuntu"/>
+              </a:rPr>
+              <a:t>Αναφορές Πόρων: Εξαγωγή αναφορών χρήσης πόρων.</a:t>
+            </a:r>
+            <a:endParaRPr sz="1100">
+              <a:solidFill>
+                <a:schemeClr val="lt1"/>
+              </a:solidFill>
+              <a:latin typeface="Ubuntu"/>
+              <a:ea typeface="Ubuntu"/>
+              <a:cs typeface="Ubuntu"/>
+              <a:sym typeface="Ubuntu"/>
+            </a:endParaRPr>
+          </a:p>
+        </p:txBody>
+      </p:sp>
+      <p:sp>
+        <p:nvSpPr>
+          <p:cNvPr id="154" name="Google Shape;154;p16"/>
+          <p:cNvSpPr txBox="1"/>
+          <p:nvPr/>
+        </p:nvSpPr>
+        <p:spPr>
+          <a:xfrm>
+            <a:off x="2968600" y="3069300"/>
+            <a:ext cx="5928600" cy="1656300"/>
+          </a:xfrm>
+          <a:prstGeom prst="rect">
+            <a:avLst/>
+          </a:prstGeom>
+          <a:noFill/>
+          <a:ln>
+            <a:noFill/>
+          </a:ln>
         </p:spPr>
         <p:txBody>
           <a:bodyPr anchorCtr="0" anchor="t" bIns="91425" lIns="91425" spcFirstLastPara="1" rIns="91425" wrap="square" tIns="91425">
@@ -10680,9 +11577,9 @@
           </a:bodyPr>
           <a:lstStyle/>
           <a:p>
-            <a:pPr indent="0" lvl="0" marL="457200" rtl="0" algn="l">
+            <a:pPr indent="0" lvl="0" marL="0" rtl="0" algn="l">
               <a:lnSpc>
-                <a:spcPct val="130000"/>
+                <a:spcPct val="115000"/>
               </a:lnSpc>
               <a:spcBef>
                 <a:spcPts val="0"/>
@@ -10693,15 +11590,261 @@
               <a:buNone/>
             </a:pPr>
             <a:r>
-              <a:rPr lang="el" sz="1310">
+              <a:rPr b="1" lang="el" sz="1100">
+                <a:solidFill>
+                  <a:schemeClr val="lt1"/>
+                </a:solidFill>
                 <a:latin typeface="Ubuntu"/>
                 <a:ea typeface="Ubuntu"/>
                 <a:cs typeface="Ubuntu"/>
                 <a:sym typeface="Ubuntu"/>
               </a:rPr>
-              <a:t>….</a:t>
+              <a:t>Μη Λειτουργικές Απαιτήσεις</a:t>
             </a:r>
-            <a:endParaRPr sz="1310">
+            <a:endParaRPr b="1" sz="1100">
+              <a:solidFill>
+                <a:schemeClr val="lt1"/>
+              </a:solidFill>
+              <a:latin typeface="Ubuntu"/>
+              <a:ea typeface="Ubuntu"/>
+              <a:cs typeface="Ubuntu"/>
+              <a:sym typeface="Ubuntu"/>
+            </a:endParaRPr>
+          </a:p>
+          <a:p>
+            <a:pPr indent="-298450" lvl="0" marL="457200" rtl="0" algn="l">
+              <a:lnSpc>
+                <a:spcPct val="115000"/>
+              </a:lnSpc>
+              <a:spcBef>
+                <a:spcPts val="0"/>
+              </a:spcBef>
+              <a:spcAft>
+                <a:spcPts val="0"/>
+              </a:spcAft>
+              <a:buClr>
+                <a:schemeClr val="lt1"/>
+              </a:buClr>
+              <a:buSzPts val="1100"/>
+              <a:buFont typeface="Ubuntu"/>
+              <a:buAutoNum type="arabicPeriod"/>
+            </a:pPr>
+            <a:r>
+              <a:rPr lang="el" sz="1100">
+                <a:solidFill>
+                  <a:schemeClr val="lt1"/>
+                </a:solidFill>
+                <a:latin typeface="Ubuntu"/>
+                <a:ea typeface="Ubuntu"/>
+                <a:cs typeface="Ubuntu"/>
+                <a:sym typeface="Ubuntu"/>
+              </a:rPr>
+              <a:t>Φιλικό UI: Εύχρηστο γραφικό περιβάλλον για αναζήτηση και πλοήγηση.</a:t>
+            </a:r>
+            <a:endParaRPr sz="1100">
+              <a:solidFill>
+                <a:schemeClr val="lt1"/>
+              </a:solidFill>
+              <a:latin typeface="Ubuntu"/>
+              <a:ea typeface="Ubuntu"/>
+              <a:cs typeface="Ubuntu"/>
+              <a:sym typeface="Ubuntu"/>
+            </a:endParaRPr>
+          </a:p>
+          <a:p>
+            <a:pPr indent="-298450" lvl="0" marL="457200" rtl="0" algn="l">
+              <a:lnSpc>
+                <a:spcPct val="115000"/>
+              </a:lnSpc>
+              <a:spcBef>
+                <a:spcPts val="0"/>
+              </a:spcBef>
+              <a:spcAft>
+                <a:spcPts val="0"/>
+              </a:spcAft>
+              <a:buClr>
+                <a:schemeClr val="lt1"/>
+              </a:buClr>
+              <a:buSzPts val="1100"/>
+              <a:buFont typeface="Ubuntu"/>
+              <a:buAutoNum type="arabicPeriod"/>
+            </a:pPr>
+            <a:r>
+              <a:rPr lang="el" sz="1100">
+                <a:solidFill>
+                  <a:schemeClr val="lt1"/>
+                </a:solidFill>
+                <a:latin typeface="Ubuntu"/>
+                <a:ea typeface="Ubuntu"/>
+                <a:cs typeface="Ubuntu"/>
+                <a:sym typeface="Ubuntu"/>
+              </a:rPr>
+              <a:t>Ασφάλεια Δεδομένων: Προστασία δεδομένων (role-based access, encryption).</a:t>
+            </a:r>
+            <a:endParaRPr sz="1100">
+              <a:solidFill>
+                <a:schemeClr val="lt1"/>
+              </a:solidFill>
+              <a:latin typeface="Ubuntu"/>
+              <a:ea typeface="Ubuntu"/>
+              <a:cs typeface="Ubuntu"/>
+              <a:sym typeface="Ubuntu"/>
+            </a:endParaRPr>
+          </a:p>
+          <a:p>
+            <a:pPr indent="-298450" lvl="0" marL="457200" rtl="0" algn="l">
+              <a:lnSpc>
+                <a:spcPct val="115000"/>
+              </a:lnSpc>
+              <a:spcBef>
+                <a:spcPts val="0"/>
+              </a:spcBef>
+              <a:spcAft>
+                <a:spcPts val="0"/>
+              </a:spcAft>
+              <a:buClr>
+                <a:schemeClr val="lt1"/>
+              </a:buClr>
+              <a:buSzPts val="1100"/>
+              <a:buFont typeface="Ubuntu"/>
+              <a:buAutoNum type="arabicPeriod"/>
+            </a:pPr>
+            <a:r>
+              <a:rPr lang="el" sz="1100">
+                <a:solidFill>
+                  <a:schemeClr val="lt1"/>
+                </a:solidFill>
+                <a:latin typeface="Ubuntu"/>
+                <a:ea typeface="Ubuntu"/>
+                <a:cs typeface="Ubuntu"/>
+                <a:sym typeface="Ubuntu"/>
+              </a:rPr>
+              <a:t>Επεκτασιμότητα: Υποστήριξη για προσθήκη νέων δήμων και δεδομένων χωρίς περιορισμούς.</a:t>
+            </a:r>
+            <a:endParaRPr sz="1100">
+              <a:solidFill>
+                <a:schemeClr val="lt1"/>
+              </a:solidFill>
+              <a:latin typeface="Ubuntu"/>
+              <a:ea typeface="Ubuntu"/>
+              <a:cs typeface="Ubuntu"/>
+              <a:sym typeface="Ubuntu"/>
+            </a:endParaRPr>
+          </a:p>
+          <a:p>
+            <a:pPr indent="-298450" lvl="0" marL="457200" rtl="0" algn="l">
+              <a:lnSpc>
+                <a:spcPct val="115000"/>
+              </a:lnSpc>
+              <a:spcBef>
+                <a:spcPts val="0"/>
+              </a:spcBef>
+              <a:spcAft>
+                <a:spcPts val="0"/>
+              </a:spcAft>
+              <a:buClr>
+                <a:schemeClr val="lt1"/>
+              </a:buClr>
+              <a:buSzPts val="1100"/>
+              <a:buFont typeface="Ubuntu"/>
+              <a:buAutoNum type="arabicPeriod"/>
+            </a:pPr>
+            <a:r>
+              <a:rPr lang="el" sz="1100">
+                <a:solidFill>
+                  <a:schemeClr val="lt1"/>
+                </a:solidFill>
+                <a:latin typeface="Ubuntu"/>
+                <a:ea typeface="Ubuntu"/>
+                <a:cs typeface="Ubuntu"/>
+                <a:sym typeface="Ubuntu"/>
+              </a:rPr>
+              <a:t>Υψηλή Διαθεσιμότητα: Uptime ≥ 99%.</a:t>
+            </a:r>
+            <a:endParaRPr sz="1100">
+              <a:solidFill>
+                <a:schemeClr val="lt1"/>
+              </a:solidFill>
+              <a:latin typeface="Ubuntu"/>
+              <a:ea typeface="Ubuntu"/>
+              <a:cs typeface="Ubuntu"/>
+              <a:sym typeface="Ubuntu"/>
+            </a:endParaRPr>
+          </a:p>
+          <a:p>
+            <a:pPr indent="-298450" lvl="0" marL="457200" rtl="0" algn="l">
+              <a:lnSpc>
+                <a:spcPct val="115000"/>
+              </a:lnSpc>
+              <a:spcBef>
+                <a:spcPts val="0"/>
+              </a:spcBef>
+              <a:spcAft>
+                <a:spcPts val="0"/>
+              </a:spcAft>
+              <a:buClr>
+                <a:schemeClr val="lt1"/>
+              </a:buClr>
+              <a:buSzPts val="1100"/>
+              <a:buFont typeface="Ubuntu"/>
+              <a:buAutoNum type="arabicPeriod"/>
+            </a:pPr>
+            <a:r>
+              <a:rPr lang="el" sz="1100">
+                <a:solidFill>
+                  <a:schemeClr val="lt1"/>
+                </a:solidFill>
+                <a:latin typeface="Ubuntu"/>
+                <a:ea typeface="Ubuntu"/>
+                <a:cs typeface="Ubuntu"/>
+                <a:sym typeface="Ubuntu"/>
+              </a:rPr>
+              <a:t>Γρήγορη Απόκριση: Χρόνος απόκρισης ≤ 3 δευτερόλεπτα για βασικές ενέργειες.</a:t>
+            </a:r>
+            <a:endParaRPr sz="1100">
+              <a:solidFill>
+                <a:schemeClr val="lt1"/>
+              </a:solidFill>
+              <a:latin typeface="Ubuntu"/>
+              <a:ea typeface="Ubuntu"/>
+              <a:cs typeface="Ubuntu"/>
+              <a:sym typeface="Ubuntu"/>
+            </a:endParaRPr>
+          </a:p>
+          <a:p>
+            <a:pPr indent="-298450" lvl="0" marL="457200" rtl="0" algn="l">
+              <a:lnSpc>
+                <a:spcPct val="115000"/>
+              </a:lnSpc>
+              <a:spcBef>
+                <a:spcPts val="0"/>
+              </a:spcBef>
+              <a:spcAft>
+                <a:spcPts val="0"/>
+              </a:spcAft>
+              <a:buClr>
+                <a:schemeClr val="lt1"/>
+              </a:buClr>
+              <a:buSzPts val="1100"/>
+              <a:buFont typeface="Ubuntu"/>
+              <a:buAutoNum type="arabicPeriod"/>
+            </a:pPr>
+            <a:r>
+              <a:rPr lang="el" sz="1100">
+                <a:solidFill>
+                  <a:schemeClr val="lt1"/>
+                </a:solidFill>
+                <a:latin typeface="Ubuntu"/>
+                <a:ea typeface="Ubuntu"/>
+                <a:cs typeface="Ubuntu"/>
+                <a:sym typeface="Ubuntu"/>
+              </a:rPr>
+              <a:t>Αντίγραφα Ασφαλείας: Δυνατότητα backup &amp; recovery.</a:t>
+            </a:r>
+            <a:endParaRPr sz="1100">
+              <a:solidFill>
+                <a:schemeClr val="lt1"/>
+              </a:solidFill>
               <a:latin typeface="Ubuntu"/>
               <a:ea typeface="Ubuntu"/>
               <a:cs typeface="Ubuntu"/>
@@ -10723,7 +11866,7 @@
   <p:cSld>
     <p:spTree>
       <p:nvGrpSpPr>
-        <p:cNvPr id="157" name="Shape 157"/>
+        <p:cNvPr id="158" name="Shape 158"/>
         <p:cNvGrpSpPr/>
         <p:nvPr/>
       </p:nvGrpSpPr>
@@ -10737,7 +11880,524 @@
       </p:grpSpPr>
       <p:sp>
         <p:nvSpPr>
-          <p:cNvPr id="158" name="Google Shape;158;p17"/>
+          <p:cNvPr id="159" name="Google Shape;159;p17"/>
+          <p:cNvSpPr txBox="1"/>
+          <p:nvPr>
+            <p:ph type="ctrTitle"/>
+          </p:nvPr>
+        </p:nvSpPr>
+        <p:spPr>
+          <a:xfrm>
+            <a:off x="1075250" y="0"/>
+            <a:ext cx="3886800" cy="567300"/>
+          </a:xfrm>
+          <a:prstGeom prst="rect">
+            <a:avLst/>
+          </a:prstGeom>
+        </p:spPr>
+        <p:txBody>
+          <a:bodyPr anchorCtr="0" anchor="t" bIns="91425" lIns="91425" spcFirstLastPara="1" rIns="91425" wrap="square" tIns="91425">
+            <a:noAutofit/>
+          </a:bodyPr>
+          <a:lstStyle/>
+          <a:p>
+            <a:pPr indent="0" lvl="0" marL="0" rtl="0" algn="ctr">
+              <a:lnSpc>
+                <a:spcPct val="150000"/>
+              </a:lnSpc>
+              <a:spcBef>
+                <a:spcPts val="0"/>
+              </a:spcBef>
+              <a:spcAft>
+                <a:spcPts val="0"/>
+              </a:spcAft>
+              <a:buSzPts val="990"/>
+              <a:buNone/>
+            </a:pPr>
+            <a:r>
+              <a:rPr lang="el" sz="2400">
+                <a:latin typeface="Ubuntu"/>
+                <a:ea typeface="Ubuntu"/>
+                <a:cs typeface="Ubuntu"/>
+                <a:sym typeface="Ubuntu"/>
+              </a:rPr>
+              <a:t>Περιορισμοι</a:t>
+            </a:r>
+            <a:endParaRPr sz="2400">
+              <a:latin typeface="Ubuntu"/>
+              <a:ea typeface="Ubuntu"/>
+              <a:cs typeface="Ubuntu"/>
+              <a:sym typeface="Ubuntu"/>
+            </a:endParaRPr>
+          </a:p>
+        </p:txBody>
+      </p:sp>
+      <p:sp>
+        <p:nvSpPr>
+          <p:cNvPr id="160" name="Google Shape;160;p17"/>
+          <p:cNvSpPr txBox="1"/>
+          <p:nvPr>
+            <p:ph idx="1" type="subTitle"/>
+          </p:nvPr>
+        </p:nvSpPr>
+        <p:spPr>
+          <a:xfrm>
+            <a:off x="2962475" y="856400"/>
+            <a:ext cx="5227800" cy="1086600"/>
+          </a:xfrm>
+          <a:prstGeom prst="rect">
+            <a:avLst/>
+          </a:prstGeom>
+        </p:spPr>
+        <p:txBody>
+          <a:bodyPr anchorCtr="0" anchor="t" bIns="91425" lIns="91425" spcFirstLastPara="1" rIns="91425" wrap="square" tIns="91425">
+            <a:noAutofit/>
+          </a:bodyPr>
+          <a:lstStyle/>
+          <a:p>
+            <a:pPr indent="0" lvl="0" marL="0" rtl="0" algn="l">
+              <a:lnSpc>
+                <a:spcPct val="115000"/>
+              </a:lnSpc>
+              <a:spcBef>
+                <a:spcPts val="0"/>
+              </a:spcBef>
+              <a:spcAft>
+                <a:spcPts val="0"/>
+              </a:spcAft>
+              <a:buNone/>
+            </a:pPr>
+            <a:r>
+              <a:rPr b="1" lang="el" sz="1110">
+                <a:latin typeface="Ubuntu"/>
+                <a:ea typeface="Ubuntu"/>
+                <a:cs typeface="Ubuntu"/>
+                <a:sym typeface="Ubuntu"/>
+              </a:rPr>
+              <a:t>Κανονιστικοί / Νομικοί Περιορισμοί</a:t>
+            </a:r>
+            <a:endParaRPr b="1" sz="1110">
+              <a:latin typeface="Ubuntu"/>
+              <a:ea typeface="Ubuntu"/>
+              <a:cs typeface="Ubuntu"/>
+              <a:sym typeface="Ubuntu"/>
+            </a:endParaRPr>
+          </a:p>
+          <a:p>
+            <a:pPr indent="-299085" lvl="0" marL="457200" rtl="0" algn="l">
+              <a:lnSpc>
+                <a:spcPct val="115000"/>
+              </a:lnSpc>
+              <a:spcBef>
+                <a:spcPts val="0"/>
+              </a:spcBef>
+              <a:spcAft>
+                <a:spcPts val="0"/>
+              </a:spcAft>
+              <a:buSzPts val="1110"/>
+              <a:buFont typeface="Ubuntu"/>
+              <a:buChar char="●"/>
+            </a:pPr>
+            <a:r>
+              <a:rPr lang="el" sz="1110">
+                <a:latin typeface="Ubuntu"/>
+                <a:ea typeface="Ubuntu"/>
+                <a:cs typeface="Ubuntu"/>
+                <a:sym typeface="Ubuntu"/>
+              </a:rPr>
+              <a:t>Συμμόρφωση με τον Γενικό Κανονισμό Προστασίας Δεδομένων (GDPR)</a:t>
+            </a:r>
+            <a:endParaRPr sz="1110">
+              <a:latin typeface="Ubuntu"/>
+              <a:ea typeface="Ubuntu"/>
+              <a:cs typeface="Ubuntu"/>
+              <a:sym typeface="Ubuntu"/>
+            </a:endParaRPr>
+          </a:p>
+          <a:p>
+            <a:pPr indent="-299085" lvl="0" marL="457200" rtl="0" algn="l">
+              <a:lnSpc>
+                <a:spcPct val="115000"/>
+              </a:lnSpc>
+              <a:spcBef>
+                <a:spcPts val="0"/>
+              </a:spcBef>
+              <a:spcAft>
+                <a:spcPts val="0"/>
+              </a:spcAft>
+              <a:buSzPts val="1110"/>
+              <a:buFont typeface="Ubuntu"/>
+              <a:buChar char="●"/>
+            </a:pPr>
+            <a:r>
+              <a:rPr lang="el" sz="1110">
+                <a:latin typeface="Ubuntu"/>
+                <a:ea typeface="Ubuntu"/>
+                <a:cs typeface="Ubuntu"/>
+                <a:sym typeface="Ubuntu"/>
+              </a:rPr>
+              <a:t>Αποθήκευση Δεδομένων εντός ΕΕ</a:t>
+            </a:r>
+            <a:endParaRPr sz="1110">
+              <a:latin typeface="Ubuntu"/>
+              <a:ea typeface="Ubuntu"/>
+              <a:cs typeface="Ubuntu"/>
+              <a:sym typeface="Ubuntu"/>
+            </a:endParaRPr>
+          </a:p>
+          <a:p>
+            <a:pPr indent="-299085" lvl="0" marL="457200" rtl="0" algn="l">
+              <a:lnSpc>
+                <a:spcPct val="115000"/>
+              </a:lnSpc>
+              <a:spcBef>
+                <a:spcPts val="0"/>
+              </a:spcBef>
+              <a:spcAft>
+                <a:spcPts val="0"/>
+              </a:spcAft>
+              <a:buSzPts val="1110"/>
+              <a:buFont typeface="Ubuntu"/>
+              <a:buChar char="●"/>
+            </a:pPr>
+            <a:r>
+              <a:rPr lang="el" sz="1110">
+                <a:latin typeface="Ubuntu"/>
+                <a:ea typeface="Ubuntu"/>
+                <a:cs typeface="Ubuntu"/>
+                <a:sym typeface="Ubuntu"/>
+              </a:rPr>
+              <a:t>Συμβατότητα με Ευρωπαϊκές Πολιτικές Ασφάλειας Πληροφοριών</a:t>
+            </a:r>
+            <a:endParaRPr sz="1110">
+              <a:latin typeface="Ubuntu"/>
+              <a:ea typeface="Ubuntu"/>
+              <a:cs typeface="Ubuntu"/>
+              <a:sym typeface="Ubuntu"/>
+            </a:endParaRPr>
+          </a:p>
+          <a:p>
+            <a:pPr indent="-299085" lvl="0" marL="457200" rtl="0" algn="l">
+              <a:lnSpc>
+                <a:spcPct val="115000"/>
+              </a:lnSpc>
+              <a:spcBef>
+                <a:spcPts val="0"/>
+              </a:spcBef>
+              <a:spcAft>
+                <a:spcPts val="0"/>
+              </a:spcAft>
+              <a:buSzPts val="1110"/>
+              <a:buFont typeface="Ubuntu"/>
+              <a:buChar char="●"/>
+            </a:pPr>
+            <a:r>
+              <a:rPr lang="el" sz="1110">
+                <a:latin typeface="Ubuntu"/>
+                <a:ea typeface="Ubuntu"/>
+                <a:cs typeface="Ubuntu"/>
+                <a:sym typeface="Ubuntu"/>
+              </a:rPr>
+              <a:t>Νομική Επαλήθευση Συναλλαγών μέσω Blockchain</a:t>
+            </a:r>
+            <a:endParaRPr sz="1110">
+              <a:latin typeface="Ubuntu"/>
+              <a:ea typeface="Ubuntu"/>
+              <a:cs typeface="Ubuntu"/>
+              <a:sym typeface="Ubuntu"/>
+            </a:endParaRPr>
+          </a:p>
+        </p:txBody>
+      </p:sp>
+      <p:sp>
+        <p:nvSpPr>
+          <p:cNvPr id="161" name="Google Shape;161;p17"/>
+          <p:cNvSpPr txBox="1"/>
+          <p:nvPr>
+            <p:ph idx="1" type="subTitle"/>
+          </p:nvPr>
+        </p:nvSpPr>
+        <p:spPr>
+          <a:xfrm>
+            <a:off x="3574400" y="2397050"/>
+            <a:ext cx="5227800" cy="861900"/>
+          </a:xfrm>
+          <a:prstGeom prst="rect">
+            <a:avLst/>
+          </a:prstGeom>
+        </p:spPr>
+        <p:txBody>
+          <a:bodyPr anchorCtr="0" anchor="t" bIns="91425" lIns="91425" spcFirstLastPara="1" rIns="91425" wrap="square" tIns="91425">
+            <a:noAutofit/>
+          </a:bodyPr>
+          <a:lstStyle/>
+          <a:p>
+            <a:pPr indent="0" lvl="0" marL="0" rtl="0" algn="l">
+              <a:lnSpc>
+                <a:spcPct val="115000"/>
+              </a:lnSpc>
+              <a:spcBef>
+                <a:spcPts val="0"/>
+              </a:spcBef>
+              <a:spcAft>
+                <a:spcPts val="0"/>
+              </a:spcAft>
+              <a:buNone/>
+            </a:pPr>
+            <a:r>
+              <a:rPr b="1" lang="el" sz="1110">
+                <a:latin typeface="Ubuntu"/>
+                <a:ea typeface="Ubuntu"/>
+                <a:cs typeface="Ubuntu"/>
+                <a:sym typeface="Ubuntu"/>
+              </a:rPr>
+              <a:t>Λειτουργικοί Περιορισμοί</a:t>
+            </a:r>
+            <a:endParaRPr b="1" sz="1110">
+              <a:latin typeface="Ubuntu"/>
+              <a:ea typeface="Ubuntu"/>
+              <a:cs typeface="Ubuntu"/>
+              <a:sym typeface="Ubuntu"/>
+            </a:endParaRPr>
+          </a:p>
+          <a:p>
+            <a:pPr indent="-299085" lvl="0" marL="457200" rtl="0" algn="l">
+              <a:lnSpc>
+                <a:spcPct val="115000"/>
+              </a:lnSpc>
+              <a:spcBef>
+                <a:spcPts val="0"/>
+              </a:spcBef>
+              <a:spcAft>
+                <a:spcPts val="0"/>
+              </a:spcAft>
+              <a:buSzPts val="1110"/>
+              <a:buFont typeface="Ubuntu"/>
+              <a:buChar char="●"/>
+            </a:pPr>
+            <a:r>
+              <a:rPr lang="el" sz="1110">
+                <a:latin typeface="Ubuntu"/>
+                <a:ea typeface="Ubuntu"/>
+                <a:cs typeface="Ubuntu"/>
+                <a:sym typeface="Ubuntu"/>
+              </a:rPr>
+              <a:t>Προγραμματισμένα Διαστήματα Ενημέρωσης Βάσης Δεδομένων</a:t>
+            </a:r>
+            <a:endParaRPr sz="1110">
+              <a:latin typeface="Ubuntu"/>
+              <a:ea typeface="Ubuntu"/>
+              <a:cs typeface="Ubuntu"/>
+              <a:sym typeface="Ubuntu"/>
+            </a:endParaRPr>
+          </a:p>
+          <a:p>
+            <a:pPr indent="-299085" lvl="0" marL="457200" rtl="0" algn="l">
+              <a:lnSpc>
+                <a:spcPct val="115000"/>
+              </a:lnSpc>
+              <a:spcBef>
+                <a:spcPts val="0"/>
+              </a:spcBef>
+              <a:spcAft>
+                <a:spcPts val="0"/>
+              </a:spcAft>
+              <a:buSzPts val="1110"/>
+              <a:buFont typeface="Ubuntu"/>
+              <a:buChar char="●"/>
+            </a:pPr>
+            <a:r>
+              <a:rPr lang="el" sz="1110">
+                <a:latin typeface="Ubuntu"/>
+                <a:ea typeface="Ubuntu"/>
+                <a:cs typeface="Ubuntu"/>
+                <a:sym typeface="Ubuntu"/>
+              </a:rPr>
+              <a:t>Δικαίωμα Ανάγνωσης Δεδομένων για Πολίτες και εισαγωγής/τροποποίησης για δήμους</a:t>
+            </a:r>
+            <a:endParaRPr sz="1110">
+              <a:latin typeface="Ubuntu"/>
+              <a:ea typeface="Ubuntu"/>
+              <a:cs typeface="Ubuntu"/>
+              <a:sym typeface="Ubuntu"/>
+            </a:endParaRPr>
+          </a:p>
+        </p:txBody>
+      </p:sp>
+      <p:sp>
+        <p:nvSpPr>
+          <p:cNvPr id="162" name="Google Shape;162;p17"/>
+          <p:cNvSpPr txBox="1"/>
+          <p:nvPr>
+            <p:ph idx="1" type="subTitle"/>
+          </p:nvPr>
+        </p:nvSpPr>
+        <p:spPr>
+          <a:xfrm>
+            <a:off x="4145100" y="3713000"/>
+            <a:ext cx="4527000" cy="1086600"/>
+          </a:xfrm>
+          <a:prstGeom prst="rect">
+            <a:avLst/>
+          </a:prstGeom>
+        </p:spPr>
+        <p:txBody>
+          <a:bodyPr anchorCtr="0" anchor="t" bIns="91425" lIns="91425" spcFirstLastPara="1" rIns="91425" wrap="square" tIns="91425">
+            <a:noAutofit/>
+          </a:bodyPr>
+          <a:lstStyle/>
+          <a:p>
+            <a:pPr indent="0" lvl="0" marL="0" rtl="0" algn="l">
+              <a:lnSpc>
+                <a:spcPct val="115000"/>
+              </a:lnSpc>
+              <a:spcBef>
+                <a:spcPts val="0"/>
+              </a:spcBef>
+              <a:spcAft>
+                <a:spcPts val="0"/>
+              </a:spcAft>
+              <a:buNone/>
+            </a:pPr>
+            <a:r>
+              <a:rPr b="1" lang="el" sz="1110">
+                <a:latin typeface="Ubuntu"/>
+                <a:ea typeface="Ubuntu"/>
+                <a:cs typeface="Ubuntu"/>
+                <a:sym typeface="Ubuntu"/>
+              </a:rPr>
+              <a:t>Τεχνικοί Περιορισμοί</a:t>
+            </a:r>
+            <a:endParaRPr b="1" sz="1110">
+              <a:latin typeface="Ubuntu"/>
+              <a:ea typeface="Ubuntu"/>
+              <a:cs typeface="Ubuntu"/>
+              <a:sym typeface="Ubuntu"/>
+            </a:endParaRPr>
+          </a:p>
+          <a:p>
+            <a:pPr indent="-299085" lvl="0" marL="457200" rtl="0" algn="l">
+              <a:lnSpc>
+                <a:spcPct val="115000"/>
+              </a:lnSpc>
+              <a:spcBef>
+                <a:spcPts val="0"/>
+              </a:spcBef>
+              <a:spcAft>
+                <a:spcPts val="0"/>
+              </a:spcAft>
+              <a:buSzPts val="1110"/>
+              <a:buFont typeface="Ubuntu"/>
+              <a:buChar char="●"/>
+            </a:pPr>
+            <a:r>
+              <a:rPr lang="el" sz="1110">
+                <a:latin typeface="Ubuntu"/>
+                <a:ea typeface="Ubuntu"/>
+                <a:cs typeface="Ubuntu"/>
+                <a:sym typeface="Ubuntu"/>
+              </a:rPr>
+              <a:t>Λειτουργία σε Web Περιβάλλον (Browser-based)</a:t>
+            </a:r>
+            <a:endParaRPr sz="1110">
+              <a:latin typeface="Ubuntu"/>
+              <a:ea typeface="Ubuntu"/>
+              <a:cs typeface="Ubuntu"/>
+              <a:sym typeface="Ubuntu"/>
+            </a:endParaRPr>
+          </a:p>
+          <a:p>
+            <a:pPr indent="-299085" lvl="0" marL="457200" rtl="0" algn="l">
+              <a:lnSpc>
+                <a:spcPct val="115000"/>
+              </a:lnSpc>
+              <a:spcBef>
+                <a:spcPts val="0"/>
+              </a:spcBef>
+              <a:spcAft>
+                <a:spcPts val="0"/>
+              </a:spcAft>
+              <a:buSzPts val="1110"/>
+              <a:buFont typeface="Ubuntu"/>
+              <a:buChar char="●"/>
+            </a:pPr>
+            <a:r>
+              <a:rPr lang="el" sz="1110">
+                <a:latin typeface="Ubuntu"/>
+                <a:ea typeface="Ubuntu"/>
+                <a:cs typeface="Ubuntu"/>
+                <a:sym typeface="Ubuntu"/>
+              </a:rPr>
+              <a:t>Υποστήριξη Ταυτόχρονων Συνδέσεων από Πολλούς Δήμους</a:t>
+            </a:r>
+            <a:endParaRPr sz="1110">
+              <a:latin typeface="Ubuntu"/>
+              <a:ea typeface="Ubuntu"/>
+              <a:cs typeface="Ubuntu"/>
+              <a:sym typeface="Ubuntu"/>
+            </a:endParaRPr>
+          </a:p>
+          <a:p>
+            <a:pPr indent="-299085" lvl="0" marL="457200" rtl="0" algn="l">
+              <a:lnSpc>
+                <a:spcPct val="115000"/>
+              </a:lnSpc>
+              <a:spcBef>
+                <a:spcPts val="0"/>
+              </a:spcBef>
+              <a:spcAft>
+                <a:spcPts val="0"/>
+              </a:spcAft>
+              <a:buSzPts val="1110"/>
+              <a:buFont typeface="Ubuntu"/>
+              <a:buChar char="●"/>
+            </a:pPr>
+            <a:r>
+              <a:rPr lang="el" sz="1110">
+                <a:latin typeface="Ubuntu"/>
+                <a:ea typeface="Ubuntu"/>
+                <a:cs typeface="Ubuntu"/>
+                <a:sym typeface="Ubuntu"/>
+              </a:rPr>
+              <a:t>Ασφαλή Πρωτόκολλα Επικοινωνίας (HTTPS, SSL/TLS) και κρυπτογράφηση</a:t>
+            </a:r>
+            <a:endParaRPr sz="1110">
+              <a:latin typeface="Ubuntu"/>
+              <a:ea typeface="Ubuntu"/>
+              <a:cs typeface="Ubuntu"/>
+              <a:sym typeface="Ubuntu"/>
+            </a:endParaRPr>
+          </a:p>
+        </p:txBody>
+      </p:sp>
+    </p:spTree>
+  </p:cSld>
+  <p:clrMapOvr>
+    <a:masterClrMapping/>
+  </p:clrMapOvr>
+</p:sld>
+</file>
+
+<file path=ppt/slides/slide6.xml><?xml version="1.0" encoding="utf-8"?>
+<p:sld xmlns:a="http://schemas.openxmlformats.org/drawingml/2006/main" xmlns:r="http://schemas.openxmlformats.org/officeDocument/2006/relationships" xmlns:mc="http://schemas.openxmlformats.org/markup-compatibility/2006" xmlns:mv="urn:schemas-microsoft-com:mac:vml" xmlns:p="http://schemas.openxmlformats.org/presentationml/2006/main" xmlns:c="http://schemas.openxmlformats.org/drawingml/2006/chart" xmlns:dgm="http://schemas.openxmlformats.org/drawingml/2006/diagram" xmlns:o="urn:schemas-microsoft-com:office:office" xmlns:v="urn:schemas-microsoft-com:vml" xmlns:pvml="urn:schemas-microsoft-com:office:powerpoint" xmlns:com="http://schemas.openxmlformats.org/drawingml/2006/compatibility" xmlns:p14="http://schemas.microsoft.com/office/powerpoint/2010/main" xmlns:p15="http://schemas.microsoft.com/office/powerpoint/2012/main" xmlns:ahyp="http://schemas.microsoft.com/office/drawing/2018/hyperlinkcolor">
+  <p:cSld>
+    <p:spTree>
+      <p:nvGrpSpPr>
+        <p:cNvPr id="166" name="Shape 166"/>
+        <p:cNvGrpSpPr/>
+        <p:nvPr/>
+      </p:nvGrpSpPr>
+      <p:grpSpPr>
+        <a:xfrm>
+          <a:off x="0" y="0"/>
+          <a:ext cx="0" cy="0"/>
+          <a:chOff x="0" y="0"/>
+          <a:chExt cx="0" cy="0"/>
+        </a:xfrm>
+      </p:grpSpPr>
+      <p:sp>
+        <p:nvSpPr>
+          <p:cNvPr id="167" name="Google Shape;167;p18"/>
           <p:cNvSpPr txBox="1"/>
           <p:nvPr>
             <p:ph type="ctrTitle"/>
@@ -10778,7 +12438,7 @@
                 <a:cs typeface="Ubuntu"/>
                 <a:sym typeface="Ubuntu"/>
               </a:rPr>
-              <a:t>Περιορισμοι</a:t>
+              <a:t>Αναλυση Τρεχουσας Καταστασης</a:t>
             </a:r>
             <a:endParaRPr sz="2400">
               <a:latin typeface="Ubuntu"/>
@@ -10791,7 +12451,7 @@
       </p:sp>
       <p:sp>
         <p:nvSpPr>
-          <p:cNvPr id="159" name="Google Shape;159;p17"/>
+          <p:cNvPr id="168" name="Google Shape;168;p18"/>
           <p:cNvSpPr txBox="1"/>
           <p:nvPr>
             <p:ph idx="1" type="subTitle"/>
@@ -10814,7 +12474,7 @@
           <a:p>
             <a:pPr indent="0" lvl="0" marL="457200" rtl="0" algn="l">
               <a:lnSpc>
-                <a:spcPct val="130000"/>
+                <a:spcPct val="115000"/>
               </a:lnSpc>
               <a:spcBef>
                 <a:spcPts val="0"/>
@@ -10825,7 +12485,7 @@
               <a:buNone/>
             </a:pPr>
             <a:r>
-              <a:rPr lang="el" sz="1310">
+              <a:rPr lang="el" sz="1110">
                 <a:latin typeface="Ubuntu"/>
                 <a:ea typeface="Ubuntu"/>
                 <a:cs typeface="Ubuntu"/>
@@ -10833,139 +12493,7 @@
               </a:rPr>
               <a:t>….</a:t>
             </a:r>
-            <a:endParaRPr sz="1310">
-              <a:latin typeface="Ubuntu"/>
-              <a:ea typeface="Ubuntu"/>
-              <a:cs typeface="Ubuntu"/>
-              <a:sym typeface="Ubuntu"/>
-            </a:endParaRPr>
-          </a:p>
-        </p:txBody>
-      </p:sp>
-    </p:spTree>
-  </p:cSld>
-  <p:clrMapOvr>
-    <a:masterClrMapping/>
-  </p:clrMapOvr>
-</p:sld>
-</file>
-
-<file path=ppt/slides/slide6.xml><?xml version="1.0" encoding="utf-8"?>
-<p:sld xmlns:a="http://schemas.openxmlformats.org/drawingml/2006/main" xmlns:r="http://schemas.openxmlformats.org/officeDocument/2006/relationships" xmlns:mc="http://schemas.openxmlformats.org/markup-compatibility/2006" xmlns:mv="urn:schemas-microsoft-com:mac:vml" xmlns:p="http://schemas.openxmlformats.org/presentationml/2006/main" xmlns:c="http://schemas.openxmlformats.org/drawingml/2006/chart" xmlns:dgm="http://schemas.openxmlformats.org/drawingml/2006/diagram" xmlns:o="urn:schemas-microsoft-com:office:office" xmlns:v="urn:schemas-microsoft-com:vml" xmlns:pvml="urn:schemas-microsoft-com:office:powerpoint" xmlns:com="http://schemas.openxmlformats.org/drawingml/2006/compatibility" xmlns:p14="http://schemas.microsoft.com/office/powerpoint/2010/main" xmlns:p15="http://schemas.microsoft.com/office/powerpoint/2012/main" xmlns:ahyp="http://schemas.microsoft.com/office/drawing/2018/hyperlinkcolor">
-  <p:cSld>
-    <p:spTree>
-      <p:nvGrpSpPr>
-        <p:cNvPr id="163" name="Shape 163"/>
-        <p:cNvGrpSpPr/>
-        <p:nvPr/>
-      </p:nvGrpSpPr>
-      <p:grpSpPr>
-        <a:xfrm>
-          <a:off x="0" y="0"/>
-          <a:ext cx="0" cy="0"/>
-          <a:chOff x="0" y="0"/>
-          <a:chExt cx="0" cy="0"/>
-        </a:xfrm>
-      </p:grpSpPr>
-      <p:sp>
-        <p:nvSpPr>
-          <p:cNvPr id="164" name="Google Shape;164;p18"/>
-          <p:cNvSpPr txBox="1"/>
-          <p:nvPr>
-            <p:ph type="ctrTitle"/>
-          </p:nvPr>
-        </p:nvSpPr>
-        <p:spPr>
-          <a:xfrm>
-            <a:off x="2894200" y="56800"/>
-            <a:ext cx="5784300" cy="2073000"/>
-          </a:xfrm>
-          <a:prstGeom prst="rect">
-            <a:avLst/>
-          </a:prstGeom>
-        </p:spPr>
-        <p:txBody>
-          <a:bodyPr anchorCtr="0" anchor="t" bIns="91425" lIns="91425" spcFirstLastPara="1" rIns="91425" wrap="square" tIns="91425">
-            <a:noAutofit/>
-          </a:bodyPr>
-          <a:lstStyle/>
-          <a:p>
-            <a:pPr indent="0" lvl="0" marL="0" rtl="0" algn="ctr">
-              <a:lnSpc>
-                <a:spcPct val="150000"/>
-              </a:lnSpc>
-              <a:spcBef>
-                <a:spcPts val="0"/>
-              </a:spcBef>
-              <a:spcAft>
-                <a:spcPts val="0"/>
-              </a:spcAft>
-              <a:buSzPts val="990"/>
-              <a:buNone/>
-            </a:pPr>
-            <a:r>
-              <a:rPr lang="el" sz="2400">
-                <a:latin typeface="Ubuntu"/>
-                <a:ea typeface="Ubuntu"/>
-                <a:cs typeface="Ubuntu"/>
-                <a:sym typeface="Ubuntu"/>
-              </a:rPr>
-              <a:t>Αναλυση Τρεχουσας Καταστασης</a:t>
-            </a:r>
-            <a:endParaRPr sz="2400">
-              <a:latin typeface="Ubuntu"/>
-              <a:ea typeface="Ubuntu"/>
-              <a:cs typeface="Ubuntu"/>
-              <a:sym typeface="Ubuntu"/>
-            </a:endParaRPr>
-          </a:p>
-        </p:txBody>
-      </p:sp>
-      <p:sp>
-        <p:nvSpPr>
-          <p:cNvPr id="165" name="Google Shape;165;p18"/>
-          <p:cNvSpPr txBox="1"/>
-          <p:nvPr>
-            <p:ph idx="1" type="subTitle"/>
-          </p:nvPr>
-        </p:nvSpPr>
-        <p:spPr>
-          <a:xfrm>
-            <a:off x="4962050" y="2945150"/>
-            <a:ext cx="3439200" cy="1973100"/>
-          </a:xfrm>
-          <a:prstGeom prst="rect">
-            <a:avLst/>
-          </a:prstGeom>
-        </p:spPr>
-        <p:txBody>
-          <a:bodyPr anchorCtr="0" anchor="t" bIns="91425" lIns="91425" spcFirstLastPara="1" rIns="91425" wrap="square" tIns="91425">
-            <a:noAutofit/>
-          </a:bodyPr>
-          <a:lstStyle/>
-          <a:p>
-            <a:pPr indent="0" lvl="0" marL="457200" rtl="0" algn="l">
-              <a:lnSpc>
-                <a:spcPct val="130000"/>
-              </a:lnSpc>
-              <a:spcBef>
-                <a:spcPts val="0"/>
-              </a:spcBef>
-              <a:spcAft>
-                <a:spcPts val="0"/>
-              </a:spcAft>
-              <a:buNone/>
-            </a:pPr>
-            <a:r>
-              <a:rPr lang="el" sz="1310">
-                <a:latin typeface="Ubuntu"/>
-                <a:ea typeface="Ubuntu"/>
-                <a:cs typeface="Ubuntu"/>
-                <a:sym typeface="Ubuntu"/>
-              </a:rPr>
-              <a:t>….</a:t>
-            </a:r>
-            <a:endParaRPr sz="1310">
+            <a:endParaRPr sz="1110">
               <a:latin typeface="Ubuntu"/>
               <a:ea typeface="Ubuntu"/>
               <a:cs typeface="Ubuntu"/>
@@ -10987,7 +12515,7 @@
   <p:cSld>
     <p:spTree>
       <p:nvGrpSpPr>
-        <p:cNvPr id="169" name="Shape 169"/>
+        <p:cNvPr id="172" name="Shape 172"/>
         <p:cNvGrpSpPr/>
         <p:nvPr/>
       </p:nvGrpSpPr>
@@ -11001,7 +12529,7 @@
       </p:grpSpPr>
       <p:sp>
         <p:nvSpPr>
-          <p:cNvPr id="170" name="Google Shape;170;p19"/>
+          <p:cNvPr id="173" name="Google Shape;173;p19"/>
           <p:cNvSpPr txBox="1"/>
           <p:nvPr>
             <p:ph type="ctrTitle"/>
@@ -11009,12 +12537,15 @@
         </p:nvSpPr>
         <p:spPr>
           <a:xfrm>
-            <a:off x="2894200" y="56800"/>
-            <a:ext cx="5784300" cy="2073000"/>
+            <a:off x="1797650" y="0"/>
+            <a:ext cx="5784300" cy="484500"/>
           </a:xfrm>
           <a:prstGeom prst="rect">
             <a:avLst/>
           </a:prstGeom>
+          <a:ln>
+            <a:noFill/>
+          </a:ln>
         </p:spPr>
         <p:txBody>
           <a:bodyPr anchorCtr="0" anchor="t" bIns="91425" lIns="91425" spcFirstLastPara="1" rIns="91425" wrap="square" tIns="91425">
@@ -11042,7 +12573,7 @@
                 <a:cs typeface="Ubuntu"/>
                 <a:sym typeface="Ubuntu"/>
               </a:rPr>
-              <a:t>Root Cause &amp; SWOT</a:t>
+              <a:t>SWOT Analysis</a:t>
             </a:r>
             <a:endParaRPr sz="2400">
               <a:latin typeface="Ubuntu"/>
@@ -11053,59 +12584,1117 @@
           </a:p>
         </p:txBody>
       </p:sp>
-      <p:sp>
-        <p:nvSpPr>
-          <p:cNvPr id="171" name="Google Shape;171;p19"/>
-          <p:cNvSpPr txBox="1"/>
-          <p:nvPr>
-            <p:ph idx="1" type="subTitle"/>
-          </p:nvPr>
-        </p:nvSpPr>
-        <p:spPr>
-          <a:xfrm>
-            <a:off x="4962050" y="2945150"/>
-            <a:ext cx="3439200" cy="1973100"/>
-          </a:xfrm>
-          <a:prstGeom prst="rect">
-            <a:avLst/>
-          </a:prstGeom>
-        </p:spPr>
-        <p:txBody>
-          <a:bodyPr anchorCtr="0" anchor="t" bIns="91425" lIns="91425" spcFirstLastPara="1" rIns="91425" wrap="square" tIns="91425">
-            <a:noAutofit/>
-          </a:bodyPr>
-          <a:lstStyle/>
-          <a:p>
-            <a:pPr indent="0" lvl="0" marL="457200" rtl="0" algn="l">
-              <a:lnSpc>
-                <a:spcPct val="130000"/>
-              </a:lnSpc>
-              <a:spcBef>
-                <a:spcPts val="0"/>
-              </a:spcBef>
-              <a:spcAft>
-                <a:spcPts val="0"/>
-              </a:spcAft>
-              <a:buNone/>
-            </a:pPr>
-            <a:r>
-              <a:rPr lang="el" sz="1310">
-                <a:latin typeface="Ubuntu"/>
-                <a:ea typeface="Ubuntu"/>
-                <a:cs typeface="Ubuntu"/>
-                <a:sym typeface="Ubuntu"/>
-              </a:rPr>
-              <a:t>….</a:t>
-            </a:r>
-            <a:endParaRPr sz="1310">
-              <a:latin typeface="Ubuntu"/>
-              <a:ea typeface="Ubuntu"/>
-              <a:cs typeface="Ubuntu"/>
-              <a:sym typeface="Ubuntu"/>
-            </a:endParaRPr>
-          </a:p>
-        </p:txBody>
-      </p:sp>
+      <p:graphicFrame>
+        <p:nvGraphicFramePr>
+          <p:cNvPr id="174" name="Google Shape;174;p19"/>
+          <p:cNvGraphicFramePr/>
+          <p:nvPr/>
+        </p:nvGraphicFramePr>
+        <p:xfrm>
+          <a:off x="310800" y="541300"/>
+          <a:ext cx="3000000" cy="3000000"/>
+        </p:xfrm>
+        <a:graphic>
+          <a:graphicData uri="http://schemas.openxmlformats.org/drawingml/2006/table">
+            <a:tbl>
+              <a:tblPr>
+                <a:noFill/>
+                <a:tableStyleId>{62BF6DFE-5033-4638-9986-8C6B9F8657F4}</a:tableStyleId>
+              </a:tblPr>
+              <a:tblGrid>
+                <a:gridCol w="4422200"/>
+                <a:gridCol w="4335800"/>
+              </a:tblGrid>
+              <a:tr h="326750">
+                <a:tc>
+                  <a:txBody>
+                    <a:bodyPr/>
+                    <a:lstStyle/>
+                    <a:p>
+                      <a:pPr indent="0" lvl="0" marL="0" rtl="0" algn="ctr">
+                        <a:spcBef>
+                          <a:spcPts val="0"/>
+                        </a:spcBef>
+                        <a:spcAft>
+                          <a:spcPts val="0"/>
+                        </a:spcAft>
+                        <a:buNone/>
+                      </a:pPr>
+                      <a:r>
+                        <a:rPr lang="el" sz="1100">
+                          <a:solidFill>
+                            <a:schemeClr val="lt1"/>
+                          </a:solidFill>
+                          <a:latin typeface="Ubuntu"/>
+                          <a:ea typeface="Ubuntu"/>
+                          <a:cs typeface="Ubuntu"/>
+                          <a:sym typeface="Ubuntu"/>
+                        </a:rPr>
+                        <a:t>Κατηγορία</a:t>
+                      </a:r>
+                      <a:endParaRPr sz="1100">
+                        <a:solidFill>
+                          <a:schemeClr val="lt1"/>
+                        </a:solidFill>
+                        <a:latin typeface="Ubuntu"/>
+                        <a:ea typeface="Ubuntu"/>
+                        <a:cs typeface="Ubuntu"/>
+                        <a:sym typeface="Ubuntu"/>
+                      </a:endParaRPr>
+                    </a:p>
+                  </a:txBody>
+                  <a:tcPr marT="91425" marB="91425" marR="91425" marL="91425">
+                    <a:lnL cap="flat" cmpd="sng" w="9525">
+                      <a:solidFill>
+                        <a:schemeClr val="lt1"/>
+                      </a:solidFill>
+                      <a:prstDash val="solid"/>
+                      <a:round/>
+                      <a:headEnd len="sm" w="sm" type="none"/>
+                      <a:tailEnd len="sm" w="sm" type="none"/>
+                    </a:lnL>
+                    <a:lnR cap="flat" cmpd="sng" w="9525">
+                      <a:solidFill>
+                        <a:schemeClr val="lt1"/>
+                      </a:solidFill>
+                      <a:prstDash val="solid"/>
+                      <a:round/>
+                      <a:headEnd len="sm" w="sm" type="none"/>
+                      <a:tailEnd len="sm" w="sm" type="none"/>
+                    </a:lnR>
+                    <a:lnT cap="flat" cmpd="sng" w="9525">
+                      <a:solidFill>
+                        <a:schemeClr val="lt1"/>
+                      </a:solidFill>
+                      <a:prstDash val="solid"/>
+                      <a:round/>
+                      <a:headEnd len="sm" w="sm" type="none"/>
+                      <a:tailEnd len="sm" w="sm" type="none"/>
+                    </a:lnT>
+                    <a:lnB cap="flat" cmpd="sng" w="12700">
+                      <a:solidFill>
+                        <a:schemeClr val="lt1"/>
+                      </a:solidFill>
+                      <a:prstDash val="solid"/>
+                      <a:round/>
+                      <a:headEnd len="sm" w="sm" type="none"/>
+                      <a:tailEnd len="sm" w="sm" type="none"/>
+                    </a:lnB>
+                  </a:tcPr>
+                </a:tc>
+                <a:tc>
+                  <a:txBody>
+                    <a:bodyPr/>
+                    <a:lstStyle/>
+                    <a:p>
+                      <a:pPr indent="0" lvl="0" marL="0" rtl="0" algn="ctr">
+                        <a:spcBef>
+                          <a:spcPts val="0"/>
+                        </a:spcBef>
+                        <a:spcAft>
+                          <a:spcPts val="0"/>
+                        </a:spcAft>
+                        <a:buNone/>
+                      </a:pPr>
+                      <a:r>
+                        <a:rPr lang="el" sz="1100">
+                          <a:solidFill>
+                            <a:schemeClr val="lt1"/>
+                          </a:solidFill>
+                        </a:rPr>
+                        <a:t>Στοιχεία</a:t>
+                      </a:r>
+                      <a:endParaRPr sz="1100">
+                        <a:solidFill>
+                          <a:schemeClr val="lt1"/>
+                        </a:solidFill>
+                      </a:endParaRPr>
+                    </a:p>
+                  </a:txBody>
+                  <a:tcPr marT="91425" marB="91425" marR="91425" marL="91425">
+                    <a:lnL cap="flat" cmpd="sng" w="9525">
+                      <a:solidFill>
+                        <a:schemeClr val="lt1"/>
+                      </a:solidFill>
+                      <a:prstDash val="solid"/>
+                      <a:round/>
+                      <a:headEnd len="sm" w="sm" type="none"/>
+                      <a:tailEnd len="sm" w="sm" type="none"/>
+                    </a:lnL>
+                    <a:lnR cap="flat" cmpd="sng" w="9525">
+                      <a:solidFill>
+                        <a:schemeClr val="lt1"/>
+                      </a:solidFill>
+                      <a:prstDash val="solid"/>
+                      <a:round/>
+                      <a:headEnd len="sm" w="sm" type="none"/>
+                      <a:tailEnd len="sm" w="sm" type="none"/>
+                    </a:lnR>
+                    <a:lnT cap="flat" cmpd="sng" w="9525">
+                      <a:solidFill>
+                        <a:schemeClr val="lt1"/>
+                      </a:solidFill>
+                      <a:prstDash val="solid"/>
+                      <a:round/>
+                      <a:headEnd len="sm" w="sm" type="none"/>
+                      <a:tailEnd len="sm" w="sm" type="none"/>
+                    </a:lnT>
+                    <a:lnB cap="flat" cmpd="sng" w="12700">
+                      <a:solidFill>
+                        <a:schemeClr val="lt1"/>
+                      </a:solidFill>
+                      <a:prstDash val="solid"/>
+                      <a:round/>
+                      <a:headEnd len="sm" w="sm" type="none"/>
+                      <a:tailEnd len="sm" w="sm" type="none"/>
+                    </a:lnB>
+                  </a:tcPr>
+                </a:tc>
+              </a:tr>
+              <a:tr h="1285950">
+                <a:tc>
+                  <a:txBody>
+                    <a:bodyPr/>
+                    <a:lstStyle/>
+                    <a:p>
+                      <a:pPr indent="0" lvl="0" marL="0" rtl="0" algn="just">
+                        <a:lnSpc>
+                          <a:spcPct val="150000"/>
+                        </a:lnSpc>
+                        <a:spcBef>
+                          <a:spcPts val="0"/>
+                        </a:spcBef>
+                        <a:spcAft>
+                          <a:spcPts val="0"/>
+                        </a:spcAft>
+                        <a:buNone/>
+                      </a:pPr>
+                      <a:r>
+                        <a:rPr lang="el" sz="1100">
+                          <a:solidFill>
+                            <a:schemeClr val="lt1"/>
+                          </a:solidFill>
+                          <a:latin typeface="Ubuntu"/>
+                          <a:ea typeface="Ubuntu"/>
+                          <a:cs typeface="Ubuntu"/>
+                          <a:sym typeface="Ubuntu"/>
+                        </a:rPr>
+                        <a:t>Strengths (Δυνατά Σημεία)</a:t>
+                      </a:r>
+                      <a:endParaRPr sz="1100">
+                        <a:solidFill>
+                          <a:schemeClr val="lt1"/>
+                        </a:solidFill>
+                        <a:latin typeface="Ubuntu"/>
+                        <a:ea typeface="Ubuntu"/>
+                        <a:cs typeface="Ubuntu"/>
+                        <a:sym typeface="Ubuntu"/>
+                      </a:endParaRPr>
+                    </a:p>
+                  </a:txBody>
+                  <a:tcPr marT="63500" marB="63500" marR="63500" marL="63500">
+                    <a:lnL cap="flat" cmpd="sng" w="12700">
+                      <a:solidFill>
+                        <a:schemeClr val="lt1"/>
+                      </a:solidFill>
+                      <a:prstDash val="solid"/>
+                      <a:round/>
+                      <a:headEnd len="sm" w="sm" type="none"/>
+                      <a:tailEnd len="sm" w="sm" type="none"/>
+                    </a:lnL>
+                    <a:lnR cap="flat" cmpd="sng" w="12700">
+                      <a:solidFill>
+                        <a:schemeClr val="lt1"/>
+                      </a:solidFill>
+                      <a:prstDash val="solid"/>
+                      <a:round/>
+                      <a:headEnd len="sm" w="sm" type="none"/>
+                      <a:tailEnd len="sm" w="sm" type="none"/>
+                    </a:lnR>
+                    <a:lnT cap="flat" cmpd="sng" w="12700">
+                      <a:solidFill>
+                        <a:schemeClr val="lt1"/>
+                      </a:solidFill>
+                      <a:prstDash val="solid"/>
+                      <a:round/>
+                      <a:headEnd len="sm" w="sm" type="none"/>
+                      <a:tailEnd len="sm" w="sm" type="none"/>
+                    </a:lnT>
+                    <a:lnB cap="flat" cmpd="sng" w="12700">
+                      <a:solidFill>
+                        <a:schemeClr val="lt1"/>
+                      </a:solidFill>
+                      <a:prstDash val="solid"/>
+                      <a:round/>
+                      <a:headEnd len="sm" w="sm" type="none"/>
+                      <a:tailEnd len="sm" w="sm" type="none"/>
+                    </a:lnB>
+                  </a:tcPr>
+                </a:tc>
+                <a:tc>
+                  <a:txBody>
+                    <a:bodyPr/>
+                    <a:lstStyle/>
+                    <a:p>
+                      <a:pPr indent="-298450" lvl="0" marL="457200" rtl="0" algn="just">
+                        <a:lnSpc>
+                          <a:spcPct val="150000"/>
+                        </a:lnSpc>
+                        <a:spcBef>
+                          <a:spcPts val="0"/>
+                        </a:spcBef>
+                        <a:spcAft>
+                          <a:spcPts val="0"/>
+                        </a:spcAft>
+                        <a:buClr>
+                          <a:schemeClr val="lt1"/>
+                        </a:buClr>
+                        <a:buSzPts val="1100"/>
+                        <a:buFont typeface="Ubuntu"/>
+                        <a:buChar char="●"/>
+                      </a:pPr>
+                      <a:r>
+                        <a:rPr lang="el" sz="1100">
+                          <a:solidFill>
+                            <a:schemeClr val="lt1"/>
+                          </a:solidFill>
+                          <a:latin typeface="Ubuntu"/>
+                          <a:ea typeface="Ubuntu"/>
+                          <a:cs typeface="Ubuntu"/>
+                          <a:sym typeface="Ubuntu"/>
+                        </a:rPr>
+                        <a:t>Κάθε δήμος γνωρίζει τις ανάγκες του και τους πόρους που διαθέτει.</a:t>
+                      </a:r>
+                      <a:endParaRPr sz="1100">
+                        <a:solidFill>
+                          <a:schemeClr val="lt1"/>
+                        </a:solidFill>
+                        <a:latin typeface="Ubuntu"/>
+                        <a:ea typeface="Ubuntu"/>
+                        <a:cs typeface="Ubuntu"/>
+                        <a:sym typeface="Ubuntu"/>
+                      </a:endParaRPr>
+                    </a:p>
+                    <a:p>
+                      <a:pPr indent="-298450" lvl="0" marL="457200" rtl="0" algn="just">
+                        <a:lnSpc>
+                          <a:spcPct val="150000"/>
+                        </a:lnSpc>
+                        <a:spcBef>
+                          <a:spcPts val="0"/>
+                        </a:spcBef>
+                        <a:spcAft>
+                          <a:spcPts val="0"/>
+                        </a:spcAft>
+                        <a:buClr>
+                          <a:schemeClr val="lt1"/>
+                        </a:buClr>
+                        <a:buSzPts val="1100"/>
+                        <a:buFont typeface="Ubuntu"/>
+                        <a:buChar char="●"/>
+                      </a:pPr>
+                      <a:r>
+                        <a:rPr lang="el" sz="1100">
+                          <a:solidFill>
+                            <a:schemeClr val="lt1"/>
+                          </a:solidFill>
+                          <a:latin typeface="Ubuntu"/>
+                          <a:ea typeface="Ubuntu"/>
+                          <a:cs typeface="Ubuntu"/>
+                          <a:sym typeface="Ubuntu"/>
+                        </a:rPr>
+                        <a:t>Υπάρχουν ήδη υποδομές και προσωπικό για αγορές και καταγραφή πόρων.</a:t>
+                      </a:r>
+                      <a:endParaRPr sz="1100">
+                        <a:solidFill>
+                          <a:schemeClr val="lt1"/>
+                        </a:solidFill>
+                        <a:latin typeface="Ubuntu"/>
+                        <a:ea typeface="Ubuntu"/>
+                        <a:cs typeface="Ubuntu"/>
+                        <a:sym typeface="Ubuntu"/>
+                      </a:endParaRPr>
+                    </a:p>
+                  </a:txBody>
+                  <a:tcPr marT="63500" marB="63500" marR="63500" marL="63500">
+                    <a:lnL cap="flat" cmpd="sng" w="12700">
+                      <a:solidFill>
+                        <a:schemeClr val="lt1"/>
+                      </a:solidFill>
+                      <a:prstDash val="solid"/>
+                      <a:round/>
+                      <a:headEnd len="sm" w="sm" type="none"/>
+                      <a:tailEnd len="sm" w="sm" type="none"/>
+                    </a:lnL>
+                    <a:lnR cap="flat" cmpd="sng" w="12700">
+                      <a:solidFill>
+                        <a:schemeClr val="lt1"/>
+                      </a:solidFill>
+                      <a:prstDash val="solid"/>
+                      <a:round/>
+                      <a:headEnd len="sm" w="sm" type="none"/>
+                      <a:tailEnd len="sm" w="sm" type="none"/>
+                    </a:lnR>
+                    <a:lnT cap="flat" cmpd="sng" w="12700">
+                      <a:solidFill>
+                        <a:schemeClr val="lt1"/>
+                      </a:solidFill>
+                      <a:prstDash val="solid"/>
+                      <a:round/>
+                      <a:headEnd len="sm" w="sm" type="none"/>
+                      <a:tailEnd len="sm" w="sm" type="none"/>
+                    </a:lnT>
+                    <a:lnB cap="flat" cmpd="sng" w="12700">
+                      <a:solidFill>
+                        <a:schemeClr val="lt1"/>
+                      </a:solidFill>
+                      <a:prstDash val="solid"/>
+                      <a:round/>
+                      <a:headEnd len="sm" w="sm" type="none"/>
+                      <a:tailEnd len="sm" w="sm" type="none"/>
+                    </a:lnB>
+                  </a:tcPr>
+                </a:tc>
+              </a:tr>
+              <a:tr h="784550">
+                <a:tc>
+                  <a:txBody>
+                    <a:bodyPr/>
+                    <a:lstStyle/>
+                    <a:p>
+                      <a:pPr indent="0" lvl="0" marL="0" rtl="0" algn="just">
+                        <a:lnSpc>
+                          <a:spcPct val="150000"/>
+                        </a:lnSpc>
+                        <a:spcBef>
+                          <a:spcPts val="0"/>
+                        </a:spcBef>
+                        <a:spcAft>
+                          <a:spcPts val="0"/>
+                        </a:spcAft>
+                        <a:buNone/>
+                      </a:pPr>
+                      <a:r>
+                        <a:rPr lang="el" sz="1100">
+                          <a:solidFill>
+                            <a:schemeClr val="lt1"/>
+                          </a:solidFill>
+                          <a:latin typeface="Ubuntu"/>
+                          <a:ea typeface="Ubuntu"/>
+                          <a:cs typeface="Ubuntu"/>
+                          <a:sym typeface="Ubuntu"/>
+                        </a:rPr>
+                        <a:t>Weaknesses (Αδυναμίες)</a:t>
+                      </a:r>
+                      <a:endParaRPr sz="1100">
+                        <a:solidFill>
+                          <a:schemeClr val="lt1"/>
+                        </a:solidFill>
+                        <a:latin typeface="Ubuntu"/>
+                        <a:ea typeface="Ubuntu"/>
+                        <a:cs typeface="Ubuntu"/>
+                        <a:sym typeface="Ubuntu"/>
+                      </a:endParaRPr>
+                    </a:p>
+                  </a:txBody>
+                  <a:tcPr marT="63500" marB="63500" marR="63500" marL="63500">
+                    <a:lnL cap="flat" cmpd="sng" w="12700">
+                      <a:solidFill>
+                        <a:schemeClr val="lt1"/>
+                      </a:solidFill>
+                      <a:prstDash val="solid"/>
+                      <a:round/>
+                      <a:headEnd len="sm" w="sm" type="none"/>
+                      <a:tailEnd len="sm" w="sm" type="none"/>
+                    </a:lnL>
+                    <a:lnR cap="flat" cmpd="sng" w="12700">
+                      <a:solidFill>
+                        <a:schemeClr val="lt1"/>
+                      </a:solidFill>
+                      <a:prstDash val="solid"/>
+                      <a:round/>
+                      <a:headEnd len="sm" w="sm" type="none"/>
+                      <a:tailEnd len="sm" w="sm" type="none"/>
+                    </a:lnR>
+                    <a:lnT cap="flat" cmpd="sng" w="12700">
+                      <a:solidFill>
+                        <a:schemeClr val="lt1"/>
+                      </a:solidFill>
+                      <a:prstDash val="solid"/>
+                      <a:round/>
+                      <a:headEnd len="sm" w="sm" type="none"/>
+                      <a:tailEnd len="sm" w="sm" type="none"/>
+                    </a:lnT>
+                    <a:lnB cap="flat" cmpd="sng" w="12700">
+                      <a:solidFill>
+                        <a:schemeClr val="lt1"/>
+                      </a:solidFill>
+                      <a:prstDash val="solid"/>
+                      <a:round/>
+                      <a:headEnd len="sm" w="sm" type="none"/>
+                      <a:tailEnd len="sm" w="sm" type="none"/>
+                    </a:lnB>
+                  </a:tcPr>
+                </a:tc>
+                <a:tc>
+                  <a:txBody>
+                    <a:bodyPr/>
+                    <a:lstStyle/>
+                    <a:p>
+                      <a:pPr indent="-298450" lvl="0" marL="457200" rtl="0" algn="just">
+                        <a:lnSpc>
+                          <a:spcPct val="150000"/>
+                        </a:lnSpc>
+                        <a:spcBef>
+                          <a:spcPts val="0"/>
+                        </a:spcBef>
+                        <a:spcAft>
+                          <a:spcPts val="0"/>
+                        </a:spcAft>
+                        <a:buClr>
+                          <a:schemeClr val="lt1"/>
+                        </a:buClr>
+                        <a:buSzPts val="1100"/>
+                        <a:buFont typeface="Ubuntu"/>
+                        <a:buChar char="●"/>
+                      </a:pPr>
+                      <a:r>
+                        <a:rPr lang="el" sz="1100">
+                          <a:solidFill>
+                            <a:schemeClr val="lt1"/>
+                          </a:solidFill>
+                          <a:latin typeface="Ubuntu"/>
+                          <a:ea typeface="Ubuntu"/>
+                          <a:cs typeface="Ubuntu"/>
+                          <a:sym typeface="Ubuntu"/>
+                        </a:rPr>
+                        <a:t>Απουσία κεντρικής βάσης δεδομένων.</a:t>
+                      </a:r>
+                      <a:endParaRPr sz="1100">
+                        <a:solidFill>
+                          <a:schemeClr val="lt1"/>
+                        </a:solidFill>
+                        <a:latin typeface="Ubuntu"/>
+                        <a:ea typeface="Ubuntu"/>
+                        <a:cs typeface="Ubuntu"/>
+                        <a:sym typeface="Ubuntu"/>
+                      </a:endParaRPr>
+                    </a:p>
+                    <a:p>
+                      <a:pPr indent="-298450" lvl="0" marL="457200" rtl="0" algn="just">
+                        <a:lnSpc>
+                          <a:spcPct val="150000"/>
+                        </a:lnSpc>
+                        <a:spcBef>
+                          <a:spcPts val="0"/>
+                        </a:spcBef>
+                        <a:spcAft>
+                          <a:spcPts val="0"/>
+                        </a:spcAft>
+                        <a:buClr>
+                          <a:schemeClr val="lt1"/>
+                        </a:buClr>
+                        <a:buSzPts val="1100"/>
+                        <a:buFont typeface="Ubuntu"/>
+                        <a:buChar char="●"/>
+                      </a:pPr>
+                      <a:r>
+                        <a:rPr lang="el" sz="1100">
+                          <a:solidFill>
+                            <a:schemeClr val="lt1"/>
+                          </a:solidFill>
+                          <a:latin typeface="Ubuntu"/>
+                          <a:ea typeface="Ubuntu"/>
+                          <a:cs typeface="Ubuntu"/>
+                          <a:sym typeface="Ubuntu"/>
+                        </a:rPr>
+                        <a:t>Περιορισμένη διαφάνεια στα έξοδα.</a:t>
+                      </a:r>
+                      <a:endParaRPr sz="1100">
+                        <a:solidFill>
+                          <a:schemeClr val="lt1"/>
+                        </a:solidFill>
+                        <a:latin typeface="Ubuntu"/>
+                        <a:ea typeface="Ubuntu"/>
+                        <a:cs typeface="Ubuntu"/>
+                        <a:sym typeface="Ubuntu"/>
+                      </a:endParaRPr>
+                    </a:p>
+                    <a:p>
+                      <a:pPr indent="-298450" lvl="0" marL="457200" rtl="0" algn="just">
+                        <a:lnSpc>
+                          <a:spcPct val="150000"/>
+                        </a:lnSpc>
+                        <a:spcBef>
+                          <a:spcPts val="0"/>
+                        </a:spcBef>
+                        <a:spcAft>
+                          <a:spcPts val="0"/>
+                        </a:spcAft>
+                        <a:buClr>
+                          <a:schemeClr val="lt1"/>
+                        </a:buClr>
+                        <a:buSzPts val="1100"/>
+                        <a:buFont typeface="Ubuntu"/>
+                        <a:buChar char="●"/>
+                      </a:pPr>
+                      <a:r>
+                        <a:rPr lang="el" sz="1100">
+                          <a:solidFill>
+                            <a:schemeClr val="lt1"/>
+                          </a:solidFill>
+                          <a:latin typeface="Ubuntu"/>
+                          <a:ea typeface="Ubuntu"/>
+                          <a:cs typeface="Ubuntu"/>
+                          <a:sym typeface="Ubuntu"/>
+                        </a:rPr>
+                        <a:t>…</a:t>
+                      </a:r>
+                      <a:endParaRPr sz="1100">
+                        <a:solidFill>
+                          <a:schemeClr val="lt1"/>
+                        </a:solidFill>
+                        <a:latin typeface="Ubuntu"/>
+                        <a:ea typeface="Ubuntu"/>
+                        <a:cs typeface="Ubuntu"/>
+                        <a:sym typeface="Ubuntu"/>
+                      </a:endParaRPr>
+                    </a:p>
+                  </a:txBody>
+                  <a:tcPr marT="63500" marB="63500" marR="63500" marL="63500">
+                    <a:lnL cap="flat" cmpd="sng" w="12700">
+                      <a:solidFill>
+                        <a:schemeClr val="lt1"/>
+                      </a:solidFill>
+                      <a:prstDash val="solid"/>
+                      <a:round/>
+                      <a:headEnd len="sm" w="sm" type="none"/>
+                      <a:tailEnd len="sm" w="sm" type="none"/>
+                    </a:lnL>
+                    <a:lnR cap="flat" cmpd="sng" w="12700">
+                      <a:solidFill>
+                        <a:schemeClr val="lt1"/>
+                      </a:solidFill>
+                      <a:prstDash val="solid"/>
+                      <a:round/>
+                      <a:headEnd len="sm" w="sm" type="none"/>
+                      <a:tailEnd len="sm" w="sm" type="none"/>
+                    </a:lnR>
+                    <a:lnT cap="flat" cmpd="sng" w="12700">
+                      <a:solidFill>
+                        <a:schemeClr val="lt1"/>
+                      </a:solidFill>
+                      <a:prstDash val="solid"/>
+                      <a:round/>
+                      <a:headEnd len="sm" w="sm" type="none"/>
+                      <a:tailEnd len="sm" w="sm" type="none"/>
+                    </a:lnT>
+                    <a:lnB cap="flat" cmpd="sng" w="12700">
+                      <a:solidFill>
+                        <a:schemeClr val="lt1"/>
+                      </a:solidFill>
+                      <a:prstDash val="solid"/>
+                      <a:round/>
+                      <a:headEnd len="sm" w="sm" type="none"/>
+                      <a:tailEnd len="sm" w="sm" type="none"/>
+                    </a:lnB>
+                  </a:tcPr>
+                </a:tc>
+              </a:tr>
+              <a:tr h="1035250">
+                <a:tc>
+                  <a:txBody>
+                    <a:bodyPr/>
+                    <a:lstStyle/>
+                    <a:p>
+                      <a:pPr indent="0" lvl="0" marL="0" rtl="0" algn="just">
+                        <a:lnSpc>
+                          <a:spcPct val="150000"/>
+                        </a:lnSpc>
+                        <a:spcBef>
+                          <a:spcPts val="0"/>
+                        </a:spcBef>
+                        <a:spcAft>
+                          <a:spcPts val="0"/>
+                        </a:spcAft>
+                        <a:buNone/>
+                      </a:pPr>
+                      <a:r>
+                        <a:rPr lang="el" sz="1100">
+                          <a:solidFill>
+                            <a:schemeClr val="lt1"/>
+                          </a:solidFill>
+                          <a:latin typeface="Ubuntu"/>
+                          <a:ea typeface="Ubuntu"/>
+                          <a:cs typeface="Ubuntu"/>
+                          <a:sym typeface="Ubuntu"/>
+                        </a:rPr>
+                        <a:t>Opportunities (Ευκαιρίες)</a:t>
+                      </a:r>
+                      <a:endParaRPr sz="1100">
+                        <a:solidFill>
+                          <a:schemeClr val="lt1"/>
+                        </a:solidFill>
+                        <a:latin typeface="Ubuntu"/>
+                        <a:ea typeface="Ubuntu"/>
+                        <a:cs typeface="Ubuntu"/>
+                        <a:sym typeface="Ubuntu"/>
+                      </a:endParaRPr>
+                    </a:p>
+                  </a:txBody>
+                  <a:tcPr marT="63500" marB="63500" marR="63500" marL="63500">
+                    <a:lnL cap="flat" cmpd="sng" w="12700">
+                      <a:solidFill>
+                        <a:schemeClr val="lt1"/>
+                      </a:solidFill>
+                      <a:prstDash val="solid"/>
+                      <a:round/>
+                      <a:headEnd len="sm" w="sm" type="none"/>
+                      <a:tailEnd len="sm" w="sm" type="none"/>
+                    </a:lnL>
+                    <a:lnR cap="flat" cmpd="sng" w="12700">
+                      <a:solidFill>
+                        <a:schemeClr val="lt1"/>
+                      </a:solidFill>
+                      <a:prstDash val="solid"/>
+                      <a:round/>
+                      <a:headEnd len="sm" w="sm" type="none"/>
+                      <a:tailEnd len="sm" w="sm" type="none"/>
+                    </a:lnR>
+                    <a:lnT cap="flat" cmpd="sng" w="12700">
+                      <a:solidFill>
+                        <a:schemeClr val="lt1"/>
+                      </a:solidFill>
+                      <a:prstDash val="solid"/>
+                      <a:round/>
+                      <a:headEnd len="sm" w="sm" type="none"/>
+                      <a:tailEnd len="sm" w="sm" type="none"/>
+                    </a:lnT>
+                    <a:lnB cap="flat" cmpd="sng" w="12700">
+                      <a:solidFill>
+                        <a:schemeClr val="lt1"/>
+                      </a:solidFill>
+                      <a:prstDash val="solid"/>
+                      <a:round/>
+                      <a:headEnd len="sm" w="sm" type="none"/>
+                      <a:tailEnd len="sm" w="sm" type="none"/>
+                    </a:lnB>
+                  </a:tcPr>
+                </a:tc>
+                <a:tc>
+                  <a:txBody>
+                    <a:bodyPr/>
+                    <a:lstStyle/>
+                    <a:p>
+                      <a:pPr indent="-298450" lvl="0" marL="457200" rtl="0" algn="just">
+                        <a:lnSpc>
+                          <a:spcPct val="150000"/>
+                        </a:lnSpc>
+                        <a:spcBef>
+                          <a:spcPts val="0"/>
+                        </a:spcBef>
+                        <a:spcAft>
+                          <a:spcPts val="0"/>
+                        </a:spcAft>
+                        <a:buClr>
+                          <a:schemeClr val="lt1"/>
+                        </a:buClr>
+                        <a:buSzPts val="1100"/>
+                        <a:buFont typeface="Ubuntu"/>
+                        <a:buChar char="●"/>
+                      </a:pPr>
+                      <a:r>
+                        <a:rPr lang="el" sz="1100">
+                          <a:solidFill>
+                            <a:schemeClr val="lt1"/>
+                          </a:solidFill>
+                          <a:latin typeface="Ubuntu"/>
+                          <a:ea typeface="Ubuntu"/>
+                          <a:cs typeface="Ubuntu"/>
+                          <a:sym typeface="Ubuntu"/>
+                        </a:rPr>
+                        <a:t>Δημιουργία ενιαίου συστήματος διαχείρισης πόρων (RMS).</a:t>
+                      </a:r>
+                      <a:endParaRPr sz="1100">
+                        <a:solidFill>
+                          <a:schemeClr val="lt1"/>
+                        </a:solidFill>
+                        <a:latin typeface="Ubuntu"/>
+                        <a:ea typeface="Ubuntu"/>
+                        <a:cs typeface="Ubuntu"/>
+                        <a:sym typeface="Ubuntu"/>
+                      </a:endParaRPr>
+                    </a:p>
+                    <a:p>
+                      <a:pPr indent="-298450" lvl="0" marL="457200" rtl="0" algn="just">
+                        <a:lnSpc>
+                          <a:spcPct val="150000"/>
+                        </a:lnSpc>
+                        <a:spcBef>
+                          <a:spcPts val="0"/>
+                        </a:spcBef>
+                        <a:spcAft>
+                          <a:spcPts val="0"/>
+                        </a:spcAft>
+                        <a:buClr>
+                          <a:schemeClr val="lt1"/>
+                        </a:buClr>
+                        <a:buSzPts val="1100"/>
+                        <a:buFont typeface="Ubuntu"/>
+                        <a:buChar char="●"/>
+                      </a:pPr>
+                      <a:r>
+                        <a:rPr lang="el" sz="1100">
+                          <a:solidFill>
+                            <a:schemeClr val="lt1"/>
+                          </a:solidFill>
+                          <a:latin typeface="Ubuntu"/>
+                          <a:ea typeface="Ubuntu"/>
+                          <a:cs typeface="Ubuntu"/>
+                          <a:sym typeface="Ubuntu"/>
+                        </a:rPr>
+                        <a:t>Μείωση κόστους μέσω συνεργασίας</a:t>
+                      </a:r>
+                      <a:endParaRPr sz="1100">
+                        <a:solidFill>
+                          <a:schemeClr val="lt1"/>
+                        </a:solidFill>
+                        <a:latin typeface="Ubuntu"/>
+                        <a:ea typeface="Ubuntu"/>
+                        <a:cs typeface="Ubuntu"/>
+                        <a:sym typeface="Ubuntu"/>
+                      </a:endParaRPr>
+                    </a:p>
+                    <a:p>
+                      <a:pPr indent="-298450" lvl="0" marL="457200" rtl="0" algn="just">
+                        <a:lnSpc>
+                          <a:spcPct val="150000"/>
+                        </a:lnSpc>
+                        <a:spcBef>
+                          <a:spcPts val="0"/>
+                        </a:spcBef>
+                        <a:spcAft>
+                          <a:spcPts val="0"/>
+                        </a:spcAft>
+                        <a:buClr>
+                          <a:schemeClr val="lt1"/>
+                        </a:buClr>
+                        <a:buSzPts val="1100"/>
+                        <a:buFont typeface="Ubuntu"/>
+                        <a:buChar char="●"/>
+                      </a:pPr>
+                      <a:r>
+                        <a:rPr lang="el" sz="1100">
+                          <a:solidFill>
+                            <a:schemeClr val="lt1"/>
+                          </a:solidFill>
+                          <a:latin typeface="Ubuntu"/>
+                          <a:ea typeface="Ubuntu"/>
+                          <a:cs typeface="Ubuntu"/>
+                          <a:sym typeface="Ubuntu"/>
+                        </a:rPr>
+                        <a:t>Βελτίωση διαφάνειας και συνεργασίας.</a:t>
+                      </a:r>
+                      <a:endParaRPr sz="1100">
+                        <a:solidFill>
+                          <a:schemeClr val="lt1"/>
+                        </a:solidFill>
+                        <a:latin typeface="Ubuntu"/>
+                        <a:ea typeface="Ubuntu"/>
+                        <a:cs typeface="Ubuntu"/>
+                        <a:sym typeface="Ubuntu"/>
+                      </a:endParaRPr>
+                    </a:p>
+                  </a:txBody>
+                  <a:tcPr marT="63500" marB="63500" marR="63500" marL="63500">
+                    <a:lnL cap="flat" cmpd="sng" w="12700">
+                      <a:solidFill>
+                        <a:schemeClr val="lt1"/>
+                      </a:solidFill>
+                      <a:prstDash val="solid"/>
+                      <a:round/>
+                      <a:headEnd len="sm" w="sm" type="none"/>
+                      <a:tailEnd len="sm" w="sm" type="none"/>
+                    </a:lnL>
+                    <a:lnR cap="flat" cmpd="sng" w="12700">
+                      <a:solidFill>
+                        <a:schemeClr val="lt1"/>
+                      </a:solidFill>
+                      <a:prstDash val="solid"/>
+                      <a:round/>
+                      <a:headEnd len="sm" w="sm" type="none"/>
+                      <a:tailEnd len="sm" w="sm" type="none"/>
+                    </a:lnR>
+                    <a:lnT cap="flat" cmpd="sng" w="12700">
+                      <a:solidFill>
+                        <a:schemeClr val="lt1"/>
+                      </a:solidFill>
+                      <a:prstDash val="solid"/>
+                      <a:round/>
+                      <a:headEnd len="sm" w="sm" type="none"/>
+                      <a:tailEnd len="sm" w="sm" type="none"/>
+                    </a:lnT>
+                    <a:lnB cap="flat" cmpd="sng" w="12700">
+                      <a:solidFill>
+                        <a:schemeClr val="lt1"/>
+                      </a:solidFill>
+                      <a:prstDash val="solid"/>
+                      <a:round/>
+                      <a:headEnd len="sm" w="sm" type="none"/>
+                      <a:tailEnd len="sm" w="sm" type="none"/>
+                    </a:lnB>
+                  </a:tcPr>
+                </a:tc>
+              </a:tr>
+              <a:tr h="673000">
+                <a:tc>
+                  <a:txBody>
+                    <a:bodyPr/>
+                    <a:lstStyle/>
+                    <a:p>
+                      <a:pPr indent="0" lvl="0" marL="0" rtl="0" algn="just">
+                        <a:lnSpc>
+                          <a:spcPct val="150000"/>
+                        </a:lnSpc>
+                        <a:spcBef>
+                          <a:spcPts val="0"/>
+                        </a:spcBef>
+                        <a:spcAft>
+                          <a:spcPts val="0"/>
+                        </a:spcAft>
+                        <a:buNone/>
+                      </a:pPr>
+                      <a:r>
+                        <a:rPr lang="el" sz="1100">
+                          <a:solidFill>
+                            <a:schemeClr val="lt1"/>
+                          </a:solidFill>
+                          <a:latin typeface="Ubuntu"/>
+                          <a:ea typeface="Ubuntu"/>
+                          <a:cs typeface="Ubuntu"/>
+                          <a:sym typeface="Ubuntu"/>
+                        </a:rPr>
+                        <a:t>Threats (Απειλές)</a:t>
+                      </a:r>
+                      <a:endParaRPr sz="1100">
+                        <a:solidFill>
+                          <a:schemeClr val="lt1"/>
+                        </a:solidFill>
+                        <a:latin typeface="Ubuntu"/>
+                        <a:ea typeface="Ubuntu"/>
+                        <a:cs typeface="Ubuntu"/>
+                        <a:sym typeface="Ubuntu"/>
+                      </a:endParaRPr>
+                    </a:p>
+                  </a:txBody>
+                  <a:tcPr marT="63500" marB="63500" marR="63500" marL="63500">
+                    <a:lnL cap="flat" cmpd="sng" w="12700">
+                      <a:solidFill>
+                        <a:schemeClr val="lt1"/>
+                      </a:solidFill>
+                      <a:prstDash val="solid"/>
+                      <a:round/>
+                      <a:headEnd len="sm" w="sm" type="none"/>
+                      <a:tailEnd len="sm" w="sm" type="none"/>
+                    </a:lnL>
+                    <a:lnR cap="flat" cmpd="sng" w="12700">
+                      <a:solidFill>
+                        <a:schemeClr val="lt1"/>
+                      </a:solidFill>
+                      <a:prstDash val="solid"/>
+                      <a:round/>
+                      <a:headEnd len="sm" w="sm" type="none"/>
+                      <a:tailEnd len="sm" w="sm" type="none"/>
+                    </a:lnR>
+                    <a:lnT cap="flat" cmpd="sng" w="12700">
+                      <a:solidFill>
+                        <a:schemeClr val="lt1"/>
+                      </a:solidFill>
+                      <a:prstDash val="solid"/>
+                      <a:round/>
+                      <a:headEnd len="sm" w="sm" type="none"/>
+                      <a:tailEnd len="sm" w="sm" type="none"/>
+                    </a:lnT>
+                    <a:lnB cap="flat" cmpd="sng" w="12700">
+                      <a:solidFill>
+                        <a:schemeClr val="lt1"/>
+                      </a:solidFill>
+                      <a:prstDash val="solid"/>
+                      <a:round/>
+                      <a:headEnd len="sm" w="sm" type="none"/>
+                      <a:tailEnd len="sm" w="sm" type="none"/>
+                    </a:lnB>
+                  </a:tcPr>
+                </a:tc>
+                <a:tc>
+                  <a:txBody>
+                    <a:bodyPr/>
+                    <a:lstStyle/>
+                    <a:p>
+                      <a:pPr indent="-298450" lvl="0" marL="457200" rtl="0" algn="just">
+                        <a:lnSpc>
+                          <a:spcPct val="150000"/>
+                        </a:lnSpc>
+                        <a:spcBef>
+                          <a:spcPts val="0"/>
+                        </a:spcBef>
+                        <a:spcAft>
+                          <a:spcPts val="0"/>
+                        </a:spcAft>
+                        <a:buClr>
+                          <a:schemeClr val="lt1"/>
+                        </a:buClr>
+                        <a:buSzPts val="1100"/>
+                        <a:buFont typeface="Ubuntu"/>
+                        <a:buChar char="●"/>
+                      </a:pPr>
+                      <a:r>
+                        <a:rPr lang="el" sz="1100">
+                          <a:solidFill>
+                            <a:schemeClr val="lt1"/>
+                          </a:solidFill>
+                          <a:latin typeface="Ubuntu"/>
+                          <a:ea typeface="Ubuntu"/>
+                          <a:cs typeface="Ubuntu"/>
+                          <a:sym typeface="Ubuntu"/>
+                        </a:rPr>
+                        <a:t>Αντίσταση στην αλλαγή από δήμους.</a:t>
+                      </a:r>
+                      <a:endParaRPr sz="1100">
+                        <a:solidFill>
+                          <a:schemeClr val="lt1"/>
+                        </a:solidFill>
+                        <a:latin typeface="Ubuntu"/>
+                        <a:ea typeface="Ubuntu"/>
+                        <a:cs typeface="Ubuntu"/>
+                        <a:sym typeface="Ubuntu"/>
+                      </a:endParaRPr>
+                    </a:p>
+                    <a:p>
+                      <a:pPr indent="-298450" lvl="0" marL="457200" rtl="0" algn="just">
+                        <a:lnSpc>
+                          <a:spcPct val="150000"/>
+                        </a:lnSpc>
+                        <a:spcBef>
+                          <a:spcPts val="0"/>
+                        </a:spcBef>
+                        <a:spcAft>
+                          <a:spcPts val="0"/>
+                        </a:spcAft>
+                        <a:buClr>
+                          <a:schemeClr val="lt1"/>
+                        </a:buClr>
+                        <a:buSzPts val="1100"/>
+                        <a:buFont typeface="Ubuntu"/>
+                        <a:buChar char="●"/>
+                      </a:pPr>
+                      <a:r>
+                        <a:rPr lang="el" sz="1100">
+                          <a:solidFill>
+                            <a:schemeClr val="lt1"/>
+                          </a:solidFill>
+                          <a:latin typeface="Ubuntu"/>
+                          <a:ea typeface="Ubuntu"/>
+                          <a:cs typeface="Ubuntu"/>
+                          <a:sym typeface="Ubuntu"/>
+                        </a:rPr>
+                        <a:t>Κόστος υλοποίησης και συντήρησης νέου συστήματος.</a:t>
+                      </a:r>
+                      <a:endParaRPr sz="1100">
+                        <a:solidFill>
+                          <a:schemeClr val="lt1"/>
+                        </a:solidFill>
+                        <a:latin typeface="Ubuntu"/>
+                        <a:ea typeface="Ubuntu"/>
+                        <a:cs typeface="Ubuntu"/>
+                        <a:sym typeface="Ubuntu"/>
+                      </a:endParaRPr>
+                    </a:p>
+                    <a:p>
+                      <a:pPr indent="-298450" lvl="0" marL="457200" rtl="0" algn="just">
+                        <a:lnSpc>
+                          <a:spcPct val="150000"/>
+                        </a:lnSpc>
+                        <a:spcBef>
+                          <a:spcPts val="0"/>
+                        </a:spcBef>
+                        <a:spcAft>
+                          <a:spcPts val="0"/>
+                        </a:spcAft>
+                        <a:buClr>
+                          <a:schemeClr val="lt1"/>
+                        </a:buClr>
+                        <a:buSzPts val="1100"/>
+                        <a:buFont typeface="Ubuntu"/>
+                        <a:buChar char="●"/>
+                      </a:pPr>
+                      <a:r>
+                        <a:rPr lang="el" sz="1100">
+                          <a:solidFill>
+                            <a:schemeClr val="lt1"/>
+                          </a:solidFill>
+                          <a:latin typeface="Ubuntu"/>
+                          <a:ea typeface="Ubuntu"/>
+                          <a:cs typeface="Ubuntu"/>
+                          <a:sym typeface="Ubuntu"/>
+                        </a:rPr>
+                        <a:t>Τεχνικές προκλήσεις.</a:t>
+                      </a:r>
+                      <a:endParaRPr sz="1100">
+                        <a:solidFill>
+                          <a:schemeClr val="lt1"/>
+                        </a:solidFill>
+                        <a:latin typeface="Ubuntu"/>
+                        <a:ea typeface="Ubuntu"/>
+                        <a:cs typeface="Ubuntu"/>
+                        <a:sym typeface="Ubuntu"/>
+                      </a:endParaRPr>
+                    </a:p>
+                  </a:txBody>
+                  <a:tcPr marT="63500" marB="63500" marR="63500" marL="63500">
+                    <a:lnL cap="flat" cmpd="sng" w="12700">
+                      <a:solidFill>
+                        <a:schemeClr val="lt1"/>
+                      </a:solidFill>
+                      <a:prstDash val="solid"/>
+                      <a:round/>
+                      <a:headEnd len="sm" w="sm" type="none"/>
+                      <a:tailEnd len="sm" w="sm" type="none"/>
+                    </a:lnL>
+                    <a:lnR cap="flat" cmpd="sng" w="12700">
+                      <a:solidFill>
+                        <a:schemeClr val="lt1"/>
+                      </a:solidFill>
+                      <a:prstDash val="solid"/>
+                      <a:round/>
+                      <a:headEnd len="sm" w="sm" type="none"/>
+                      <a:tailEnd len="sm" w="sm" type="none"/>
+                    </a:lnR>
+                    <a:lnT cap="flat" cmpd="sng" w="12700">
+                      <a:solidFill>
+                        <a:schemeClr val="lt1"/>
+                      </a:solidFill>
+                      <a:prstDash val="solid"/>
+                      <a:round/>
+                      <a:headEnd len="sm" w="sm" type="none"/>
+                      <a:tailEnd len="sm" w="sm" type="none"/>
+                    </a:lnT>
+                    <a:lnB cap="flat" cmpd="sng" w="12700">
+                      <a:solidFill>
+                        <a:schemeClr val="lt1"/>
+                      </a:solidFill>
+                      <a:prstDash val="solid"/>
+                      <a:round/>
+                      <a:headEnd len="sm" w="sm" type="none"/>
+                      <a:tailEnd len="sm" w="sm" type="none"/>
+                    </a:lnB>
+                  </a:tcPr>
+                </a:tc>
+              </a:tr>
+            </a:tbl>
+          </a:graphicData>
+        </a:graphic>
+      </p:graphicFrame>
     </p:spTree>
   </p:cSld>
   <p:clrMapOvr>
@@ -11119,7 +13708,7 @@
   <p:cSld>
     <p:spTree>
       <p:nvGrpSpPr>
-        <p:cNvPr id="175" name="Shape 175"/>
+        <p:cNvPr id="178" name="Shape 178"/>
         <p:cNvGrpSpPr/>
         <p:nvPr/>
       </p:nvGrpSpPr>
@@ -11133,7 +13722,7 @@
       </p:grpSpPr>
       <p:sp>
         <p:nvSpPr>
-          <p:cNvPr id="176" name="Google Shape;176;p20"/>
+          <p:cNvPr id="179" name="Google Shape;179;p20"/>
           <p:cNvSpPr txBox="1"/>
           <p:nvPr>
             <p:ph type="ctrTitle"/>
@@ -11142,7 +13731,7 @@
         <p:spPr>
           <a:xfrm>
             <a:off x="2894200" y="56800"/>
-            <a:ext cx="5784300" cy="2073000"/>
+            <a:ext cx="5784300" cy="514800"/>
           </a:xfrm>
           <a:prstGeom prst="rect">
             <a:avLst/>
@@ -11154,7 +13743,7 @@
           </a:bodyPr>
           <a:lstStyle/>
           <a:p>
-            <a:pPr indent="0" lvl="0" marL="0" rtl="0" algn="ctr">
+            <a:pPr indent="0" lvl="0" marL="0" rtl="0" algn="l">
               <a:lnSpc>
                 <a:spcPct val="150000"/>
               </a:lnSpc>
@@ -11174,7 +13763,7 @@
                 <a:cs typeface="Ubuntu"/>
                 <a:sym typeface="Ubuntu"/>
               </a:rPr>
-              <a:t>SMART &amp; KPIs</a:t>
+              <a:t>Σχεδίαση στόχου  (“to‑be”)  </a:t>
             </a:r>
             <a:endParaRPr sz="2400">
               <a:latin typeface="Ubuntu"/>
@@ -11187,7 +13776,7 @@
       </p:sp>
       <p:sp>
         <p:nvSpPr>
-          <p:cNvPr id="177" name="Google Shape;177;p20"/>
+          <p:cNvPr id="180" name="Google Shape;180;p20"/>
           <p:cNvSpPr txBox="1"/>
           <p:nvPr>
             <p:ph idx="1" type="subTitle"/>
@@ -11195,8 +13784,8 @@
         </p:nvSpPr>
         <p:spPr>
           <a:xfrm>
-            <a:off x="4962050" y="2945150"/>
-            <a:ext cx="3439200" cy="1973100"/>
+            <a:off x="2977800" y="985675"/>
+            <a:ext cx="6166200" cy="4346700"/>
           </a:xfrm>
           <a:prstGeom prst="rect">
             <a:avLst/>
@@ -11208,9 +13797,9 @@
           </a:bodyPr>
           <a:lstStyle/>
           <a:p>
-            <a:pPr indent="0" lvl="0" marL="457200" rtl="0" algn="l">
+            <a:pPr indent="0" lvl="0" marL="0" rtl="0" algn="just">
               <a:lnSpc>
-                <a:spcPct val="130000"/>
+                <a:spcPct val="150000"/>
               </a:lnSpc>
               <a:spcBef>
                 <a:spcPts val="0"/>
@@ -11221,15 +13810,364 @@
               <a:buNone/>
             </a:pPr>
             <a:r>
-              <a:rPr lang="el" sz="1310">
+              <a:rPr lang="el" sz="1100">
                 <a:latin typeface="Ubuntu"/>
                 <a:ea typeface="Ubuntu"/>
                 <a:cs typeface="Ubuntu"/>
                 <a:sym typeface="Ubuntu"/>
               </a:rPr>
-              <a:t>….</a:t>
+              <a:t>Βασικές αλλαγές στο σύστημα</a:t>
             </a:r>
-            <a:endParaRPr sz="1310">
+            <a:endParaRPr sz="1100">
+              <a:latin typeface="Ubuntu"/>
+              <a:ea typeface="Ubuntu"/>
+              <a:cs typeface="Ubuntu"/>
+              <a:sym typeface="Ubuntu"/>
+            </a:endParaRPr>
+          </a:p>
+          <a:p>
+            <a:pPr indent="-298450" lvl="0" marL="457200" rtl="0" algn="just">
+              <a:lnSpc>
+                <a:spcPct val="150000"/>
+              </a:lnSpc>
+              <a:spcBef>
+                <a:spcPts val="0"/>
+              </a:spcBef>
+              <a:spcAft>
+                <a:spcPts val="0"/>
+              </a:spcAft>
+              <a:buSzPts val="1100"/>
+              <a:buFont typeface="Ubuntu"/>
+              <a:buChar char="●"/>
+            </a:pPr>
+            <a:r>
+              <a:rPr lang="el" sz="1100">
+                <a:latin typeface="Ubuntu"/>
+                <a:ea typeface="Ubuntu"/>
+                <a:cs typeface="Ubuntu"/>
+                <a:sym typeface="Ubuntu"/>
+              </a:rPr>
+              <a:t>Δημιουργία ενιαίας βάσης δεδομένων πόρων για όλους τους δήμους.</a:t>
+            </a:r>
+            <a:endParaRPr sz="1100">
+              <a:latin typeface="Ubuntu"/>
+              <a:ea typeface="Ubuntu"/>
+              <a:cs typeface="Ubuntu"/>
+              <a:sym typeface="Ubuntu"/>
+            </a:endParaRPr>
+          </a:p>
+          <a:p>
+            <a:pPr indent="-298450" lvl="0" marL="457200" rtl="0" algn="just">
+              <a:lnSpc>
+                <a:spcPct val="150000"/>
+              </a:lnSpc>
+              <a:spcBef>
+                <a:spcPts val="0"/>
+              </a:spcBef>
+              <a:spcAft>
+                <a:spcPts val="0"/>
+              </a:spcAft>
+              <a:buSzPts val="1100"/>
+              <a:buFont typeface="Ubuntu"/>
+              <a:buChar char="●"/>
+            </a:pPr>
+            <a:r>
+              <a:rPr lang="el" sz="1100">
+                <a:latin typeface="Ubuntu"/>
+                <a:ea typeface="Ubuntu"/>
+                <a:cs typeface="Ubuntu"/>
+                <a:sym typeface="Ubuntu"/>
+              </a:rPr>
+              <a:t>Οι δήμοι μπορούν να βλέπουν διαθέσιμους πόρους και να υποβάλλουν αιτήματα διάθεσης ή απόκτησης.</a:t>
+            </a:r>
+            <a:endParaRPr sz="1100">
+              <a:latin typeface="Ubuntu"/>
+              <a:ea typeface="Ubuntu"/>
+              <a:cs typeface="Ubuntu"/>
+              <a:sym typeface="Ubuntu"/>
+            </a:endParaRPr>
+          </a:p>
+          <a:p>
+            <a:pPr indent="-298450" lvl="0" marL="457200" rtl="0" algn="just">
+              <a:lnSpc>
+                <a:spcPct val="150000"/>
+              </a:lnSpc>
+              <a:spcBef>
+                <a:spcPts val="0"/>
+              </a:spcBef>
+              <a:spcAft>
+                <a:spcPts val="0"/>
+              </a:spcAft>
+              <a:buSzPts val="1100"/>
+              <a:buFont typeface="Ubuntu"/>
+              <a:buChar char="●"/>
+            </a:pPr>
+            <a:r>
+              <a:rPr lang="el" sz="1100">
+                <a:latin typeface="Ubuntu"/>
+                <a:ea typeface="Ubuntu"/>
+                <a:cs typeface="Ubuntu"/>
+                <a:sym typeface="Ubuntu"/>
+              </a:rPr>
+              <a:t>Καταγραφή και παρακολούθηση των  πόρων.</a:t>
+            </a:r>
+            <a:endParaRPr sz="1100">
+              <a:latin typeface="Ubuntu"/>
+              <a:ea typeface="Ubuntu"/>
+              <a:cs typeface="Ubuntu"/>
+              <a:sym typeface="Ubuntu"/>
+            </a:endParaRPr>
+          </a:p>
+          <a:p>
+            <a:pPr indent="-298450" lvl="0" marL="457200" rtl="0" algn="just">
+              <a:lnSpc>
+                <a:spcPct val="150000"/>
+              </a:lnSpc>
+              <a:spcBef>
+                <a:spcPts val="0"/>
+              </a:spcBef>
+              <a:spcAft>
+                <a:spcPts val="0"/>
+              </a:spcAft>
+              <a:buSzPts val="1100"/>
+              <a:buFont typeface="Ubuntu"/>
+              <a:buChar char="●"/>
+            </a:pPr>
+            <a:r>
+              <a:rPr lang="el" sz="1100">
+                <a:latin typeface="Ubuntu"/>
+                <a:ea typeface="Ubuntu"/>
+                <a:cs typeface="Ubuntu"/>
+                <a:sym typeface="Ubuntu"/>
+              </a:rPr>
+              <a:t>Διαφάνεια του  διαθέσιμου προϋπολογισμού για κάθε δήμο.</a:t>
+            </a:r>
+            <a:endParaRPr sz="1100">
+              <a:latin typeface="Ubuntu"/>
+              <a:ea typeface="Ubuntu"/>
+              <a:cs typeface="Ubuntu"/>
+              <a:sym typeface="Ubuntu"/>
+            </a:endParaRPr>
+          </a:p>
+          <a:p>
+            <a:pPr indent="0" lvl="0" marL="0" rtl="0" algn="just">
+              <a:lnSpc>
+                <a:spcPct val="150000"/>
+              </a:lnSpc>
+              <a:spcBef>
+                <a:spcPts val="0"/>
+              </a:spcBef>
+              <a:spcAft>
+                <a:spcPts val="0"/>
+              </a:spcAft>
+              <a:buNone/>
+            </a:pPr>
+            <a:r>
+              <a:t/>
+            </a:r>
+            <a:endParaRPr sz="1100">
+              <a:latin typeface="Ubuntu"/>
+              <a:ea typeface="Ubuntu"/>
+              <a:cs typeface="Ubuntu"/>
+              <a:sym typeface="Ubuntu"/>
+            </a:endParaRPr>
+          </a:p>
+          <a:p>
+            <a:pPr indent="0" lvl="0" marL="0" rtl="0" algn="just">
+              <a:lnSpc>
+                <a:spcPct val="150000"/>
+              </a:lnSpc>
+              <a:spcBef>
+                <a:spcPts val="0"/>
+              </a:spcBef>
+              <a:spcAft>
+                <a:spcPts val="0"/>
+              </a:spcAft>
+              <a:buNone/>
+            </a:pPr>
+            <a:r>
+              <a:rPr lang="el" sz="1200">
+                <a:latin typeface="Ubuntu"/>
+                <a:ea typeface="Ubuntu"/>
+                <a:cs typeface="Ubuntu"/>
+                <a:sym typeface="Ubuntu"/>
+              </a:rPr>
+              <a:t>Οφέλη</a:t>
+            </a:r>
+            <a:endParaRPr sz="1200">
+              <a:latin typeface="Ubuntu"/>
+              <a:ea typeface="Ubuntu"/>
+              <a:cs typeface="Ubuntu"/>
+              <a:sym typeface="Ubuntu"/>
+            </a:endParaRPr>
+          </a:p>
+          <a:p>
+            <a:pPr indent="-304800" lvl="0" marL="457200" rtl="0" algn="just">
+              <a:lnSpc>
+                <a:spcPct val="150000"/>
+              </a:lnSpc>
+              <a:spcBef>
+                <a:spcPts val="0"/>
+              </a:spcBef>
+              <a:spcAft>
+                <a:spcPts val="0"/>
+              </a:spcAft>
+              <a:buSzPts val="1200"/>
+              <a:buFont typeface="Ubuntu"/>
+              <a:buChar char="●"/>
+            </a:pPr>
+            <a:r>
+              <a:rPr lang="el" sz="1200">
+                <a:latin typeface="Ubuntu"/>
+                <a:ea typeface="Ubuntu"/>
+                <a:cs typeface="Ubuntu"/>
+                <a:sym typeface="Ubuntu"/>
+              </a:rPr>
+              <a:t>Βελτιστοποίηση αγορών και μειωμένα έξοδα.</a:t>
+            </a:r>
+            <a:endParaRPr sz="1200">
+              <a:latin typeface="Ubuntu"/>
+              <a:ea typeface="Ubuntu"/>
+              <a:cs typeface="Ubuntu"/>
+              <a:sym typeface="Ubuntu"/>
+            </a:endParaRPr>
+          </a:p>
+          <a:p>
+            <a:pPr indent="-304800" lvl="0" marL="457200" rtl="0" algn="just">
+              <a:lnSpc>
+                <a:spcPct val="150000"/>
+              </a:lnSpc>
+              <a:spcBef>
+                <a:spcPts val="0"/>
+              </a:spcBef>
+              <a:spcAft>
+                <a:spcPts val="0"/>
+              </a:spcAft>
+              <a:buSzPts val="1200"/>
+              <a:buFont typeface="Ubuntu"/>
+              <a:buChar char="●"/>
+            </a:pPr>
+            <a:r>
+              <a:rPr lang="el" sz="1200">
+                <a:latin typeface="Ubuntu"/>
+                <a:ea typeface="Ubuntu"/>
+                <a:cs typeface="Ubuntu"/>
+                <a:sym typeface="Ubuntu"/>
+              </a:rPr>
+              <a:t>Ιχνηλασιμότητα - traceability.</a:t>
+            </a:r>
+            <a:endParaRPr sz="1200">
+              <a:latin typeface="Ubuntu"/>
+              <a:ea typeface="Ubuntu"/>
+              <a:cs typeface="Ubuntu"/>
+              <a:sym typeface="Ubuntu"/>
+            </a:endParaRPr>
+          </a:p>
+          <a:p>
+            <a:pPr indent="-304800" lvl="0" marL="457200" rtl="0" algn="just">
+              <a:lnSpc>
+                <a:spcPct val="150000"/>
+              </a:lnSpc>
+              <a:spcBef>
+                <a:spcPts val="0"/>
+              </a:spcBef>
+              <a:spcAft>
+                <a:spcPts val="0"/>
+              </a:spcAft>
+              <a:buSzPts val="1200"/>
+              <a:buFont typeface="Ubuntu"/>
+              <a:buChar char="●"/>
+            </a:pPr>
+            <a:r>
+              <a:rPr lang="el" sz="1200">
+                <a:latin typeface="Ubuntu"/>
+                <a:ea typeface="Ubuntu"/>
+                <a:cs typeface="Ubuntu"/>
+                <a:sym typeface="Ubuntu"/>
+              </a:rPr>
+              <a:t>Καλύτερη διαφάνεια και εμπιστοσύνη των πολιτών.</a:t>
+            </a:r>
+            <a:endParaRPr sz="1200">
+              <a:latin typeface="Ubuntu"/>
+              <a:ea typeface="Ubuntu"/>
+              <a:cs typeface="Ubuntu"/>
+              <a:sym typeface="Ubuntu"/>
+            </a:endParaRPr>
+          </a:p>
+          <a:p>
+            <a:pPr indent="-304800" lvl="0" marL="457200" rtl="0" algn="just">
+              <a:lnSpc>
+                <a:spcPct val="150000"/>
+              </a:lnSpc>
+              <a:spcBef>
+                <a:spcPts val="0"/>
+              </a:spcBef>
+              <a:spcAft>
+                <a:spcPts val="0"/>
+              </a:spcAft>
+              <a:buSzPts val="1200"/>
+              <a:buFont typeface="Ubuntu"/>
+              <a:buChar char="●"/>
+            </a:pPr>
+            <a:r>
+              <a:rPr lang="el" sz="1200">
+                <a:latin typeface="Ubuntu"/>
+                <a:ea typeface="Ubuntu"/>
+                <a:cs typeface="Ubuntu"/>
+                <a:sym typeface="Ubuntu"/>
+              </a:rPr>
+              <a:t>Δυνατότητα στρατηγικού προγραμματισμού πόρων για όλους τους δήμους.</a:t>
+            </a:r>
+            <a:endParaRPr sz="1200">
+              <a:latin typeface="Ubuntu"/>
+              <a:ea typeface="Ubuntu"/>
+              <a:cs typeface="Ubuntu"/>
+              <a:sym typeface="Ubuntu"/>
+            </a:endParaRPr>
+          </a:p>
+          <a:p>
+            <a:pPr indent="0" lvl="0" marL="914400" rtl="0" algn="just">
+              <a:lnSpc>
+                <a:spcPct val="150000"/>
+              </a:lnSpc>
+              <a:spcBef>
+                <a:spcPts val="0"/>
+              </a:spcBef>
+              <a:spcAft>
+                <a:spcPts val="0"/>
+              </a:spcAft>
+              <a:buNone/>
+            </a:pPr>
+            <a:r>
+              <a:t/>
+            </a:r>
+            <a:endParaRPr sz="1200">
+              <a:solidFill>
+                <a:srgbClr val="000000"/>
+              </a:solidFill>
+              <a:latin typeface="Ubuntu"/>
+              <a:ea typeface="Ubuntu"/>
+              <a:cs typeface="Ubuntu"/>
+              <a:sym typeface="Ubuntu"/>
+            </a:endParaRPr>
+          </a:p>
+          <a:p>
+            <a:pPr indent="0" lvl="0" marL="0" rtl="0" algn="l">
+              <a:lnSpc>
+                <a:spcPct val="115000"/>
+              </a:lnSpc>
+              <a:spcBef>
+                <a:spcPts val="0"/>
+              </a:spcBef>
+              <a:spcAft>
+                <a:spcPts val="0"/>
+              </a:spcAft>
+              <a:buNone/>
+            </a:pPr>
+            <a:r>
+              <a:t/>
+            </a:r>
+            <a:endParaRPr sz="1110">
               <a:latin typeface="Ubuntu"/>
               <a:ea typeface="Ubuntu"/>
               <a:cs typeface="Ubuntu"/>
@@ -11251,7 +14189,7 @@
   <p:cSld>
     <p:spTree>
       <p:nvGrpSpPr>
-        <p:cNvPr id="181" name="Shape 181"/>
+        <p:cNvPr id="184" name="Shape 184"/>
         <p:cNvGrpSpPr/>
         <p:nvPr/>
       </p:nvGrpSpPr>
@@ -11265,16 +14203,16 @@
       </p:grpSpPr>
       <p:sp>
         <p:nvSpPr>
-          <p:cNvPr id="182" name="Google Shape;182;p21"/>
+          <p:cNvPr id="185" name="Google Shape;185;p21"/>
           <p:cNvSpPr txBox="1"/>
           <p:nvPr>
-            <p:ph type="ctrTitle"/>
+            <p:ph idx="1" type="subTitle"/>
           </p:nvPr>
         </p:nvSpPr>
         <p:spPr>
           <a:xfrm>
-            <a:off x="2894200" y="56800"/>
-            <a:ext cx="5784300" cy="2073000"/>
+            <a:off x="2951950" y="226350"/>
+            <a:ext cx="6030600" cy="4466700"/>
           </a:xfrm>
           <a:prstGeom prst="rect">
             <a:avLst/>
@@ -11296,7 +14234,11 @@
               <a:spcAft>
                 <a:spcPts val="0"/>
               </a:spcAft>
+              <a:buClr>
+                <a:srgbClr val="000000"/>
+              </a:buClr>
               <a:buSzPts val="990"/>
+              <a:buFont typeface="Arial"/>
               <a:buNone/>
             </a:pPr>
             <a:r>
@@ -11306,7 +14248,223 @@
                 <a:cs typeface="Ubuntu"/>
                 <a:sym typeface="Ubuntu"/>
               </a:rPr>
-              <a:t>Κριτηρια Αποδοχης</a:t>
+              <a:t>Βασικά KPIs</a:t>
+            </a:r>
+            <a:endParaRPr sz="1100">
+              <a:latin typeface="Ubuntu"/>
+              <a:ea typeface="Ubuntu"/>
+              <a:cs typeface="Ubuntu"/>
+              <a:sym typeface="Ubuntu"/>
+            </a:endParaRPr>
+          </a:p>
+          <a:p>
+            <a:pPr indent="0" lvl="0" marL="457200" rtl="0" algn="just">
+              <a:lnSpc>
+                <a:spcPct val="150000"/>
+              </a:lnSpc>
+              <a:spcBef>
+                <a:spcPts val="0"/>
+              </a:spcBef>
+              <a:spcAft>
+                <a:spcPts val="0"/>
+              </a:spcAft>
+              <a:buNone/>
+            </a:pPr>
+            <a:r>
+              <a:t/>
+            </a:r>
+            <a:endParaRPr sz="1100">
+              <a:latin typeface="Ubuntu"/>
+              <a:ea typeface="Ubuntu"/>
+              <a:cs typeface="Ubuntu"/>
+              <a:sym typeface="Ubuntu"/>
+            </a:endParaRPr>
+          </a:p>
+          <a:p>
+            <a:pPr indent="-298450" lvl="0" marL="457200" rtl="0" algn="just">
+              <a:lnSpc>
+                <a:spcPct val="150000"/>
+              </a:lnSpc>
+              <a:spcBef>
+                <a:spcPts val="0"/>
+              </a:spcBef>
+              <a:spcAft>
+                <a:spcPts val="0"/>
+              </a:spcAft>
+              <a:buSzPts val="1100"/>
+              <a:buFont typeface="Ubuntu"/>
+              <a:buChar char="●"/>
+            </a:pPr>
+            <a:r>
+              <a:rPr lang="el" sz="1100">
+                <a:latin typeface="Ubuntu"/>
+                <a:ea typeface="Ubuntu"/>
+                <a:cs typeface="Ubuntu"/>
+                <a:sym typeface="Ubuntu"/>
+              </a:rPr>
+              <a:t>Χρόνος ολοκλήρωσης διάθεσης πόρου: &lt;3 ημέρες</a:t>
+            </a:r>
+            <a:endParaRPr sz="1100">
+              <a:latin typeface="Ubuntu"/>
+              <a:ea typeface="Ubuntu"/>
+              <a:cs typeface="Ubuntu"/>
+              <a:sym typeface="Ubuntu"/>
+            </a:endParaRPr>
+          </a:p>
+          <a:p>
+            <a:pPr indent="-298450" lvl="0" marL="457200" rtl="0" algn="just">
+              <a:lnSpc>
+                <a:spcPct val="150000"/>
+              </a:lnSpc>
+              <a:spcBef>
+                <a:spcPts val="0"/>
+              </a:spcBef>
+              <a:spcAft>
+                <a:spcPts val="0"/>
+              </a:spcAft>
+              <a:buSzPts val="1100"/>
+              <a:buFont typeface="Ubuntu"/>
+              <a:buChar char="●"/>
+            </a:pPr>
+            <a:r>
+              <a:rPr lang="el" sz="1100">
+                <a:latin typeface="Ubuntu"/>
+                <a:ea typeface="Ubuntu"/>
+                <a:cs typeface="Ubuntu"/>
+                <a:sym typeface="Ubuntu"/>
+              </a:rPr>
+              <a:t>Μείωση αδράνειας πόρων: &lt;10%</a:t>
+            </a:r>
+            <a:endParaRPr sz="1100">
+              <a:latin typeface="Ubuntu"/>
+              <a:ea typeface="Ubuntu"/>
+              <a:cs typeface="Ubuntu"/>
+              <a:sym typeface="Ubuntu"/>
+            </a:endParaRPr>
+          </a:p>
+          <a:p>
+            <a:pPr indent="-298450" lvl="0" marL="457200" rtl="0" algn="just">
+              <a:lnSpc>
+                <a:spcPct val="150000"/>
+              </a:lnSpc>
+              <a:spcBef>
+                <a:spcPts val="0"/>
+              </a:spcBef>
+              <a:spcAft>
+                <a:spcPts val="0"/>
+              </a:spcAft>
+              <a:buSzPts val="1100"/>
+              <a:buFont typeface="Ubuntu"/>
+              <a:buChar char="●"/>
+            </a:pPr>
+            <a:r>
+              <a:rPr lang="el" sz="1100">
+                <a:latin typeface="Ubuntu"/>
+                <a:ea typeface="Ubuntu"/>
+                <a:cs typeface="Ubuntu"/>
+                <a:sym typeface="Ubuntu"/>
+              </a:rPr>
+              <a:t>Διαφάνεια συναλλαγών: 10</a:t>
+            </a:r>
+            <a:r>
+              <a:rPr lang="el" sz="1100">
+                <a:latin typeface="Ubuntu"/>
+                <a:ea typeface="Ubuntu"/>
+                <a:cs typeface="Ubuntu"/>
+                <a:sym typeface="Ubuntu"/>
+              </a:rPr>
+              <a:t>0%</a:t>
+            </a:r>
+            <a:endParaRPr sz="1100">
+              <a:latin typeface="Ubuntu"/>
+              <a:ea typeface="Ubuntu"/>
+              <a:cs typeface="Ubuntu"/>
+              <a:sym typeface="Ubuntu"/>
+            </a:endParaRPr>
+          </a:p>
+          <a:p>
+            <a:pPr indent="-298450" lvl="0" marL="457200" rtl="0" algn="just">
+              <a:lnSpc>
+                <a:spcPct val="150000"/>
+              </a:lnSpc>
+              <a:spcBef>
+                <a:spcPts val="0"/>
+              </a:spcBef>
+              <a:spcAft>
+                <a:spcPts val="0"/>
+              </a:spcAft>
+              <a:buSzPts val="1100"/>
+              <a:buChar char="●"/>
+            </a:pPr>
+            <a:r>
+              <a:rPr lang="el" sz="1100">
+                <a:latin typeface="Ubuntu"/>
+                <a:ea typeface="Ubuntu"/>
+                <a:cs typeface="Ubuntu"/>
+                <a:sym typeface="Ubuntu"/>
+              </a:rPr>
+              <a:t>Ικανοποίηση χρηστών: Βαθμός ≥ 4</a:t>
+            </a:r>
+            <a:r>
+              <a:rPr lang="el" sz="1100">
+                <a:latin typeface="Times New Roman"/>
+                <a:ea typeface="Times New Roman"/>
+                <a:cs typeface="Times New Roman"/>
+                <a:sym typeface="Times New Roman"/>
+              </a:rPr>
+              <a:t>/5</a:t>
+            </a:r>
+            <a:endParaRPr sz="1000">
+              <a:latin typeface="Ubuntu"/>
+              <a:ea typeface="Ubuntu"/>
+              <a:cs typeface="Ubuntu"/>
+              <a:sym typeface="Ubuntu"/>
+            </a:endParaRPr>
+          </a:p>
+          <a:p>
+            <a:pPr indent="0" lvl="0" marL="0" rtl="0" algn="just">
+              <a:lnSpc>
+                <a:spcPct val="150000"/>
+              </a:lnSpc>
+              <a:spcBef>
+                <a:spcPts val="0"/>
+              </a:spcBef>
+              <a:spcAft>
+                <a:spcPts val="0"/>
+              </a:spcAft>
+              <a:buNone/>
+            </a:pPr>
+            <a:r>
+              <a:t/>
+            </a:r>
+            <a:endParaRPr sz="1100">
+              <a:latin typeface="Ubuntu"/>
+              <a:ea typeface="Ubuntu"/>
+              <a:cs typeface="Ubuntu"/>
+              <a:sym typeface="Ubuntu"/>
+            </a:endParaRPr>
+          </a:p>
+          <a:p>
+            <a:pPr indent="0" lvl="0" marL="457200" rtl="0" algn="ctr">
+              <a:lnSpc>
+                <a:spcPct val="150000"/>
+              </a:lnSpc>
+              <a:spcBef>
+                <a:spcPts val="0"/>
+              </a:spcBef>
+              <a:spcAft>
+                <a:spcPts val="0"/>
+              </a:spcAft>
+              <a:buNone/>
+            </a:pPr>
+            <a:r>
+              <a:rPr lang="el" sz="2400">
+                <a:latin typeface="Ubuntu"/>
+                <a:ea typeface="Ubuntu"/>
+                <a:cs typeface="Ubuntu"/>
+                <a:sym typeface="Ubuntu"/>
+              </a:rPr>
+              <a:t> Κριτήρια Αποδοχής</a:t>
             </a:r>
             <a:endParaRPr sz="2400">
               <a:latin typeface="Ubuntu"/>
@@ -11315,34 +14473,10 @@
               <a:sym typeface="Ubuntu"/>
             </a:endParaRPr>
           </a:p>
-        </p:txBody>
-      </p:sp>
-      <p:sp>
-        <p:nvSpPr>
-          <p:cNvPr id="183" name="Google Shape;183;p21"/>
-          <p:cNvSpPr txBox="1"/>
-          <p:nvPr>
-            <p:ph idx="1" type="subTitle"/>
-          </p:nvPr>
-        </p:nvSpPr>
-        <p:spPr>
-          <a:xfrm>
-            <a:off x="4962050" y="2945150"/>
-            <a:ext cx="3439200" cy="1973100"/>
-          </a:xfrm>
-          <a:prstGeom prst="rect">
-            <a:avLst/>
-          </a:prstGeom>
-        </p:spPr>
-        <p:txBody>
-          <a:bodyPr anchorCtr="0" anchor="t" bIns="91425" lIns="91425" spcFirstLastPara="1" rIns="91425" wrap="square" tIns="91425">
-            <a:noAutofit/>
-          </a:bodyPr>
-          <a:lstStyle/>
           <a:p>
-            <a:pPr indent="0" lvl="0" marL="457200" rtl="0" algn="l">
+            <a:pPr indent="-304800" lvl="0" marL="457200" rtl="0" algn="l">
               <a:lnSpc>
-                <a:spcPct val="130000"/>
+                <a:spcPct val="150000"/>
               </a:lnSpc>
               <a:spcBef>
                 <a:spcPts val="0"/>
@@ -11350,18 +14484,265 @@
               <a:spcAft>
                 <a:spcPts val="0"/>
               </a:spcAft>
-              <a:buNone/>
+              <a:buSzPts val="1200"/>
+              <a:buFont typeface="Times New Roman"/>
+              <a:buChar char="●"/>
             </a:pPr>
             <a:r>
-              <a:rPr lang="el" sz="1310">
-                <a:latin typeface="Ubuntu"/>
-                <a:ea typeface="Ubuntu"/>
-                <a:cs typeface="Ubuntu"/>
-                <a:sym typeface="Ubuntu"/>
+              <a:rPr lang="el" sz="1200">
+                <a:latin typeface="Times New Roman"/>
+                <a:ea typeface="Times New Roman"/>
+                <a:cs typeface="Times New Roman"/>
+                <a:sym typeface="Times New Roman"/>
               </a:rPr>
-              <a:t>….</a:t>
+              <a:t>Προσβασιμότητα: Πλήρης προσβασιμότητα για όλους (screen readers, σωστή αντίθεση, πλοήγηση με πληκτρολόγιο).</a:t>
             </a:r>
-            <a:endParaRPr sz="1310">
+            <a:endParaRPr sz="1200">
+              <a:latin typeface="Times New Roman"/>
+              <a:ea typeface="Times New Roman"/>
+              <a:cs typeface="Times New Roman"/>
+              <a:sym typeface="Times New Roman"/>
+            </a:endParaRPr>
+          </a:p>
+          <a:p>
+            <a:pPr indent="-304800" lvl="0" marL="457200" rtl="0" algn="l">
+              <a:lnSpc>
+                <a:spcPct val="150000"/>
+              </a:lnSpc>
+              <a:spcBef>
+                <a:spcPts val="0"/>
+              </a:spcBef>
+              <a:spcAft>
+                <a:spcPts val="0"/>
+              </a:spcAft>
+              <a:buSzPts val="1200"/>
+              <a:buFont typeface="Times New Roman"/>
+              <a:buChar char="●"/>
+            </a:pPr>
+            <a:r>
+              <a:rPr lang="el" sz="1200">
+                <a:latin typeface="Times New Roman"/>
+                <a:ea typeface="Times New Roman"/>
+                <a:cs typeface="Times New Roman"/>
+                <a:sym typeface="Times New Roman"/>
+              </a:rPr>
+              <a:t>Χρηστικότητα:Ο χρήστης ολοκληρώνει κρίσιμες ενέργειες σε ≤ 4 βήματα</a:t>
+            </a:r>
+            <a:endParaRPr sz="1200">
+              <a:latin typeface="Times New Roman"/>
+              <a:ea typeface="Times New Roman"/>
+              <a:cs typeface="Times New Roman"/>
+              <a:sym typeface="Times New Roman"/>
+            </a:endParaRPr>
+          </a:p>
+          <a:p>
+            <a:pPr indent="-304800" lvl="0" marL="457200" rtl="0" algn="l">
+              <a:lnSpc>
+                <a:spcPct val="150000"/>
+              </a:lnSpc>
+              <a:spcBef>
+                <a:spcPts val="0"/>
+              </a:spcBef>
+              <a:spcAft>
+                <a:spcPts val="0"/>
+              </a:spcAft>
+              <a:buSzPts val="1200"/>
+              <a:buFont typeface="Times New Roman"/>
+              <a:buChar char="●"/>
+            </a:pPr>
+            <a:r>
+              <a:rPr lang="el" sz="1200">
+                <a:latin typeface="Times New Roman"/>
+                <a:ea typeface="Times New Roman"/>
+                <a:cs typeface="Times New Roman"/>
+                <a:sym typeface="Times New Roman"/>
+              </a:rPr>
+              <a:t>Απόδοση:Latency  &lt;1 δευτ.</a:t>
+            </a:r>
+            <a:endParaRPr sz="1200">
+              <a:latin typeface="Times New Roman"/>
+              <a:ea typeface="Times New Roman"/>
+              <a:cs typeface="Times New Roman"/>
+              <a:sym typeface="Times New Roman"/>
+            </a:endParaRPr>
+          </a:p>
+          <a:p>
+            <a:pPr indent="-304800" lvl="0" marL="457200" rtl="0" algn="l">
+              <a:lnSpc>
+                <a:spcPct val="150000"/>
+              </a:lnSpc>
+              <a:spcBef>
+                <a:spcPts val="0"/>
+              </a:spcBef>
+              <a:spcAft>
+                <a:spcPts val="0"/>
+              </a:spcAft>
+              <a:buSzPts val="1200"/>
+              <a:buFont typeface="Times New Roman"/>
+              <a:buChar char="●"/>
+            </a:pPr>
+            <a:r>
+              <a:rPr lang="el" sz="1200">
+                <a:latin typeface="Times New Roman"/>
+                <a:ea typeface="Times New Roman"/>
+                <a:cs typeface="Times New Roman"/>
+                <a:sym typeface="Times New Roman"/>
+              </a:rPr>
+              <a:t>Ασφάλεια :Κρυπτογράφηση δεδομένων</a:t>
+            </a:r>
+            <a:endParaRPr sz="1200">
+              <a:solidFill>
+                <a:srgbClr val="000000"/>
+              </a:solidFill>
+              <a:latin typeface="Times New Roman"/>
+              <a:ea typeface="Times New Roman"/>
+              <a:cs typeface="Times New Roman"/>
+              <a:sym typeface="Times New Roman"/>
+            </a:endParaRPr>
+          </a:p>
+          <a:p>
+            <a:pPr indent="0" lvl="0" marL="0" rtl="0" algn="ctr">
+              <a:lnSpc>
+                <a:spcPct val="150000"/>
+              </a:lnSpc>
+              <a:spcBef>
+                <a:spcPts val="0"/>
+              </a:spcBef>
+              <a:spcAft>
+                <a:spcPts val="0"/>
+              </a:spcAft>
+              <a:buNone/>
+            </a:pPr>
+            <a:r>
+              <a:t/>
+            </a:r>
+            <a:endParaRPr sz="2400">
+              <a:latin typeface="Ubuntu"/>
+              <a:ea typeface="Ubuntu"/>
+              <a:cs typeface="Ubuntu"/>
+              <a:sym typeface="Ubuntu"/>
+            </a:endParaRPr>
+          </a:p>
+          <a:p>
+            <a:pPr indent="0" lvl="0" marL="0" rtl="0" algn="ctr">
+              <a:lnSpc>
+                <a:spcPct val="150000"/>
+              </a:lnSpc>
+              <a:spcBef>
+                <a:spcPts val="0"/>
+              </a:spcBef>
+              <a:spcAft>
+                <a:spcPts val="0"/>
+              </a:spcAft>
+              <a:buClr>
+                <a:srgbClr val="000000"/>
+              </a:buClr>
+              <a:buSzPts val="990"/>
+              <a:buFont typeface="Arial"/>
+              <a:buNone/>
+            </a:pPr>
+            <a:r>
+              <a:t/>
+            </a:r>
+            <a:endParaRPr sz="2400">
+              <a:latin typeface="Ubuntu"/>
+              <a:ea typeface="Ubuntu"/>
+              <a:cs typeface="Ubuntu"/>
+              <a:sym typeface="Ubuntu"/>
+            </a:endParaRPr>
+          </a:p>
+          <a:p>
+            <a:pPr indent="0" lvl="0" marL="0" rtl="0" algn="just">
+              <a:lnSpc>
+                <a:spcPct val="150000"/>
+              </a:lnSpc>
+              <a:spcBef>
+                <a:spcPts val="0"/>
+              </a:spcBef>
+              <a:spcAft>
+                <a:spcPts val="0"/>
+              </a:spcAft>
+              <a:buNone/>
+            </a:pPr>
+            <a:r>
+              <a:t/>
+            </a:r>
+            <a:endParaRPr sz="1100">
+              <a:latin typeface="Ubuntu"/>
+              <a:ea typeface="Ubuntu"/>
+              <a:cs typeface="Ubuntu"/>
+              <a:sym typeface="Ubuntu"/>
+            </a:endParaRPr>
+          </a:p>
+          <a:p>
+            <a:pPr indent="0" lvl="0" marL="0" rtl="0" algn="just">
+              <a:lnSpc>
+                <a:spcPct val="150000"/>
+              </a:lnSpc>
+              <a:spcBef>
+                <a:spcPts val="0"/>
+              </a:spcBef>
+              <a:spcAft>
+                <a:spcPts val="0"/>
+              </a:spcAft>
+              <a:buNone/>
+            </a:pPr>
+            <a:r>
+              <a:t/>
+            </a:r>
+            <a:endParaRPr sz="1100">
+              <a:latin typeface="Ubuntu"/>
+              <a:ea typeface="Ubuntu"/>
+              <a:cs typeface="Ubuntu"/>
+              <a:sym typeface="Ubuntu"/>
+            </a:endParaRPr>
+          </a:p>
+          <a:p>
+            <a:pPr indent="0" lvl="0" marL="457200" rtl="0" algn="just">
+              <a:lnSpc>
+                <a:spcPct val="150000"/>
+              </a:lnSpc>
+              <a:spcBef>
+                <a:spcPts val="0"/>
+              </a:spcBef>
+              <a:spcAft>
+                <a:spcPts val="0"/>
+              </a:spcAft>
+              <a:buNone/>
+            </a:pPr>
+            <a:r>
+              <a:t/>
+            </a:r>
+            <a:endParaRPr sz="1100">
+              <a:solidFill>
+                <a:srgbClr val="000000"/>
+              </a:solidFill>
+              <a:latin typeface="Ubuntu"/>
+              <a:ea typeface="Ubuntu"/>
+              <a:cs typeface="Ubuntu"/>
+              <a:sym typeface="Ubuntu"/>
+            </a:endParaRPr>
+          </a:p>
+          <a:p>
+            <a:pPr indent="0" lvl="0" marL="457200" rtl="0" algn="just">
+              <a:lnSpc>
+                <a:spcPct val="150000"/>
+              </a:lnSpc>
+              <a:spcBef>
+                <a:spcPts val="0"/>
+              </a:spcBef>
+              <a:spcAft>
+                <a:spcPts val="0"/>
+              </a:spcAft>
+              <a:buNone/>
+            </a:pPr>
+            <a:r>
+              <a:t/>
+            </a:r>
+            <a:endParaRPr sz="1100">
+              <a:solidFill>
+                <a:srgbClr val="000000"/>
+              </a:solidFill>
               <a:latin typeface="Ubuntu"/>
               <a:ea typeface="Ubuntu"/>
               <a:cs typeface="Ubuntu"/>
@@ -11379,6 +14760,285 @@
 </file>
 
 <file path=ppt/theme/theme1.xml><?xml version="1.0" encoding="utf-8"?>
+<a:theme xmlns:a="http://schemas.openxmlformats.org/drawingml/2006/main" xmlns:r="http://schemas.openxmlformats.org/officeDocument/2006/relationships">
+  <a:themeElements>
+    <a:clrScheme name="Default">
+      <a:dk1>
+        <a:srgbClr val="000000"/>
+      </a:dk1>
+      <a:lt1>
+        <a:srgbClr val="FFFFFF"/>
+      </a:lt1>
+      <a:dk2>
+        <a:srgbClr val="158158"/>
+      </a:dk2>
+      <a:lt2>
+        <a:srgbClr val="F3F3F3"/>
+      </a:lt2>
+      <a:accent1>
+        <a:srgbClr val="058DC7"/>
+      </a:accent1>
+      <a:accent2>
+        <a:srgbClr val="50B432"/>
+      </a:accent2>
+      <a:accent3>
+        <a:srgbClr val="ED561B"/>
+      </a:accent3>
+      <a:accent4>
+        <a:srgbClr val="EDEF00"/>
+      </a:accent4>
+      <a:accent5>
+        <a:srgbClr val="24CBE5"/>
+      </a:accent5>
+      <a:accent6>
+        <a:srgbClr val="64E572"/>
+      </a:accent6>
+      <a:hlink>
+        <a:srgbClr val="2200CC"/>
+      </a:hlink>
+      <a:folHlink>
+        <a:srgbClr val="551A8B"/>
+      </a:folHlink>
+    </a:clrScheme>
+    <a:fontScheme name="Office">
+      <a:majorFont>
+        <a:latin typeface="Arial"/>
+        <a:ea typeface=""/>
+        <a:cs typeface=""/>
+        <a:font script="Jpan" typeface="ＭＳ Ｐゴシック"/>
+        <a:font script="Hang" typeface="맑은 고딕"/>
+        <a:font script="Hans" typeface="宋体"/>
+        <a:font script="Hant" typeface="新細明體"/>
+        <a:font script="Arab" typeface="Times New Roman"/>
+        <a:font script="Hebr" typeface="Times New Roman"/>
+        <a:font script="Thai" typeface="Angsana New"/>
+        <a:font script="Ethi" typeface="Nyala"/>
+        <a:font script="Beng" typeface="Vrinda"/>
+        <a:font script="Gujr" typeface="Shruti"/>
+        <a:font script="Khmr" typeface="MoolBoran"/>
+        <a:font script="Knda" typeface="Tunga"/>
+        <a:font script="Guru" typeface="Raavi"/>
+        <a:font script="Cans" typeface="Euphemia"/>
+        <a:font script="Cher" typeface="Plantagenet Cherokee"/>
+        <a:font script="Yiii" typeface="Microsoft Yi Baiti"/>
+        <a:font script="Tibt" typeface="Microsoft Himalaya"/>
+        <a:font script="Thaa" typeface="MV Boli"/>
+        <a:font script="Deva" typeface="Mangal"/>
+        <a:font script="Telu" typeface="Gautami"/>
+        <a:font script="Taml" typeface="Latha"/>
+        <a:font script="Syrc" typeface="Estrangelo Edessa"/>
+        <a:font script="Orya" typeface="Kalinga"/>
+        <a:font script="Mlym" typeface="Kartika"/>
+        <a:font script="Laoo" typeface="DokChampa"/>
+        <a:font script="Sinh" typeface="Iskoola Pota"/>
+        <a:font script="Mong" typeface="Mongolian Baiti"/>
+        <a:font script="Viet" typeface="Times New Roman"/>
+        <a:font script="Uigh" typeface="Microsoft Uighur"/>
+        <a:font script="Geor" typeface="Sylfaen"/>
+      </a:majorFont>
+      <a:minorFont>
+        <a:latin typeface="Arial"/>
+        <a:ea typeface=""/>
+        <a:cs typeface=""/>
+        <a:font script="Jpan" typeface="ＭＳ Ｐゴシック"/>
+        <a:font script="Hang" typeface="맑은 고딕"/>
+        <a:font script="Hans" typeface="宋体"/>
+        <a:font script="Hant" typeface="新細明體"/>
+        <a:font script="Arab" typeface="Arial"/>
+        <a:font script="Hebr" typeface="Arial"/>
+        <a:font script="Thai" typeface="Cordia New"/>
+        <a:font script="Ethi" typeface="Nyala"/>
+        <a:font script="Beng" typeface="Vrinda"/>
+        <a:font script="Gujr" typeface="Shruti"/>
+        <a:font script="Khmr" typeface="DaunPenh"/>
+        <a:font script="Knda" typeface="Tunga"/>
+        <a:font script="Guru" typeface="Raavi"/>
+        <a:font script="Cans" typeface="Euphemia"/>
+        <a:font script="Cher" typeface="Plantagenet Cherokee"/>
+        <a:font script="Yiii" typeface="Microsoft Yi Baiti"/>
+        <a:font script="Tibt" typeface="Microsoft Himalaya"/>
+        <a:font script="Thaa" typeface="MV Boli"/>
+        <a:font script="Deva" typeface="Mangal"/>
+        <a:font script="Telu" typeface="Gautami"/>
+        <a:font script="Taml" typeface="Latha"/>
+        <a:font script="Syrc" typeface="Estrangelo Edessa"/>
+        <a:font script="Orya" typeface="Kalinga"/>
+        <a:font script="Mlym" typeface="Kartika"/>
+        <a:font script="Laoo" typeface="DokChampa"/>
+        <a:font script="Sinh" typeface="Iskoola Pota"/>
+        <a:font script="Mong" typeface="Mongolian Baiti"/>
+        <a:font script="Viet" typeface="Arial"/>
+        <a:font script="Uigh" typeface="Microsoft Uighur"/>
+        <a:font script="Geor" typeface="Sylfaen"/>
+      </a:minorFont>
+    </a:fontScheme>
+    <a:fmtScheme name="Office">
+      <a:fillStyleLst>
+        <a:solidFill>
+          <a:schemeClr val="phClr"/>
+        </a:solidFill>
+        <a:gradFill rotWithShape="1">
+          <a:gsLst>
+            <a:gs pos="0">
+              <a:schemeClr val="phClr">
+                <a:tint val="50000"/>
+                <a:satMod val="300000"/>
+              </a:schemeClr>
+            </a:gs>
+            <a:gs pos="35000">
+              <a:schemeClr val="phClr">
+                <a:tint val="37000"/>
+                <a:satMod val="300000"/>
+              </a:schemeClr>
+            </a:gs>
+            <a:gs pos="100000">
+              <a:schemeClr val="phClr">
+                <a:tint val="15000"/>
+                <a:satMod val="350000"/>
+              </a:schemeClr>
+            </a:gs>
+          </a:gsLst>
+          <a:lin ang="16200000" scaled="1"/>
+        </a:gradFill>
+        <a:gradFill rotWithShape="1">
+          <a:gsLst>
+            <a:gs pos="0">
+              <a:schemeClr val="phClr">
+                <a:tint val="100000"/>
+                <a:shade val="100000"/>
+                <a:satMod val="130000"/>
+              </a:schemeClr>
+            </a:gs>
+            <a:gs pos="100000">
+              <a:schemeClr val="phClr">
+                <a:tint val="50000"/>
+                <a:shade val="100000"/>
+                <a:satMod val="350000"/>
+              </a:schemeClr>
+            </a:gs>
+          </a:gsLst>
+          <a:lin ang="16200000" scaled="0"/>
+        </a:gradFill>
+      </a:fillStyleLst>
+      <a:lnStyleLst>
+        <a:ln w="9525" cap="flat" cmpd="sng" algn="ctr">
+          <a:solidFill>
+            <a:schemeClr val="phClr">
+              <a:shade val="95000"/>
+              <a:satMod val="105000"/>
+            </a:schemeClr>
+          </a:solidFill>
+          <a:prstDash val="solid"/>
+        </a:ln>
+        <a:ln w="25400" cap="flat" cmpd="sng" algn="ctr">
+          <a:solidFill>
+            <a:schemeClr val="phClr"/>
+          </a:solidFill>
+          <a:prstDash val="solid"/>
+        </a:ln>
+        <a:ln w="38100" cap="flat" cmpd="sng" algn="ctr">
+          <a:solidFill>
+            <a:schemeClr val="phClr"/>
+          </a:solidFill>
+          <a:prstDash val="solid"/>
+        </a:ln>
+      </a:lnStyleLst>
+      <a:effectStyleLst>
+        <a:effectStyle>
+          <a:effectLst>
+            <a:outerShdw blurRad="40000" dist="20000" dir="5400000" rotWithShape="0">
+              <a:srgbClr val="000000">
+                <a:alpha val="38000"/>
+              </a:srgbClr>
+            </a:outerShdw>
+          </a:effectLst>
+        </a:effectStyle>
+        <a:effectStyle>
+          <a:effectLst>
+            <a:outerShdw blurRad="40000" dist="23000" dir="5400000" rotWithShape="0">
+              <a:srgbClr val="000000">
+                <a:alpha val="35000"/>
+              </a:srgbClr>
+            </a:outerShdw>
+          </a:effectLst>
+        </a:effectStyle>
+        <a:effectStyle>
+          <a:effectLst>
+            <a:outerShdw blurRad="40000" dist="23000" dir="5400000" rotWithShape="0">
+              <a:srgbClr val="000000">
+                <a:alpha val="35000"/>
+              </a:srgbClr>
+            </a:outerShdw>
+          </a:effectLst>
+          <a:scene3d>
+            <a:camera prst="orthographicFront">
+              <a:rot lat="0" lon="0" rev="0"/>
+            </a:camera>
+            <a:lightRig rig="threePt" dir="t">
+              <a:rot lat="0" lon="0" rev="1200000"/>
+            </a:lightRig>
+          </a:scene3d>
+          <a:sp3d>
+            <a:bevelT w="63500" h="25400"/>
+          </a:sp3d>
+        </a:effectStyle>
+      </a:effectStyleLst>
+      <a:bgFillStyleLst>
+        <a:solidFill>
+          <a:schemeClr val="phClr"/>
+        </a:solidFill>
+        <a:gradFill rotWithShape="1">
+          <a:gsLst>
+            <a:gs pos="0">
+              <a:schemeClr val="phClr">
+                <a:tint val="40000"/>
+                <a:satMod val="350000"/>
+              </a:schemeClr>
+            </a:gs>
+            <a:gs pos="40000">
+              <a:schemeClr val="phClr">
+                <a:tint val="45000"/>
+                <a:shade val="99000"/>
+                <a:satMod val="350000"/>
+              </a:schemeClr>
+            </a:gs>
+            <a:gs pos="100000">
+              <a:schemeClr val="phClr">
+                <a:shade val="20000"/>
+                <a:satMod val="255000"/>
+              </a:schemeClr>
+            </a:gs>
+          </a:gsLst>
+          <a:path path="circle">
+            <a:fillToRect l="50000" t="-80000" r="50000" b="180000"/>
+          </a:path>
+        </a:gradFill>
+        <a:gradFill rotWithShape="1">
+          <a:gsLst>
+            <a:gs pos="0">
+              <a:schemeClr val="phClr">
+                <a:tint val="80000"/>
+                <a:satMod val="300000"/>
+              </a:schemeClr>
+            </a:gs>
+            <a:gs pos="100000">
+              <a:schemeClr val="phClr">
+                <a:shade val="30000"/>
+                <a:satMod val="200000"/>
+              </a:schemeClr>
+            </a:gs>
+          </a:gsLst>
+          <a:path path="circle">
+            <a:fillToRect l="50000" t="50000" r="50000" b="50000"/>
+          </a:path>
+        </a:gradFill>
+      </a:bgFillStyleLst>
+    </a:fmtScheme>
+  </a:themeElements>
+</a:theme>
+</file>
+
+<file path=ppt/theme/theme2.xml><?xml version="1.0" encoding="utf-8"?>
 <a:theme xmlns:a="http://schemas.openxmlformats.org/drawingml/2006/main" xmlns:r="http://schemas.openxmlformats.org/officeDocument/2006/relationships" name="Focus">
   <a:themeElements>
     <a:clrScheme name="Focus">
@@ -11655,283 +15315,4 @@
     </a:fmtScheme>
   </a:themeElements>
 </a:theme>
-</file>
-
-<file path=ppt/theme/theme2.xml><?xml version="1.0" encoding="utf-8"?>
-<a:theme xmlns:a="http://schemas.openxmlformats.org/drawingml/2006/main" xmlns:r="http://schemas.openxmlformats.org/officeDocument/2006/relationships">
-  <a:themeElements>
-    <a:clrScheme name="Default">
-      <a:dk1>
-        <a:srgbClr val="000000"/>
-      </a:dk1>
-      <a:lt1>
-        <a:srgbClr val="FFFFFF"/>
-      </a:lt1>
-      <a:dk2>
-        <a:srgbClr val="158158"/>
-      </a:dk2>
-      <a:lt2>
-        <a:srgbClr val="F3F3F3"/>
-      </a:lt2>
-      <a:accent1>
-        <a:srgbClr val="058DC7"/>
-      </a:accent1>
-      <a:accent2>
-        <a:srgbClr val="50B432"/>
-      </a:accent2>
-      <a:accent3>
-        <a:srgbClr val="ED561B"/>
-      </a:accent3>
-      <a:accent4>
-        <a:srgbClr val="EDEF00"/>
-      </a:accent4>
-      <a:accent5>
-        <a:srgbClr val="24CBE5"/>
-      </a:accent5>
-      <a:accent6>
-        <a:srgbClr val="64E572"/>
-      </a:accent6>
-      <a:hlink>
-        <a:srgbClr val="2200CC"/>
-      </a:hlink>
-      <a:folHlink>
-        <a:srgbClr val="551A8B"/>
-      </a:folHlink>
-    </a:clrScheme>
-    <a:fontScheme name="Office">
-      <a:majorFont>
-        <a:latin typeface="Arial"/>
-        <a:ea typeface=""/>
-        <a:cs typeface=""/>
-        <a:font script="Jpan" typeface="ＭＳ Ｐゴシック"/>
-        <a:font script="Hang" typeface="맑은 고딕"/>
-        <a:font script="Hans" typeface="宋体"/>
-        <a:font script="Hant" typeface="新細明體"/>
-        <a:font script="Arab" typeface="Times New Roman"/>
-        <a:font script="Hebr" typeface="Times New Roman"/>
-        <a:font script="Thai" typeface="Angsana New"/>
-        <a:font script="Ethi" typeface="Nyala"/>
-        <a:font script="Beng" typeface="Vrinda"/>
-        <a:font script="Gujr" typeface="Shruti"/>
-        <a:font script="Khmr" typeface="MoolBoran"/>
-        <a:font script="Knda" typeface="Tunga"/>
-        <a:font script="Guru" typeface="Raavi"/>
-        <a:font script="Cans" typeface="Euphemia"/>
-        <a:font script="Cher" typeface="Plantagenet Cherokee"/>
-        <a:font script="Yiii" typeface="Microsoft Yi Baiti"/>
-        <a:font script="Tibt" typeface="Microsoft Himalaya"/>
-        <a:font script="Thaa" typeface="MV Boli"/>
-        <a:font script="Deva" typeface="Mangal"/>
-        <a:font script="Telu" typeface="Gautami"/>
-        <a:font script="Taml" typeface="Latha"/>
-        <a:font script="Syrc" typeface="Estrangelo Edessa"/>
-        <a:font script="Orya" typeface="Kalinga"/>
-        <a:font script="Mlym" typeface="Kartika"/>
-        <a:font script="Laoo" typeface="DokChampa"/>
-        <a:font script="Sinh" typeface="Iskoola Pota"/>
-        <a:font script="Mong" typeface="Mongolian Baiti"/>
-        <a:font script="Viet" typeface="Times New Roman"/>
-        <a:font script="Uigh" typeface="Microsoft Uighur"/>
-        <a:font script="Geor" typeface="Sylfaen"/>
-      </a:majorFont>
-      <a:minorFont>
-        <a:latin typeface="Arial"/>
-        <a:ea typeface=""/>
-        <a:cs typeface=""/>
-        <a:font script="Jpan" typeface="ＭＳ Ｐゴシック"/>
-        <a:font script="Hang" typeface="맑은 고딕"/>
-        <a:font script="Hans" typeface="宋体"/>
-        <a:font script="Hant" typeface="新細明體"/>
-        <a:font script="Arab" typeface="Arial"/>
-        <a:font script="Hebr" typeface="Arial"/>
-        <a:font script="Thai" typeface="Cordia New"/>
-        <a:font script="Ethi" typeface="Nyala"/>
-        <a:font script="Beng" typeface="Vrinda"/>
-        <a:font script="Gujr" typeface="Shruti"/>
-        <a:font script="Khmr" typeface="DaunPenh"/>
-        <a:font script="Knda" typeface="Tunga"/>
-        <a:font script="Guru" typeface="Raavi"/>
-        <a:font script="Cans" typeface="Euphemia"/>
-        <a:font script="Cher" typeface="Plantagenet Cherokee"/>
-        <a:font script="Yiii" typeface="Microsoft Yi Baiti"/>
-        <a:font script="Tibt" typeface="Microsoft Himalaya"/>
-        <a:font script="Thaa" typeface="MV Boli"/>
-        <a:font script="Deva" typeface="Mangal"/>
-        <a:font script="Telu" typeface="Gautami"/>
-        <a:font script="Taml" typeface="Latha"/>
-        <a:font script="Syrc" typeface="Estrangelo Edessa"/>
-        <a:font script="Orya" typeface="Kalinga"/>
-        <a:font script="Mlym" typeface="Kartika"/>
-        <a:font script="Laoo" typeface="DokChampa"/>
-        <a:font script="Sinh" typeface="Iskoola Pota"/>
-        <a:font script="Mong" typeface="Mongolian Baiti"/>
-        <a:font script="Viet" typeface="Arial"/>
-        <a:font script="Uigh" typeface="Microsoft Uighur"/>
-        <a:font script="Geor" typeface="Sylfaen"/>
-      </a:minorFont>
-    </a:fontScheme>
-    <a:fmtScheme name="Office">
-      <a:fillStyleLst>
-        <a:solidFill>
-          <a:schemeClr val="phClr"/>
-        </a:solidFill>
-        <a:gradFill rotWithShape="1">
-          <a:gsLst>
-            <a:gs pos="0">
-              <a:schemeClr val="phClr">
-                <a:tint val="50000"/>
-                <a:satMod val="300000"/>
-              </a:schemeClr>
-            </a:gs>
-            <a:gs pos="35000">
-              <a:schemeClr val="phClr">
-                <a:tint val="37000"/>
-                <a:satMod val="300000"/>
-              </a:schemeClr>
-            </a:gs>
-            <a:gs pos="100000">
-              <a:schemeClr val="phClr">
-                <a:tint val="15000"/>
-                <a:satMod val="350000"/>
-              </a:schemeClr>
-            </a:gs>
-          </a:gsLst>
-          <a:lin ang="16200000" scaled="1"/>
-        </a:gradFill>
-        <a:gradFill rotWithShape="1">
-          <a:gsLst>
-            <a:gs pos="0">
-              <a:schemeClr val="phClr">
-                <a:tint val="100000"/>
-                <a:shade val="100000"/>
-                <a:satMod val="130000"/>
-              </a:schemeClr>
-            </a:gs>
-            <a:gs pos="100000">
-              <a:schemeClr val="phClr">
-                <a:tint val="50000"/>
-                <a:shade val="100000"/>
-                <a:satMod val="350000"/>
-              </a:schemeClr>
-            </a:gs>
-          </a:gsLst>
-          <a:lin ang="16200000" scaled="0"/>
-        </a:gradFill>
-      </a:fillStyleLst>
-      <a:lnStyleLst>
-        <a:ln w="9525" cap="flat" cmpd="sng" algn="ctr">
-          <a:solidFill>
-            <a:schemeClr val="phClr">
-              <a:shade val="95000"/>
-              <a:satMod val="105000"/>
-            </a:schemeClr>
-          </a:solidFill>
-          <a:prstDash val="solid"/>
-        </a:ln>
-        <a:ln w="25400" cap="flat" cmpd="sng" algn="ctr">
-          <a:solidFill>
-            <a:schemeClr val="phClr"/>
-          </a:solidFill>
-          <a:prstDash val="solid"/>
-        </a:ln>
-        <a:ln w="38100" cap="flat" cmpd="sng" algn="ctr">
-          <a:solidFill>
-            <a:schemeClr val="phClr"/>
-          </a:solidFill>
-          <a:prstDash val="solid"/>
-        </a:ln>
-      </a:lnStyleLst>
-      <a:effectStyleLst>
-        <a:effectStyle>
-          <a:effectLst>
-            <a:outerShdw blurRad="40000" dist="20000" dir="5400000" rotWithShape="0">
-              <a:srgbClr val="000000">
-                <a:alpha val="38000"/>
-              </a:srgbClr>
-            </a:outerShdw>
-          </a:effectLst>
-        </a:effectStyle>
-        <a:effectStyle>
-          <a:effectLst>
-            <a:outerShdw blurRad="40000" dist="23000" dir="5400000" rotWithShape="0">
-              <a:srgbClr val="000000">
-                <a:alpha val="35000"/>
-              </a:srgbClr>
-            </a:outerShdw>
-          </a:effectLst>
-        </a:effectStyle>
-        <a:effectStyle>
-          <a:effectLst>
-            <a:outerShdw blurRad="40000" dist="23000" dir="5400000" rotWithShape="0">
-              <a:srgbClr val="000000">
-                <a:alpha val="35000"/>
-              </a:srgbClr>
-            </a:outerShdw>
-          </a:effectLst>
-          <a:scene3d>
-            <a:camera prst="orthographicFront">
-              <a:rot lat="0" lon="0" rev="0"/>
-            </a:camera>
-            <a:lightRig rig="threePt" dir="t">
-              <a:rot lat="0" lon="0" rev="1200000"/>
-            </a:lightRig>
-          </a:scene3d>
-          <a:sp3d>
-            <a:bevelT w="63500" h="25400"/>
-          </a:sp3d>
-        </a:effectStyle>
-      </a:effectStyleLst>
-      <a:bgFillStyleLst>
-        <a:solidFill>
-          <a:schemeClr val="phClr"/>
-        </a:solidFill>
-        <a:gradFill rotWithShape="1">
-          <a:gsLst>
-            <a:gs pos="0">
-              <a:schemeClr val="phClr">
-                <a:tint val="40000"/>
-                <a:satMod val="350000"/>
-              </a:schemeClr>
-            </a:gs>
-            <a:gs pos="40000">
-              <a:schemeClr val="phClr">
-                <a:tint val="45000"/>
-                <a:shade val="99000"/>
-                <a:satMod val="350000"/>
-              </a:schemeClr>
-            </a:gs>
-            <a:gs pos="100000">
-              <a:schemeClr val="phClr">
-                <a:shade val="20000"/>
-                <a:satMod val="255000"/>
-              </a:schemeClr>
-            </a:gs>
-          </a:gsLst>
-          <a:path path="circle">
-            <a:fillToRect l="50000" t="-80000" r="50000" b="180000"/>
-          </a:path>
-        </a:gradFill>
-        <a:gradFill rotWithShape="1">
-          <a:gsLst>
-            <a:gs pos="0">
-              <a:schemeClr val="phClr">
-                <a:tint val="80000"/>
-                <a:satMod val="300000"/>
-              </a:schemeClr>
-            </a:gs>
-            <a:gs pos="100000">
-              <a:schemeClr val="phClr">
-                <a:shade val="30000"/>
-                <a:satMod val="200000"/>
-              </a:schemeClr>
-            </a:gs>
-          </a:gsLst>
-          <a:path path="circle">
-            <a:fillToRect l="50000" t="50000" r="50000" b="50000"/>
-          </a:path>
-        </a:gradFill>
-      </a:bgFillStyleLst>
-    </a:fmtScheme>
-  </a:themeElements>
-</a:theme>
 </file>